--- a/docs/lesson-4-jquery.pptx
+++ b/docs/lesson-4-jquery.pptx
@@ -3676,6 +3676,157 @@
               <a:tabLst/>
               <a:defRPr/>
             </a:pPr>
+            <a:r>
+              <a:rPr lang="en-US" dirty="0" smtClean="0"/>
+              <a:t>$(function () {</a:t>
+            </a:r>
+          </a:p>
+          <a:p>
+            <a:pPr marL="0" marR="0" indent="0" algn="l" defTabSz="914400" rtl="0" eaLnBrk="1" latinLnBrk="0" hangingPunct="1">
+              <a:lnSpc>
+                <a:spcPct val="100000"/>
+              </a:lnSpc>
+              <a:spcBef>
+                <a:spcPts val="0"/>
+              </a:spcBef>
+              <a:spcAft>
+                <a:spcPts val="0"/>
+              </a:spcAft>
+              <a:buClrTx/>
+              <a:buSzTx/>
+              <a:buFontTx/>
+              <a:buNone/>
+              <a:tabLst/>
+              <a:defRPr/>
+            </a:pPr>
+            <a:r>
+              <a:rPr lang="en-US" dirty="0" smtClean="0"/>
+              <a:t>    </a:t>
+            </a:r>
+            <a:r>
+              <a:rPr lang="en-US" dirty="0" err="1" smtClean="0"/>
+              <a:t>AppController.init</a:t>
+            </a:r>
+            <a:r>
+              <a:rPr lang="en-US" dirty="0" smtClean="0"/>
+              <a:t>();</a:t>
+            </a:r>
+          </a:p>
+          <a:p>
+            <a:pPr marL="0" marR="0" indent="0" algn="l" defTabSz="914400" rtl="0" eaLnBrk="1" latinLnBrk="0" hangingPunct="1">
+              <a:lnSpc>
+                <a:spcPct val="100000"/>
+              </a:lnSpc>
+              <a:spcBef>
+                <a:spcPts val="0"/>
+              </a:spcBef>
+              <a:spcAft>
+                <a:spcPts val="0"/>
+              </a:spcAft>
+              <a:buClrTx/>
+              <a:buSzTx/>
+              <a:buFontTx/>
+              <a:buNone/>
+              <a:tabLst/>
+              <a:defRPr/>
+            </a:pPr>
+            <a:r>
+              <a:rPr lang="en-US" dirty="0" smtClean="0"/>
+              <a:t>    </a:t>
+            </a:r>
+            <a:r>
+              <a:rPr lang="en-US" dirty="0" err="1" smtClean="0"/>
+              <a:t>TopicController.init</a:t>
+            </a:r>
+            <a:r>
+              <a:rPr lang="en-US" dirty="0" smtClean="0"/>
+              <a:t>();</a:t>
+            </a:r>
+          </a:p>
+          <a:p>
+            <a:pPr marL="0" marR="0" indent="0" algn="l" defTabSz="914400" rtl="0" eaLnBrk="1" latinLnBrk="0" hangingPunct="1">
+              <a:lnSpc>
+                <a:spcPct val="100000"/>
+              </a:lnSpc>
+              <a:spcBef>
+                <a:spcPts val="0"/>
+              </a:spcBef>
+              <a:spcAft>
+                <a:spcPts val="0"/>
+              </a:spcAft>
+              <a:buClrTx/>
+              <a:buSzTx/>
+              <a:buFontTx/>
+              <a:buNone/>
+              <a:tabLst/>
+              <a:defRPr/>
+            </a:pPr>
+            <a:r>
+              <a:rPr lang="en-US" dirty="0" smtClean="0"/>
+              <a:t>    console.log("App started.");</a:t>
+            </a:r>
+          </a:p>
+          <a:p>
+            <a:pPr marL="0" marR="0" indent="0" algn="l" defTabSz="914400" rtl="0" eaLnBrk="1" latinLnBrk="0" hangingPunct="1">
+              <a:lnSpc>
+                <a:spcPct val="100000"/>
+              </a:lnSpc>
+              <a:spcBef>
+                <a:spcPts val="0"/>
+              </a:spcBef>
+              <a:spcAft>
+                <a:spcPts val="0"/>
+              </a:spcAft>
+              <a:buClrTx/>
+              <a:buSzTx/>
+              <a:buFontTx/>
+              <a:buNone/>
+              <a:tabLst/>
+              <a:defRPr/>
+            </a:pPr>
+            <a:r>
+              <a:rPr lang="en-US" dirty="0" smtClean="0"/>
+              <a:t>    </a:t>
+            </a:r>
+            <a:r>
+              <a:rPr lang="en-US" dirty="0" err="1" smtClean="0"/>
+              <a:t>ToastController.show</a:t>
+            </a:r>
+            <a:r>
+              <a:rPr lang="en-US" dirty="0" smtClean="0"/>
+              <a:t>(</a:t>
+            </a:r>
+            <a:r>
+              <a:rPr lang="en-US" dirty="0" err="1" smtClean="0"/>
+              <a:t>ToastController.type.SUCCESS</a:t>
+            </a:r>
+            <a:r>
+              <a:rPr lang="en-US" dirty="0" smtClean="0"/>
+              <a:t>, "App started.");</a:t>
+            </a:r>
+          </a:p>
+          <a:p>
+            <a:pPr marL="0" marR="0" indent="0" algn="l" defTabSz="914400" rtl="0" eaLnBrk="1" latinLnBrk="0" hangingPunct="1">
+              <a:lnSpc>
+                <a:spcPct val="100000"/>
+              </a:lnSpc>
+              <a:spcBef>
+                <a:spcPts val="0"/>
+              </a:spcBef>
+              <a:spcAft>
+                <a:spcPts val="0"/>
+              </a:spcAft>
+              <a:buClrTx/>
+              <a:buSzTx/>
+              <a:buFontTx/>
+              <a:buNone/>
+              <a:tabLst/>
+              <a:defRPr/>
+            </a:pPr>
+            <a:r>
+              <a:rPr lang="en-US" dirty="0" smtClean="0"/>
+              <a:t>});</a:t>
+            </a:r>
             <a:endParaRPr lang="en-US" dirty="0"/>
           </a:p>
         </p:txBody>
@@ -3782,7 +3933,546 @@
               <a:tabLst/>
               <a:defRPr/>
             </a:pPr>
-            <a:endParaRPr lang="en-US" dirty="0"/>
+            <a:r>
+              <a:rPr lang="hu-HU" altLang="hu-HU" b="0" i="0" dirty="0" smtClean="0">
+                <a:latin typeface="Lucida Console" panose="020B0609040504020204" pitchFamily="49" charset="0"/>
+              </a:rPr>
+              <a:t>        </a:t>
+            </a:r>
+            <a:r>
+              <a:rPr lang="en-US" b="0" i="0" dirty="0" smtClean="0">
+                <a:latin typeface="Lucida Console" panose="020B0609040504020204" pitchFamily="49" charset="0"/>
+              </a:rPr>
+              <a:t> </a:t>
+            </a:r>
+            <a:r>
+              <a:rPr lang="en-US" b="0" i="0" dirty="0" err="1" smtClean="0">
+                <a:latin typeface="Lucida Console" panose="020B0609040504020204" pitchFamily="49" charset="0"/>
+              </a:rPr>
+              <a:t>var</a:t>
+            </a:r>
+            <a:r>
+              <a:rPr lang="en-US" b="0" i="0" dirty="0" smtClean="0">
+                <a:latin typeface="Lucida Console" panose="020B0609040504020204" pitchFamily="49" charset="0"/>
+              </a:rPr>
+              <a:t> </a:t>
+            </a:r>
+            <a:r>
+              <a:rPr lang="en-US" b="0" i="0" dirty="0" err="1" smtClean="0">
+                <a:latin typeface="Lucida Console" panose="020B0609040504020204" pitchFamily="49" charset="0"/>
+              </a:rPr>
+              <a:t>sear11chFormInput</a:t>
+            </a:r>
+            <a:r>
+              <a:rPr lang="en-US" b="0" i="0" dirty="0" smtClean="0">
+                <a:latin typeface="Lucida Console" panose="020B0609040504020204" pitchFamily="49" charset="0"/>
+              </a:rPr>
+              <a:t> = $('#search-form').find('input');</a:t>
+            </a:r>
+          </a:p>
+          <a:p>
+            <a:pPr marL="0" marR="0" indent="0" algn="l" defTabSz="914400" rtl="0" eaLnBrk="1" latinLnBrk="0" hangingPunct="1">
+              <a:lnSpc>
+                <a:spcPct val="100000"/>
+              </a:lnSpc>
+              <a:spcBef>
+                <a:spcPts val="0"/>
+              </a:spcBef>
+              <a:spcAft>
+                <a:spcPts val="0"/>
+              </a:spcAft>
+              <a:buClrTx/>
+              <a:buSzTx/>
+              <a:buFontTx/>
+              <a:buNone/>
+              <a:tabLst/>
+              <a:defRPr/>
+            </a:pPr>
+            <a:endParaRPr lang="en-US" b="0" i="0" dirty="0" smtClean="0">
+              <a:latin typeface="Lucida Console" panose="020B0609040504020204" pitchFamily="49" charset="0"/>
+            </a:endParaRPr>
+          </a:p>
+          <a:p>
+            <a:pPr marL="0" marR="0" indent="0" algn="l" defTabSz="914400" rtl="0" eaLnBrk="1" latinLnBrk="0" hangingPunct="1">
+              <a:lnSpc>
+                <a:spcPct val="100000"/>
+              </a:lnSpc>
+              <a:spcBef>
+                <a:spcPts val="0"/>
+              </a:spcBef>
+              <a:spcAft>
+                <a:spcPts val="0"/>
+              </a:spcAft>
+              <a:buClrTx/>
+              <a:buSzTx/>
+              <a:buFontTx/>
+              <a:buNone/>
+              <a:tabLst/>
+              <a:defRPr/>
+            </a:pPr>
+            <a:r>
+              <a:rPr lang="en-US" b="0" i="0" dirty="0" smtClean="0">
+                <a:latin typeface="Lucida Console" panose="020B0609040504020204" pitchFamily="49" charset="0"/>
+              </a:rPr>
+              <a:t>        // When clicked on search in small view: Hide logo and expand input field</a:t>
+            </a:r>
+          </a:p>
+          <a:p>
+            <a:pPr marL="0" marR="0" indent="0" algn="l" defTabSz="914400" rtl="0" eaLnBrk="1" latinLnBrk="0" hangingPunct="1">
+              <a:lnSpc>
+                <a:spcPct val="100000"/>
+              </a:lnSpc>
+              <a:spcBef>
+                <a:spcPts val="0"/>
+              </a:spcBef>
+              <a:spcAft>
+                <a:spcPts val="0"/>
+              </a:spcAft>
+              <a:buClrTx/>
+              <a:buSzTx/>
+              <a:buFontTx/>
+              <a:buNone/>
+              <a:tabLst/>
+              <a:defRPr/>
+            </a:pPr>
+            <a:r>
+              <a:rPr lang="en-US" b="0" i="0" dirty="0" smtClean="0">
+                <a:latin typeface="Lucida Console" panose="020B0609040504020204" pitchFamily="49" charset="0"/>
+              </a:rPr>
+              <a:t>        </a:t>
+            </a:r>
+            <a:r>
+              <a:rPr lang="en-US" b="0" i="0" dirty="0" err="1" smtClean="0">
+                <a:latin typeface="Lucida Console" panose="020B0609040504020204" pitchFamily="49" charset="0"/>
+              </a:rPr>
+              <a:t>searchFormInput.on</a:t>
+            </a:r>
+            <a:r>
+              <a:rPr lang="en-US" b="0" i="0" dirty="0" smtClean="0">
+                <a:latin typeface="Lucida Console" panose="020B0609040504020204" pitchFamily="49" charset="0"/>
+              </a:rPr>
+              <a:t>('focus', function(){</a:t>
+            </a:r>
+          </a:p>
+          <a:p>
+            <a:pPr marL="0" marR="0" indent="0" algn="l" defTabSz="914400" rtl="0" eaLnBrk="1" latinLnBrk="0" hangingPunct="1">
+              <a:lnSpc>
+                <a:spcPct val="100000"/>
+              </a:lnSpc>
+              <a:spcBef>
+                <a:spcPts val="0"/>
+              </a:spcBef>
+              <a:spcAft>
+                <a:spcPts val="0"/>
+              </a:spcAft>
+              <a:buClrTx/>
+              <a:buSzTx/>
+              <a:buFontTx/>
+              <a:buNone/>
+              <a:tabLst/>
+              <a:defRPr/>
+            </a:pPr>
+            <a:r>
+              <a:rPr lang="en-US" b="0" i="0" dirty="0" smtClean="0">
+                <a:latin typeface="Lucida Console" panose="020B0609040504020204" pitchFamily="49" charset="0"/>
+              </a:rPr>
+              <a:t>            $('header .logo').</a:t>
+            </a:r>
+            <a:r>
+              <a:rPr lang="en-US" b="0" i="0" dirty="0" err="1" smtClean="0">
+                <a:latin typeface="Lucida Console" panose="020B0609040504020204" pitchFamily="49" charset="0"/>
+              </a:rPr>
+              <a:t>addClass</a:t>
+            </a:r>
+            <a:r>
+              <a:rPr lang="en-US" b="0" i="0" dirty="0" smtClean="0">
+                <a:latin typeface="Lucida Console" panose="020B0609040504020204" pitchFamily="49" charset="0"/>
+              </a:rPr>
+              <a:t>('hide-on-small-screen');</a:t>
+            </a:r>
+          </a:p>
+          <a:p>
+            <a:pPr marL="0" marR="0" indent="0" algn="l" defTabSz="914400" rtl="0" eaLnBrk="1" latinLnBrk="0" hangingPunct="1">
+              <a:lnSpc>
+                <a:spcPct val="100000"/>
+              </a:lnSpc>
+              <a:spcBef>
+                <a:spcPts val="0"/>
+              </a:spcBef>
+              <a:spcAft>
+                <a:spcPts val="0"/>
+              </a:spcAft>
+              <a:buClrTx/>
+              <a:buSzTx/>
+              <a:buFontTx/>
+              <a:buNone/>
+              <a:tabLst/>
+              <a:defRPr/>
+            </a:pPr>
+            <a:r>
+              <a:rPr lang="en-US" b="0" i="0" dirty="0" smtClean="0">
+                <a:latin typeface="Lucida Console" panose="020B0609040504020204" pitchFamily="49" charset="0"/>
+              </a:rPr>
+              <a:t>            </a:t>
+            </a:r>
+            <a:r>
+              <a:rPr lang="en-US" b="0" i="0" dirty="0" err="1" smtClean="0">
+                <a:latin typeface="Lucida Console" panose="020B0609040504020204" pitchFamily="49" charset="0"/>
+              </a:rPr>
+              <a:t>searchFormInput.parent</a:t>
+            </a:r>
+            <a:r>
+              <a:rPr lang="en-US" b="0" i="0" dirty="0" smtClean="0">
+                <a:latin typeface="Lucida Console" panose="020B0609040504020204" pitchFamily="49" charset="0"/>
+              </a:rPr>
+              <a:t>().</a:t>
+            </a:r>
+            <a:r>
+              <a:rPr lang="en-US" b="0" i="0" dirty="0" err="1" smtClean="0">
+                <a:latin typeface="Lucida Console" panose="020B0609040504020204" pitchFamily="49" charset="0"/>
+              </a:rPr>
+              <a:t>addClass</a:t>
+            </a:r>
+            <a:r>
+              <a:rPr lang="en-US" b="0" i="0" dirty="0" smtClean="0">
+                <a:latin typeface="Lucida Console" panose="020B0609040504020204" pitchFamily="49" charset="0"/>
+              </a:rPr>
+              <a:t>('focused').end().</a:t>
+            </a:r>
+            <a:r>
+              <a:rPr lang="en-US" b="0" i="0" dirty="0" err="1" smtClean="0">
+                <a:latin typeface="Lucida Console" panose="020B0609040504020204" pitchFamily="49" charset="0"/>
+              </a:rPr>
+              <a:t>addClass</a:t>
+            </a:r>
+            <a:r>
+              <a:rPr lang="en-US" b="0" i="0" dirty="0" smtClean="0">
+                <a:latin typeface="Lucida Console" panose="020B0609040504020204" pitchFamily="49" charset="0"/>
+              </a:rPr>
+              <a:t>('focused');</a:t>
+            </a:r>
+          </a:p>
+          <a:p>
+            <a:pPr marL="0" marR="0" indent="0" algn="l" defTabSz="914400" rtl="0" eaLnBrk="1" latinLnBrk="0" hangingPunct="1">
+              <a:lnSpc>
+                <a:spcPct val="100000"/>
+              </a:lnSpc>
+              <a:spcBef>
+                <a:spcPts val="0"/>
+              </a:spcBef>
+              <a:spcAft>
+                <a:spcPts val="0"/>
+              </a:spcAft>
+              <a:buClrTx/>
+              <a:buSzTx/>
+              <a:buFontTx/>
+              <a:buNone/>
+              <a:tabLst/>
+              <a:defRPr/>
+            </a:pPr>
+            <a:r>
+              <a:rPr lang="en-US" b="0" i="0" dirty="0" smtClean="0">
+                <a:latin typeface="Lucida Console" panose="020B0609040504020204" pitchFamily="49" charset="0"/>
+              </a:rPr>
+              <a:t>        });</a:t>
+            </a:r>
+          </a:p>
+          <a:p>
+            <a:pPr marL="0" marR="0" indent="0" algn="l" defTabSz="914400" rtl="0" eaLnBrk="1" latinLnBrk="0" hangingPunct="1">
+              <a:lnSpc>
+                <a:spcPct val="100000"/>
+              </a:lnSpc>
+              <a:spcBef>
+                <a:spcPts val="0"/>
+              </a:spcBef>
+              <a:spcAft>
+                <a:spcPts val="0"/>
+              </a:spcAft>
+              <a:buClrTx/>
+              <a:buSzTx/>
+              <a:buFontTx/>
+              <a:buNone/>
+              <a:tabLst/>
+              <a:defRPr/>
+            </a:pPr>
+            <a:endParaRPr lang="en-US" b="0" i="0" dirty="0" smtClean="0">
+              <a:latin typeface="Lucida Console" panose="020B0609040504020204" pitchFamily="49" charset="0"/>
+            </a:endParaRPr>
+          </a:p>
+          <a:p>
+            <a:pPr marL="0" marR="0" indent="0" algn="l" defTabSz="914400" rtl="0" eaLnBrk="1" latinLnBrk="0" hangingPunct="1">
+              <a:lnSpc>
+                <a:spcPct val="100000"/>
+              </a:lnSpc>
+              <a:spcBef>
+                <a:spcPts val="0"/>
+              </a:spcBef>
+              <a:spcAft>
+                <a:spcPts val="0"/>
+              </a:spcAft>
+              <a:buClrTx/>
+              <a:buSzTx/>
+              <a:buFontTx/>
+              <a:buNone/>
+              <a:tabLst/>
+              <a:defRPr/>
+            </a:pPr>
+            <a:r>
+              <a:rPr lang="en-US" b="0" i="0" dirty="0" smtClean="0">
+                <a:latin typeface="Lucida Console" panose="020B0609040504020204" pitchFamily="49" charset="0"/>
+              </a:rPr>
+              <a:t>        // When clicked outside of search in small view: Show logo and collapse input field.</a:t>
+            </a:r>
+          </a:p>
+          <a:p>
+            <a:pPr marL="0" marR="0" indent="0" algn="l" defTabSz="914400" rtl="0" eaLnBrk="1" latinLnBrk="0" hangingPunct="1">
+              <a:lnSpc>
+                <a:spcPct val="100000"/>
+              </a:lnSpc>
+              <a:spcBef>
+                <a:spcPts val="0"/>
+              </a:spcBef>
+              <a:spcAft>
+                <a:spcPts val="0"/>
+              </a:spcAft>
+              <a:buClrTx/>
+              <a:buSzTx/>
+              <a:buFontTx/>
+              <a:buNone/>
+              <a:tabLst/>
+              <a:defRPr/>
+            </a:pPr>
+            <a:r>
+              <a:rPr lang="en-US" b="0" i="0" dirty="0" smtClean="0">
+                <a:latin typeface="Lucida Console" panose="020B0609040504020204" pitchFamily="49" charset="0"/>
+              </a:rPr>
+              <a:t>        // It preserves the field expanded if the field is not empty.</a:t>
+            </a:r>
+          </a:p>
+          <a:p>
+            <a:pPr marL="0" marR="0" indent="0" algn="l" defTabSz="914400" rtl="0" eaLnBrk="1" latinLnBrk="0" hangingPunct="1">
+              <a:lnSpc>
+                <a:spcPct val="100000"/>
+              </a:lnSpc>
+              <a:spcBef>
+                <a:spcPts val="0"/>
+              </a:spcBef>
+              <a:spcAft>
+                <a:spcPts val="0"/>
+              </a:spcAft>
+              <a:buClrTx/>
+              <a:buSzTx/>
+              <a:buFontTx/>
+              <a:buNone/>
+              <a:tabLst/>
+              <a:defRPr/>
+            </a:pPr>
+            <a:r>
+              <a:rPr lang="en-US" b="0" i="0" dirty="0" smtClean="0">
+                <a:latin typeface="Lucida Console" panose="020B0609040504020204" pitchFamily="49" charset="0"/>
+              </a:rPr>
+              <a:t>        </a:t>
+            </a:r>
+            <a:r>
+              <a:rPr lang="en-US" b="0" i="0" dirty="0" err="1" smtClean="0">
+                <a:latin typeface="Lucida Console" panose="020B0609040504020204" pitchFamily="49" charset="0"/>
+              </a:rPr>
+              <a:t>searchFormInput.on</a:t>
+            </a:r>
+            <a:r>
+              <a:rPr lang="en-US" b="0" i="0" dirty="0" smtClean="0">
+                <a:latin typeface="Lucida Console" panose="020B0609040504020204" pitchFamily="49" charset="0"/>
+              </a:rPr>
+              <a:t>('blur', function(){</a:t>
+            </a:r>
+          </a:p>
+          <a:p>
+            <a:pPr marL="0" marR="0" indent="0" algn="l" defTabSz="914400" rtl="0" eaLnBrk="1" latinLnBrk="0" hangingPunct="1">
+              <a:lnSpc>
+                <a:spcPct val="100000"/>
+              </a:lnSpc>
+              <a:spcBef>
+                <a:spcPts val="0"/>
+              </a:spcBef>
+              <a:spcAft>
+                <a:spcPts val="0"/>
+              </a:spcAft>
+              <a:buClrTx/>
+              <a:buSzTx/>
+              <a:buFontTx/>
+              <a:buNone/>
+              <a:tabLst/>
+              <a:defRPr/>
+            </a:pPr>
+            <a:r>
+              <a:rPr lang="en-US" b="0" i="0" dirty="0" smtClean="0">
+                <a:latin typeface="Lucida Console" panose="020B0609040504020204" pitchFamily="49" charset="0"/>
+              </a:rPr>
+              <a:t>            if (</a:t>
+            </a:r>
+            <a:r>
+              <a:rPr lang="en-US" b="0" i="0" dirty="0" err="1" smtClean="0">
+                <a:latin typeface="Lucida Console" panose="020B0609040504020204" pitchFamily="49" charset="0"/>
+              </a:rPr>
+              <a:t>searchFormInput.val</a:t>
+            </a:r>
+            <a:r>
+              <a:rPr lang="en-US" b="0" i="0" dirty="0" smtClean="0">
+                <a:latin typeface="Lucida Console" panose="020B0609040504020204" pitchFamily="49" charset="0"/>
+              </a:rPr>
+              <a:t>().trim().length === 0) {</a:t>
+            </a:r>
+          </a:p>
+          <a:p>
+            <a:pPr marL="0" marR="0" indent="0" algn="l" defTabSz="914400" rtl="0" eaLnBrk="1" latinLnBrk="0" hangingPunct="1">
+              <a:lnSpc>
+                <a:spcPct val="100000"/>
+              </a:lnSpc>
+              <a:spcBef>
+                <a:spcPts val="0"/>
+              </a:spcBef>
+              <a:spcAft>
+                <a:spcPts val="0"/>
+              </a:spcAft>
+              <a:buClrTx/>
+              <a:buSzTx/>
+              <a:buFontTx/>
+              <a:buNone/>
+              <a:tabLst/>
+              <a:defRPr/>
+            </a:pPr>
+            <a:r>
+              <a:rPr lang="en-US" b="0" i="0" dirty="0" smtClean="0">
+                <a:latin typeface="Lucida Console" panose="020B0609040504020204" pitchFamily="49" charset="0"/>
+              </a:rPr>
+              <a:t>                $('header .logo').</a:t>
+            </a:r>
+            <a:r>
+              <a:rPr lang="en-US" b="0" i="0" dirty="0" err="1" smtClean="0">
+                <a:latin typeface="Lucida Console" panose="020B0609040504020204" pitchFamily="49" charset="0"/>
+              </a:rPr>
+              <a:t>removeClass</a:t>
+            </a:r>
+            <a:r>
+              <a:rPr lang="en-US" b="0" i="0" dirty="0" smtClean="0">
+                <a:latin typeface="Lucida Console" panose="020B0609040504020204" pitchFamily="49" charset="0"/>
+              </a:rPr>
+              <a:t>('hide-on-small-screen');</a:t>
+            </a:r>
+          </a:p>
+          <a:p>
+            <a:pPr marL="0" marR="0" indent="0" algn="l" defTabSz="914400" rtl="0" eaLnBrk="1" latinLnBrk="0" hangingPunct="1">
+              <a:lnSpc>
+                <a:spcPct val="100000"/>
+              </a:lnSpc>
+              <a:spcBef>
+                <a:spcPts val="0"/>
+              </a:spcBef>
+              <a:spcAft>
+                <a:spcPts val="0"/>
+              </a:spcAft>
+              <a:buClrTx/>
+              <a:buSzTx/>
+              <a:buFontTx/>
+              <a:buNone/>
+              <a:tabLst/>
+              <a:defRPr/>
+            </a:pPr>
+            <a:r>
+              <a:rPr lang="en-US" b="0" i="0" dirty="0" smtClean="0">
+                <a:latin typeface="Lucida Console" panose="020B0609040504020204" pitchFamily="49" charset="0"/>
+              </a:rPr>
+              <a:t>                </a:t>
+            </a:r>
+            <a:r>
+              <a:rPr lang="en-US" b="0" i="0" dirty="0" err="1" smtClean="0">
+                <a:latin typeface="Lucida Console" panose="020B0609040504020204" pitchFamily="49" charset="0"/>
+              </a:rPr>
+              <a:t>searchFormInput.parent</a:t>
+            </a:r>
+            <a:r>
+              <a:rPr lang="en-US" b="0" i="0" dirty="0" smtClean="0">
+                <a:latin typeface="Lucida Console" panose="020B0609040504020204" pitchFamily="49" charset="0"/>
+              </a:rPr>
+              <a:t>().</a:t>
+            </a:r>
+            <a:r>
+              <a:rPr lang="en-US" b="0" i="0" dirty="0" err="1" smtClean="0">
+                <a:latin typeface="Lucida Console" panose="020B0609040504020204" pitchFamily="49" charset="0"/>
+              </a:rPr>
+              <a:t>removeClass</a:t>
+            </a:r>
+            <a:r>
+              <a:rPr lang="en-US" b="0" i="0" dirty="0" smtClean="0">
+                <a:latin typeface="Lucida Console" panose="020B0609040504020204" pitchFamily="49" charset="0"/>
+              </a:rPr>
+              <a:t>('focused').end().</a:t>
+            </a:r>
+            <a:r>
+              <a:rPr lang="en-US" b="0" i="0" dirty="0" err="1" smtClean="0">
+                <a:latin typeface="Lucida Console" panose="020B0609040504020204" pitchFamily="49" charset="0"/>
+              </a:rPr>
+              <a:t>removeClass</a:t>
+            </a:r>
+            <a:r>
+              <a:rPr lang="en-US" b="0" i="0" dirty="0" smtClean="0">
+                <a:latin typeface="Lucida Console" panose="020B0609040504020204" pitchFamily="49" charset="0"/>
+              </a:rPr>
+              <a:t>('focused');</a:t>
+            </a:r>
+          </a:p>
+          <a:p>
+            <a:pPr marL="0" marR="0" indent="0" algn="l" defTabSz="914400" rtl="0" eaLnBrk="1" latinLnBrk="0" hangingPunct="1">
+              <a:lnSpc>
+                <a:spcPct val="100000"/>
+              </a:lnSpc>
+              <a:spcBef>
+                <a:spcPts val="0"/>
+              </a:spcBef>
+              <a:spcAft>
+                <a:spcPts val="0"/>
+              </a:spcAft>
+              <a:buClrTx/>
+              <a:buSzTx/>
+              <a:buFontTx/>
+              <a:buNone/>
+              <a:tabLst/>
+              <a:defRPr/>
+            </a:pPr>
+            <a:r>
+              <a:rPr lang="en-US" b="0" i="0" dirty="0" smtClean="0">
+                <a:latin typeface="Lucida Console" panose="020B0609040504020204" pitchFamily="49" charset="0"/>
+              </a:rPr>
+              <a:t>            }</a:t>
+            </a:r>
+          </a:p>
+          <a:p>
+            <a:pPr marL="0" marR="0" indent="0" algn="l" defTabSz="914400" rtl="0" eaLnBrk="1" latinLnBrk="0" hangingPunct="1">
+              <a:lnSpc>
+                <a:spcPct val="100000"/>
+              </a:lnSpc>
+              <a:spcBef>
+                <a:spcPts val="0"/>
+              </a:spcBef>
+              <a:spcAft>
+                <a:spcPts val="0"/>
+              </a:spcAft>
+              <a:buClrTx/>
+              <a:buSzTx/>
+              <a:buFontTx/>
+              <a:buNone/>
+              <a:tabLst/>
+              <a:defRPr/>
+            </a:pPr>
+            <a:r>
+              <a:rPr lang="en-US" b="0" i="0" dirty="0" smtClean="0">
+                <a:latin typeface="Lucida Console" panose="020B0609040504020204" pitchFamily="49" charset="0"/>
+              </a:rPr>
+              <a:t>        });</a:t>
+            </a:r>
+            <a:endParaRPr lang="en-US" b="0" i="0" dirty="0">
+              <a:latin typeface="Lucida Console" panose="020B0609040504020204" pitchFamily="49" charset="0"/>
+            </a:endParaRPr>
           </a:p>
         </p:txBody>
       </p:sp>
@@ -3888,6 +4578,706 @@
               <a:tabLst/>
               <a:defRPr/>
             </a:pPr>
+            <a:r>
+              <a:rPr lang="en-US" dirty="0" smtClean="0"/>
+              <a:t>/**</a:t>
+            </a:r>
+          </a:p>
+          <a:p>
+            <a:pPr marL="0" marR="0" indent="0" algn="l" defTabSz="914400" rtl="0" eaLnBrk="1" latinLnBrk="0" hangingPunct="1">
+              <a:lnSpc>
+                <a:spcPct val="100000"/>
+              </a:lnSpc>
+              <a:spcBef>
+                <a:spcPts val="0"/>
+              </a:spcBef>
+              <a:spcAft>
+                <a:spcPts val="0"/>
+              </a:spcAft>
+              <a:buClrTx/>
+              <a:buSzTx/>
+              <a:buFontTx/>
+              <a:buNone/>
+              <a:tabLst/>
+              <a:defRPr/>
+            </a:pPr>
+            <a:r>
+              <a:rPr lang="en-US" dirty="0" smtClean="0"/>
+              <a:t> * Shows a new toast with the given type, message.</a:t>
+            </a:r>
+          </a:p>
+          <a:p>
+            <a:pPr marL="0" marR="0" indent="0" algn="l" defTabSz="914400" rtl="0" eaLnBrk="1" latinLnBrk="0" hangingPunct="1">
+              <a:lnSpc>
+                <a:spcPct val="100000"/>
+              </a:lnSpc>
+              <a:spcBef>
+                <a:spcPts val="0"/>
+              </a:spcBef>
+              <a:spcAft>
+                <a:spcPts val="0"/>
+              </a:spcAft>
+              <a:buClrTx/>
+              <a:buSzTx/>
+              <a:buFontTx/>
+              <a:buNone/>
+              <a:tabLst/>
+              <a:defRPr/>
+            </a:pPr>
+            <a:r>
+              <a:rPr lang="en-US" dirty="0" smtClean="0"/>
+              <a:t> * If it's shown calls the done callback.</a:t>
+            </a:r>
+          </a:p>
+          <a:p>
+            <a:pPr marL="0" marR="0" indent="0" algn="l" defTabSz="914400" rtl="0" eaLnBrk="1" latinLnBrk="0" hangingPunct="1">
+              <a:lnSpc>
+                <a:spcPct val="100000"/>
+              </a:lnSpc>
+              <a:spcBef>
+                <a:spcPts val="0"/>
+              </a:spcBef>
+              <a:spcAft>
+                <a:spcPts val="0"/>
+              </a:spcAft>
+              <a:buClrTx/>
+              <a:buSzTx/>
+              <a:buFontTx/>
+              <a:buNone/>
+              <a:tabLst/>
+              <a:defRPr/>
+            </a:pPr>
+            <a:r>
+              <a:rPr lang="en-US" dirty="0" smtClean="0"/>
+              <a:t> *</a:t>
+            </a:r>
+          </a:p>
+          <a:p>
+            <a:pPr marL="0" marR="0" indent="0" algn="l" defTabSz="914400" rtl="0" eaLnBrk="1" latinLnBrk="0" hangingPunct="1">
+              <a:lnSpc>
+                <a:spcPct val="100000"/>
+              </a:lnSpc>
+              <a:spcBef>
+                <a:spcPts val="0"/>
+              </a:spcBef>
+              <a:spcAft>
+                <a:spcPts val="0"/>
+              </a:spcAft>
+              <a:buClrTx/>
+              <a:buSzTx/>
+              <a:buFontTx/>
+              <a:buNone/>
+              <a:tabLst/>
+              <a:defRPr/>
+            </a:pPr>
+            <a:r>
+              <a:rPr lang="en-US" dirty="0" smtClean="0"/>
+              <a:t> * @private</a:t>
+            </a:r>
+          </a:p>
+          <a:p>
+            <a:pPr marL="0" marR="0" indent="0" algn="l" defTabSz="914400" rtl="0" eaLnBrk="1" latinLnBrk="0" hangingPunct="1">
+              <a:lnSpc>
+                <a:spcPct val="100000"/>
+              </a:lnSpc>
+              <a:spcBef>
+                <a:spcPts val="0"/>
+              </a:spcBef>
+              <a:spcAft>
+                <a:spcPts val="0"/>
+              </a:spcAft>
+              <a:buClrTx/>
+              <a:buSzTx/>
+              <a:buFontTx/>
+              <a:buNone/>
+              <a:tabLst/>
+              <a:defRPr/>
+            </a:pPr>
+            <a:r>
+              <a:rPr lang="en-US" dirty="0" smtClean="0"/>
+              <a:t> * @</a:t>
+            </a:r>
+            <a:r>
+              <a:rPr lang="en-US" dirty="0" err="1" smtClean="0"/>
+              <a:t>param</a:t>
+            </a:r>
+            <a:r>
+              <a:rPr lang="en-US" dirty="0" smtClean="0"/>
+              <a:t> {string} type</a:t>
+            </a:r>
+          </a:p>
+          <a:p>
+            <a:pPr marL="0" marR="0" indent="0" algn="l" defTabSz="914400" rtl="0" eaLnBrk="1" latinLnBrk="0" hangingPunct="1">
+              <a:lnSpc>
+                <a:spcPct val="100000"/>
+              </a:lnSpc>
+              <a:spcBef>
+                <a:spcPts val="0"/>
+              </a:spcBef>
+              <a:spcAft>
+                <a:spcPts val="0"/>
+              </a:spcAft>
+              <a:buClrTx/>
+              <a:buSzTx/>
+              <a:buFontTx/>
+              <a:buNone/>
+              <a:tabLst/>
+              <a:defRPr/>
+            </a:pPr>
+            <a:r>
+              <a:rPr lang="en-US" dirty="0" smtClean="0"/>
+              <a:t> * @</a:t>
+            </a:r>
+            <a:r>
+              <a:rPr lang="en-US" dirty="0" err="1" smtClean="0"/>
+              <a:t>param</a:t>
+            </a:r>
+            <a:r>
+              <a:rPr lang="en-US" dirty="0" smtClean="0"/>
+              <a:t> {string} </a:t>
+            </a:r>
+            <a:r>
+              <a:rPr lang="en-US" dirty="0" err="1" smtClean="0"/>
+              <a:t>msg</a:t>
+            </a:r>
+            <a:endParaRPr lang="en-US" dirty="0" smtClean="0"/>
+          </a:p>
+          <a:p>
+            <a:pPr marL="0" marR="0" indent="0" algn="l" defTabSz="914400" rtl="0" eaLnBrk="1" latinLnBrk="0" hangingPunct="1">
+              <a:lnSpc>
+                <a:spcPct val="100000"/>
+              </a:lnSpc>
+              <a:spcBef>
+                <a:spcPts val="0"/>
+              </a:spcBef>
+              <a:spcAft>
+                <a:spcPts val="0"/>
+              </a:spcAft>
+              <a:buClrTx/>
+              <a:buSzTx/>
+              <a:buFontTx/>
+              <a:buNone/>
+              <a:tabLst/>
+              <a:defRPr/>
+            </a:pPr>
+            <a:r>
+              <a:rPr lang="en-US" dirty="0" smtClean="0"/>
+              <a:t> * @</a:t>
+            </a:r>
+            <a:r>
+              <a:rPr lang="en-US" dirty="0" err="1" smtClean="0"/>
+              <a:t>param</a:t>
+            </a:r>
+            <a:r>
+              <a:rPr lang="en-US" dirty="0" smtClean="0"/>
+              <a:t> {function} [done]</a:t>
+            </a:r>
+          </a:p>
+          <a:p>
+            <a:pPr marL="0" marR="0" indent="0" algn="l" defTabSz="914400" rtl="0" eaLnBrk="1" latinLnBrk="0" hangingPunct="1">
+              <a:lnSpc>
+                <a:spcPct val="100000"/>
+              </a:lnSpc>
+              <a:spcBef>
+                <a:spcPts val="0"/>
+              </a:spcBef>
+              <a:spcAft>
+                <a:spcPts val="0"/>
+              </a:spcAft>
+              <a:buClrTx/>
+              <a:buSzTx/>
+              <a:buFontTx/>
+              <a:buNone/>
+              <a:tabLst/>
+              <a:defRPr/>
+            </a:pPr>
+            <a:r>
+              <a:rPr lang="en-US" dirty="0" smtClean="0"/>
+              <a:t> */</a:t>
+            </a:r>
+          </a:p>
+          <a:p>
+            <a:pPr marL="0" marR="0" indent="0" algn="l" defTabSz="914400" rtl="0" eaLnBrk="1" latinLnBrk="0" hangingPunct="1">
+              <a:lnSpc>
+                <a:spcPct val="100000"/>
+              </a:lnSpc>
+              <a:spcBef>
+                <a:spcPts val="0"/>
+              </a:spcBef>
+              <a:spcAft>
+                <a:spcPts val="0"/>
+              </a:spcAft>
+              <a:buClrTx/>
+              <a:buSzTx/>
+              <a:buFontTx/>
+              <a:buNone/>
+              <a:tabLst/>
+              <a:defRPr/>
+            </a:pPr>
+            <a:r>
+              <a:rPr lang="en-US" dirty="0" err="1" smtClean="0"/>
+              <a:t>ToastController.showToast</a:t>
+            </a:r>
+            <a:r>
+              <a:rPr lang="en-US" dirty="0" smtClean="0"/>
+              <a:t> = function (type, </a:t>
+            </a:r>
+            <a:r>
+              <a:rPr lang="en-US" dirty="0" err="1" smtClean="0"/>
+              <a:t>msg</a:t>
+            </a:r>
+            <a:r>
+              <a:rPr lang="en-US" dirty="0" smtClean="0"/>
+              <a:t>, done) {</a:t>
+            </a:r>
+          </a:p>
+          <a:p>
+            <a:pPr marL="0" marR="0" indent="0" algn="l" defTabSz="914400" rtl="0" eaLnBrk="1" latinLnBrk="0" hangingPunct="1">
+              <a:lnSpc>
+                <a:spcPct val="100000"/>
+              </a:lnSpc>
+              <a:spcBef>
+                <a:spcPts val="0"/>
+              </a:spcBef>
+              <a:spcAft>
+                <a:spcPts val="0"/>
+              </a:spcAft>
+              <a:buClrTx/>
+              <a:buSzTx/>
+              <a:buFontTx/>
+              <a:buNone/>
+              <a:tabLst/>
+              <a:defRPr/>
+            </a:pPr>
+            <a:r>
+              <a:rPr lang="en-US" dirty="0" smtClean="0"/>
+              <a:t>    $(".toast")</a:t>
+            </a:r>
+          </a:p>
+          <a:p>
+            <a:pPr marL="0" marR="0" indent="0" algn="l" defTabSz="914400" rtl="0" eaLnBrk="1" latinLnBrk="0" hangingPunct="1">
+              <a:lnSpc>
+                <a:spcPct val="100000"/>
+              </a:lnSpc>
+              <a:spcBef>
+                <a:spcPts val="0"/>
+              </a:spcBef>
+              <a:spcAft>
+                <a:spcPts val="0"/>
+              </a:spcAft>
+              <a:buClrTx/>
+              <a:buSzTx/>
+              <a:buFontTx/>
+              <a:buNone/>
+              <a:tabLst/>
+              <a:defRPr/>
+            </a:pPr>
+            <a:r>
+              <a:rPr lang="en-US" dirty="0" smtClean="0"/>
+              <a:t>        .</a:t>
+            </a:r>
+            <a:r>
+              <a:rPr lang="en-US" dirty="0" err="1" smtClean="0"/>
+              <a:t>removeClass</a:t>
+            </a:r>
+            <a:r>
+              <a:rPr lang="en-US" dirty="0" smtClean="0"/>
+              <a:t>()</a:t>
+            </a:r>
+          </a:p>
+          <a:p>
+            <a:pPr marL="0" marR="0" indent="0" algn="l" defTabSz="914400" rtl="0" eaLnBrk="1" latinLnBrk="0" hangingPunct="1">
+              <a:lnSpc>
+                <a:spcPct val="100000"/>
+              </a:lnSpc>
+              <a:spcBef>
+                <a:spcPts val="0"/>
+              </a:spcBef>
+              <a:spcAft>
+                <a:spcPts val="0"/>
+              </a:spcAft>
+              <a:buClrTx/>
+              <a:buSzTx/>
+              <a:buFontTx/>
+              <a:buNone/>
+              <a:tabLst/>
+              <a:defRPr/>
+            </a:pPr>
+            <a:r>
+              <a:rPr lang="en-US" dirty="0" smtClean="0"/>
+              <a:t>        .</a:t>
+            </a:r>
+            <a:r>
+              <a:rPr lang="en-US" dirty="0" err="1" smtClean="0"/>
+              <a:t>addClass</a:t>
+            </a:r>
+            <a:r>
+              <a:rPr lang="en-US" dirty="0" smtClean="0"/>
+              <a:t>("toast")</a:t>
+            </a:r>
+          </a:p>
+          <a:p>
+            <a:pPr marL="0" marR="0" indent="0" algn="l" defTabSz="914400" rtl="0" eaLnBrk="1" latinLnBrk="0" hangingPunct="1">
+              <a:lnSpc>
+                <a:spcPct val="100000"/>
+              </a:lnSpc>
+              <a:spcBef>
+                <a:spcPts val="0"/>
+              </a:spcBef>
+              <a:spcAft>
+                <a:spcPts val="0"/>
+              </a:spcAft>
+              <a:buClrTx/>
+              <a:buSzTx/>
+              <a:buFontTx/>
+              <a:buNone/>
+              <a:tabLst/>
+              <a:defRPr/>
+            </a:pPr>
+            <a:r>
+              <a:rPr lang="en-US" dirty="0" smtClean="0"/>
+              <a:t>        .</a:t>
+            </a:r>
+            <a:r>
+              <a:rPr lang="en-US" dirty="0" err="1" smtClean="0"/>
+              <a:t>addClass</a:t>
+            </a:r>
+            <a:r>
+              <a:rPr lang="en-US" dirty="0" smtClean="0"/>
+              <a:t>(type)</a:t>
+            </a:r>
+          </a:p>
+          <a:p>
+            <a:pPr marL="0" marR="0" indent="0" algn="l" defTabSz="914400" rtl="0" eaLnBrk="1" latinLnBrk="0" hangingPunct="1">
+              <a:lnSpc>
+                <a:spcPct val="100000"/>
+              </a:lnSpc>
+              <a:spcBef>
+                <a:spcPts val="0"/>
+              </a:spcBef>
+              <a:spcAft>
+                <a:spcPts val="0"/>
+              </a:spcAft>
+              <a:buClrTx/>
+              <a:buSzTx/>
+              <a:buFontTx/>
+              <a:buNone/>
+              <a:tabLst/>
+              <a:defRPr/>
+            </a:pPr>
+            <a:r>
+              <a:rPr lang="en-US" dirty="0" smtClean="0"/>
+              <a:t>        .html(</a:t>
+            </a:r>
+            <a:r>
+              <a:rPr lang="en-US" dirty="0" err="1" smtClean="0"/>
+              <a:t>msg</a:t>
+            </a:r>
+            <a:r>
+              <a:rPr lang="en-US" dirty="0" smtClean="0"/>
+              <a:t>)</a:t>
+            </a:r>
+          </a:p>
+          <a:p>
+            <a:pPr marL="0" marR="0" indent="0" algn="l" defTabSz="914400" rtl="0" eaLnBrk="1" latinLnBrk="0" hangingPunct="1">
+              <a:lnSpc>
+                <a:spcPct val="100000"/>
+              </a:lnSpc>
+              <a:spcBef>
+                <a:spcPts val="0"/>
+              </a:spcBef>
+              <a:spcAft>
+                <a:spcPts val="0"/>
+              </a:spcAft>
+              <a:buClrTx/>
+              <a:buSzTx/>
+              <a:buFontTx/>
+              <a:buNone/>
+              <a:tabLst/>
+              <a:defRPr/>
+            </a:pPr>
+            <a:r>
+              <a:rPr lang="en-US" dirty="0" smtClean="0"/>
+              <a:t>        .</a:t>
+            </a:r>
+            <a:r>
+              <a:rPr lang="en-US" dirty="0" err="1" smtClean="0"/>
+              <a:t>fadeIn</a:t>
+            </a:r>
+            <a:r>
+              <a:rPr lang="en-US" dirty="0" smtClean="0"/>
+              <a:t>('fast', done);</a:t>
+            </a:r>
+          </a:p>
+          <a:p>
+            <a:pPr marL="0" marR="0" indent="0" algn="l" defTabSz="914400" rtl="0" eaLnBrk="1" latinLnBrk="0" hangingPunct="1">
+              <a:lnSpc>
+                <a:spcPct val="100000"/>
+              </a:lnSpc>
+              <a:spcBef>
+                <a:spcPts val="0"/>
+              </a:spcBef>
+              <a:spcAft>
+                <a:spcPts val="0"/>
+              </a:spcAft>
+              <a:buClrTx/>
+              <a:buSzTx/>
+              <a:buFontTx/>
+              <a:buNone/>
+              <a:tabLst/>
+              <a:defRPr/>
+            </a:pPr>
+            <a:r>
+              <a:rPr lang="en-US" dirty="0" smtClean="0"/>
+              <a:t>};</a:t>
+            </a:r>
+          </a:p>
+          <a:p>
+            <a:pPr marL="0" marR="0" indent="0" algn="l" defTabSz="914400" rtl="0" eaLnBrk="1" latinLnBrk="0" hangingPunct="1">
+              <a:lnSpc>
+                <a:spcPct val="100000"/>
+              </a:lnSpc>
+              <a:spcBef>
+                <a:spcPts val="0"/>
+              </a:spcBef>
+              <a:spcAft>
+                <a:spcPts val="0"/>
+              </a:spcAft>
+              <a:buClrTx/>
+              <a:buSzTx/>
+              <a:buFontTx/>
+              <a:buNone/>
+              <a:tabLst/>
+              <a:defRPr/>
+            </a:pPr>
+            <a:endParaRPr lang="en-US" dirty="0" smtClean="0"/>
+          </a:p>
+          <a:p>
+            <a:pPr marL="0" marR="0" indent="0" algn="l" defTabSz="914400" rtl="0" eaLnBrk="1" latinLnBrk="0" hangingPunct="1">
+              <a:lnSpc>
+                <a:spcPct val="100000"/>
+              </a:lnSpc>
+              <a:spcBef>
+                <a:spcPts val="0"/>
+              </a:spcBef>
+              <a:spcAft>
+                <a:spcPts val="0"/>
+              </a:spcAft>
+              <a:buClrTx/>
+              <a:buSzTx/>
+              <a:buFontTx/>
+              <a:buNone/>
+              <a:tabLst/>
+              <a:defRPr/>
+            </a:pPr>
+            <a:r>
+              <a:rPr lang="en-US" dirty="0" smtClean="0"/>
+              <a:t>/**</a:t>
+            </a:r>
+          </a:p>
+          <a:p>
+            <a:pPr marL="0" marR="0" indent="0" algn="l" defTabSz="914400" rtl="0" eaLnBrk="1" latinLnBrk="0" hangingPunct="1">
+              <a:lnSpc>
+                <a:spcPct val="100000"/>
+              </a:lnSpc>
+              <a:spcBef>
+                <a:spcPts val="0"/>
+              </a:spcBef>
+              <a:spcAft>
+                <a:spcPts val="0"/>
+              </a:spcAft>
+              <a:buClrTx/>
+              <a:buSzTx/>
+              <a:buFontTx/>
+              <a:buNone/>
+              <a:tabLst/>
+              <a:defRPr/>
+            </a:pPr>
+            <a:r>
+              <a:rPr lang="en-US" dirty="0" smtClean="0"/>
+              <a:t> * Hides the current toast, than calls the done callback.</a:t>
+            </a:r>
+          </a:p>
+          <a:p>
+            <a:pPr marL="0" marR="0" indent="0" algn="l" defTabSz="914400" rtl="0" eaLnBrk="1" latinLnBrk="0" hangingPunct="1">
+              <a:lnSpc>
+                <a:spcPct val="100000"/>
+              </a:lnSpc>
+              <a:spcBef>
+                <a:spcPts val="0"/>
+              </a:spcBef>
+              <a:spcAft>
+                <a:spcPts val="0"/>
+              </a:spcAft>
+              <a:buClrTx/>
+              <a:buSzTx/>
+              <a:buFontTx/>
+              <a:buNone/>
+              <a:tabLst/>
+              <a:defRPr/>
+            </a:pPr>
+            <a:r>
+              <a:rPr lang="en-US" dirty="0" smtClean="0"/>
+              <a:t> *</a:t>
+            </a:r>
+          </a:p>
+          <a:p>
+            <a:pPr marL="0" marR="0" indent="0" algn="l" defTabSz="914400" rtl="0" eaLnBrk="1" latinLnBrk="0" hangingPunct="1">
+              <a:lnSpc>
+                <a:spcPct val="100000"/>
+              </a:lnSpc>
+              <a:spcBef>
+                <a:spcPts val="0"/>
+              </a:spcBef>
+              <a:spcAft>
+                <a:spcPts val="0"/>
+              </a:spcAft>
+              <a:buClrTx/>
+              <a:buSzTx/>
+              <a:buFontTx/>
+              <a:buNone/>
+              <a:tabLst/>
+              <a:defRPr/>
+            </a:pPr>
+            <a:r>
+              <a:rPr lang="en-US" dirty="0" smtClean="0"/>
+              <a:t> * @private</a:t>
+            </a:r>
+          </a:p>
+          <a:p>
+            <a:pPr marL="0" marR="0" indent="0" algn="l" defTabSz="914400" rtl="0" eaLnBrk="1" latinLnBrk="0" hangingPunct="1">
+              <a:lnSpc>
+                <a:spcPct val="100000"/>
+              </a:lnSpc>
+              <a:spcBef>
+                <a:spcPts val="0"/>
+              </a:spcBef>
+              <a:spcAft>
+                <a:spcPts val="0"/>
+              </a:spcAft>
+              <a:buClrTx/>
+              <a:buSzTx/>
+              <a:buFontTx/>
+              <a:buNone/>
+              <a:tabLst/>
+              <a:defRPr/>
+            </a:pPr>
+            <a:r>
+              <a:rPr lang="en-US" dirty="0" smtClean="0"/>
+              <a:t> * @</a:t>
+            </a:r>
+            <a:r>
+              <a:rPr lang="en-US" dirty="0" err="1" smtClean="0"/>
+              <a:t>param</a:t>
+            </a:r>
+            <a:r>
+              <a:rPr lang="en-US" dirty="0" smtClean="0"/>
+              <a:t> {function} [done]</a:t>
+            </a:r>
+          </a:p>
+          <a:p>
+            <a:pPr marL="0" marR="0" indent="0" algn="l" defTabSz="914400" rtl="0" eaLnBrk="1" latinLnBrk="0" hangingPunct="1">
+              <a:lnSpc>
+                <a:spcPct val="100000"/>
+              </a:lnSpc>
+              <a:spcBef>
+                <a:spcPts val="0"/>
+              </a:spcBef>
+              <a:spcAft>
+                <a:spcPts val="0"/>
+              </a:spcAft>
+              <a:buClrTx/>
+              <a:buSzTx/>
+              <a:buFontTx/>
+              <a:buNone/>
+              <a:tabLst/>
+              <a:defRPr/>
+            </a:pPr>
+            <a:r>
+              <a:rPr lang="en-US" dirty="0" smtClean="0"/>
+              <a:t> */</a:t>
+            </a:r>
+          </a:p>
+          <a:p>
+            <a:pPr marL="0" marR="0" indent="0" algn="l" defTabSz="914400" rtl="0" eaLnBrk="1" latinLnBrk="0" hangingPunct="1">
+              <a:lnSpc>
+                <a:spcPct val="100000"/>
+              </a:lnSpc>
+              <a:spcBef>
+                <a:spcPts val="0"/>
+              </a:spcBef>
+              <a:spcAft>
+                <a:spcPts val="0"/>
+              </a:spcAft>
+              <a:buClrTx/>
+              <a:buSzTx/>
+              <a:buFontTx/>
+              <a:buNone/>
+              <a:tabLst/>
+              <a:defRPr/>
+            </a:pPr>
+            <a:r>
+              <a:rPr lang="en-US" dirty="0" err="1" smtClean="0"/>
+              <a:t>ToastController.hideToast</a:t>
+            </a:r>
+            <a:r>
+              <a:rPr lang="en-US" dirty="0" smtClean="0"/>
+              <a:t> = function (done) {</a:t>
+            </a:r>
+          </a:p>
+          <a:p>
+            <a:pPr marL="0" marR="0" indent="0" algn="l" defTabSz="914400" rtl="0" eaLnBrk="1" latinLnBrk="0" hangingPunct="1">
+              <a:lnSpc>
+                <a:spcPct val="100000"/>
+              </a:lnSpc>
+              <a:spcBef>
+                <a:spcPts val="0"/>
+              </a:spcBef>
+              <a:spcAft>
+                <a:spcPts val="0"/>
+              </a:spcAft>
+              <a:buClrTx/>
+              <a:buSzTx/>
+              <a:buFontTx/>
+              <a:buNone/>
+              <a:tabLst/>
+              <a:defRPr/>
+            </a:pPr>
+            <a:r>
+              <a:rPr lang="en-US" dirty="0" smtClean="0"/>
+              <a:t>    $(".toast").</a:t>
+            </a:r>
+            <a:r>
+              <a:rPr lang="en-US" dirty="0" err="1" smtClean="0"/>
+              <a:t>fadeOut</a:t>
+            </a:r>
+            <a:r>
+              <a:rPr lang="en-US" dirty="0" smtClean="0"/>
+              <a:t>('fast', done);</a:t>
+            </a:r>
+          </a:p>
+          <a:p>
+            <a:pPr marL="0" marR="0" indent="0" algn="l" defTabSz="914400" rtl="0" eaLnBrk="1" latinLnBrk="0" hangingPunct="1">
+              <a:lnSpc>
+                <a:spcPct val="100000"/>
+              </a:lnSpc>
+              <a:spcBef>
+                <a:spcPts val="0"/>
+              </a:spcBef>
+              <a:spcAft>
+                <a:spcPts val="0"/>
+              </a:spcAft>
+              <a:buClrTx/>
+              <a:buSzTx/>
+              <a:buFontTx/>
+              <a:buNone/>
+              <a:tabLst/>
+              <a:defRPr/>
+            </a:pPr>
+            <a:r>
+              <a:rPr lang="en-US" dirty="0" smtClean="0"/>
+              <a:t>};</a:t>
+            </a:r>
             <a:endParaRPr lang="en-US" dirty="0"/>
           </a:p>
         </p:txBody>
@@ -3994,7 +5384,2901 @@
               <a:tabLst/>
               <a:defRPr/>
             </a:pPr>
-            <a:endParaRPr lang="hu-HU" altLang="hu-HU" dirty="0"/>
+            <a:r>
+              <a:rPr lang="hu-HU" altLang="hu-HU" dirty="0" err="1" smtClean="0">
+                <a:effectLst/>
+              </a:rPr>
+              <a:t>TopicView</a:t>
+            </a:r>
+            <a:r>
+              <a:rPr lang="hu-HU" altLang="hu-HU" dirty="0" err="1" smtClean="0"/>
+              <a:t>.</a:t>
+            </a:r>
+            <a:r>
+              <a:rPr lang="hu-HU" altLang="hu-HU" sz="900" kern="1200" dirty="0" err="1" smtClean="0">
+                <a:solidFill>
+                  <a:schemeClr val="tx1"/>
+                </a:solidFill>
+                <a:effectLst/>
+                <a:latin typeface="+mn-lt"/>
+                <a:ea typeface="+mn-ea"/>
+                <a:cs typeface="+mn-cs"/>
+              </a:rPr>
+              <a:t>renderContainer</a:t>
+            </a:r>
+            <a:r>
+              <a:rPr lang="hu-HU" altLang="hu-HU" sz="900" kern="1200" dirty="0" smtClean="0">
+                <a:solidFill>
+                  <a:schemeClr val="tx1"/>
+                </a:solidFill>
+                <a:effectLst/>
+                <a:latin typeface="+mn-lt"/>
+                <a:ea typeface="+mn-ea"/>
+                <a:cs typeface="+mn-cs"/>
+              </a:rPr>
+              <a:t> = </a:t>
+            </a:r>
+            <a:r>
+              <a:rPr lang="hu-HU" altLang="hu-HU" sz="900" kern="1200" dirty="0" err="1" smtClean="0">
+                <a:solidFill>
+                  <a:schemeClr val="tx1"/>
+                </a:solidFill>
+                <a:effectLst/>
+                <a:latin typeface="+mn-lt"/>
+                <a:ea typeface="+mn-ea"/>
+                <a:cs typeface="+mn-cs"/>
+              </a:rPr>
+              <a:t>function</a:t>
+            </a:r>
+            <a:r>
+              <a:rPr lang="hu-HU" altLang="hu-HU" sz="900" kern="1200" dirty="0" smtClean="0">
+                <a:solidFill>
+                  <a:schemeClr val="tx1"/>
+                </a:solidFill>
+                <a:effectLst/>
+                <a:latin typeface="+mn-lt"/>
+                <a:ea typeface="+mn-ea"/>
+                <a:cs typeface="+mn-cs"/>
+              </a:rPr>
+              <a:t> </a:t>
+            </a:r>
+            <a:r>
+              <a:rPr lang="hu-HU" altLang="hu-HU" dirty="0" smtClean="0"/>
+              <a:t>() {</a:t>
+            </a:r>
+            <a:br>
+              <a:rPr lang="hu-HU" altLang="hu-HU" dirty="0" smtClean="0"/>
+            </a:br>
+            <a:r>
+              <a:rPr lang="hu-HU" altLang="hu-HU" dirty="0" smtClean="0"/>
+              <a:t>    </a:t>
+            </a:r>
+            <a:r>
+              <a:rPr lang="hu-HU" altLang="hu-HU" sz="900" kern="1200" dirty="0" smtClean="0">
+                <a:solidFill>
+                  <a:schemeClr val="tx1"/>
+                </a:solidFill>
+                <a:effectLst/>
+                <a:latin typeface="+mn-lt"/>
+                <a:ea typeface="+mn-ea"/>
+                <a:cs typeface="+mn-cs"/>
+              </a:rPr>
+              <a:t>$</a:t>
+            </a:r>
+            <a:r>
+              <a:rPr lang="hu-HU" altLang="hu-HU" dirty="0" smtClean="0"/>
+              <a:t>(</a:t>
+            </a:r>
+            <a:r>
+              <a:rPr lang="hu-HU" altLang="hu-HU" sz="900" kern="1200" dirty="0" smtClean="0">
+                <a:solidFill>
+                  <a:schemeClr val="tx1"/>
+                </a:solidFill>
+                <a:effectLst/>
+                <a:latin typeface="+mn-lt"/>
+                <a:ea typeface="+mn-ea"/>
+                <a:cs typeface="+mn-cs"/>
+              </a:rPr>
+              <a:t>'#main-</a:t>
+            </a:r>
+            <a:r>
+              <a:rPr lang="hu-HU" altLang="hu-HU" sz="900" kern="1200" dirty="0" err="1" smtClean="0">
+                <a:solidFill>
+                  <a:schemeClr val="tx1"/>
+                </a:solidFill>
+                <a:effectLst/>
+                <a:latin typeface="+mn-lt"/>
+                <a:ea typeface="+mn-ea"/>
+                <a:cs typeface="+mn-cs"/>
+              </a:rPr>
+              <a:t>container</a:t>
+            </a:r>
+            <a:r>
+              <a:rPr lang="hu-HU" altLang="hu-HU" sz="900" kern="1200" dirty="0" smtClean="0">
+                <a:solidFill>
+                  <a:schemeClr val="tx1"/>
+                </a:solidFill>
+                <a:effectLst/>
+                <a:latin typeface="+mn-lt"/>
+                <a:ea typeface="+mn-ea"/>
+                <a:cs typeface="+mn-cs"/>
+              </a:rPr>
+              <a:t>'</a:t>
+            </a:r>
+            <a:r>
+              <a:rPr lang="hu-HU" altLang="hu-HU" dirty="0" smtClean="0"/>
+              <a:t>).</a:t>
+            </a:r>
+            <a:r>
+              <a:rPr lang="hu-HU" altLang="hu-HU" sz="900" kern="1200" dirty="0" err="1" smtClean="0">
+                <a:solidFill>
+                  <a:schemeClr val="tx1"/>
+                </a:solidFill>
+                <a:effectLst/>
+                <a:latin typeface="+mn-lt"/>
+                <a:ea typeface="+mn-ea"/>
+                <a:cs typeface="+mn-cs"/>
+              </a:rPr>
+              <a:t>html</a:t>
+            </a:r>
+            <a:r>
+              <a:rPr lang="hu-HU" altLang="hu-HU" dirty="0" smtClean="0"/>
+              <a:t>(</a:t>
+            </a:r>
+            <a:r>
+              <a:rPr lang="hu-HU" altLang="hu-HU" sz="900" kern="1200" dirty="0" err="1" smtClean="0">
+                <a:solidFill>
+                  <a:schemeClr val="tx1"/>
+                </a:solidFill>
+                <a:effectLst/>
+                <a:latin typeface="+mn-lt"/>
+                <a:ea typeface="+mn-ea"/>
+                <a:cs typeface="+mn-cs"/>
+              </a:rPr>
+              <a:t>getTopicContainer</a:t>
+            </a:r>
+            <a:r>
+              <a:rPr lang="hu-HU" altLang="hu-HU" dirty="0" smtClean="0"/>
+              <a:t>())</a:t>
+            </a:r>
+            <a:r>
+              <a:rPr lang="hu-HU" altLang="hu-HU" sz="900" kern="1200" dirty="0" smtClean="0">
+                <a:solidFill>
+                  <a:schemeClr val="tx1"/>
+                </a:solidFill>
+                <a:effectLst/>
+                <a:latin typeface="+mn-lt"/>
+                <a:ea typeface="+mn-ea"/>
+                <a:cs typeface="+mn-cs"/>
+              </a:rPr>
+              <a:t>;</a:t>
+            </a:r>
+            <a:br>
+              <a:rPr lang="hu-HU" altLang="hu-HU" sz="900" kern="1200" dirty="0" smtClean="0">
+                <a:solidFill>
+                  <a:schemeClr val="tx1"/>
+                </a:solidFill>
+                <a:effectLst/>
+                <a:latin typeface="+mn-lt"/>
+                <a:ea typeface="+mn-ea"/>
+                <a:cs typeface="+mn-cs"/>
+              </a:rPr>
+            </a:br>
+            <a:r>
+              <a:rPr lang="hu-HU" altLang="hu-HU" sz="900" kern="1200" dirty="0" smtClean="0">
+                <a:solidFill>
+                  <a:schemeClr val="tx1"/>
+                </a:solidFill>
+                <a:effectLst/>
+                <a:latin typeface="+mn-lt"/>
+                <a:ea typeface="+mn-ea"/>
+                <a:cs typeface="+mn-cs"/>
+              </a:rPr>
+              <a:t>    $</a:t>
+            </a:r>
+            <a:r>
+              <a:rPr lang="hu-HU" altLang="hu-HU" dirty="0" smtClean="0"/>
+              <a:t>(</a:t>
+            </a:r>
+            <a:r>
+              <a:rPr lang="hu-HU" altLang="hu-HU" sz="900" kern="1200" dirty="0" smtClean="0">
+                <a:solidFill>
+                  <a:schemeClr val="tx1"/>
+                </a:solidFill>
+                <a:effectLst/>
+                <a:latin typeface="+mn-lt"/>
+                <a:ea typeface="+mn-ea"/>
+                <a:cs typeface="+mn-cs"/>
+              </a:rPr>
+              <a:t>'#</a:t>
+            </a:r>
+            <a:r>
+              <a:rPr lang="hu-HU" altLang="hu-HU" sz="900" kern="1200" dirty="0" err="1" smtClean="0">
+                <a:solidFill>
+                  <a:schemeClr val="tx1"/>
+                </a:solidFill>
+                <a:effectLst/>
+                <a:latin typeface="+mn-lt"/>
+                <a:ea typeface="+mn-ea"/>
+                <a:cs typeface="+mn-cs"/>
+              </a:rPr>
+              <a:t>topics</a:t>
+            </a:r>
+            <a:r>
+              <a:rPr lang="hu-HU" altLang="hu-HU" sz="900" kern="1200" dirty="0" smtClean="0">
+                <a:solidFill>
+                  <a:schemeClr val="tx1"/>
+                </a:solidFill>
+                <a:effectLst/>
+                <a:latin typeface="+mn-lt"/>
+                <a:ea typeface="+mn-ea"/>
+                <a:cs typeface="+mn-cs"/>
+              </a:rPr>
+              <a:t>'</a:t>
+            </a:r>
+            <a:r>
+              <a:rPr lang="hu-HU" altLang="hu-HU" dirty="0" smtClean="0"/>
+              <a:t>).</a:t>
+            </a:r>
+            <a:r>
+              <a:rPr lang="hu-HU" altLang="hu-HU" sz="900" kern="1200" dirty="0" smtClean="0">
+                <a:solidFill>
+                  <a:schemeClr val="tx1"/>
+                </a:solidFill>
+                <a:effectLst/>
+                <a:latin typeface="+mn-lt"/>
+                <a:ea typeface="+mn-ea"/>
+                <a:cs typeface="+mn-cs"/>
+              </a:rPr>
+              <a:t>show</a:t>
+            </a:r>
+            <a:r>
+              <a:rPr lang="hu-HU" altLang="hu-HU" dirty="0" smtClean="0"/>
+              <a:t>()</a:t>
+            </a:r>
+            <a:r>
+              <a:rPr lang="hu-HU" altLang="hu-HU" sz="900" kern="1200" dirty="0" smtClean="0">
+                <a:solidFill>
+                  <a:schemeClr val="tx1"/>
+                </a:solidFill>
+                <a:effectLst/>
+                <a:latin typeface="+mn-lt"/>
+                <a:ea typeface="+mn-ea"/>
+                <a:cs typeface="+mn-cs"/>
+              </a:rPr>
+              <a:t>;</a:t>
+            </a:r>
+            <a:br>
+              <a:rPr lang="hu-HU" altLang="hu-HU" sz="900" kern="1200" dirty="0" smtClean="0">
+                <a:solidFill>
+                  <a:schemeClr val="tx1"/>
+                </a:solidFill>
+                <a:effectLst/>
+                <a:latin typeface="+mn-lt"/>
+                <a:ea typeface="+mn-ea"/>
+                <a:cs typeface="+mn-cs"/>
+              </a:rPr>
+            </a:br>
+            <a:r>
+              <a:rPr lang="hu-HU" altLang="hu-HU" dirty="0" smtClean="0"/>
+              <a:t>}</a:t>
+            </a:r>
+            <a:r>
+              <a:rPr lang="hu-HU" altLang="hu-HU" sz="900" kern="1200" dirty="0" smtClean="0">
+                <a:solidFill>
+                  <a:schemeClr val="tx1"/>
+                </a:solidFill>
+                <a:effectLst/>
+                <a:latin typeface="+mn-lt"/>
+                <a:ea typeface="+mn-ea"/>
+                <a:cs typeface="+mn-cs"/>
+              </a:rPr>
+              <a:t>;</a:t>
+            </a:r>
+          </a:p>
+          <a:p>
+            <a:pPr marL="0" marR="0" indent="0" algn="l" defTabSz="914400" rtl="0" eaLnBrk="1" latinLnBrk="0" hangingPunct="1">
+              <a:lnSpc>
+                <a:spcPct val="100000"/>
+              </a:lnSpc>
+              <a:spcBef>
+                <a:spcPts val="0"/>
+              </a:spcBef>
+              <a:spcAft>
+                <a:spcPts val="0"/>
+              </a:spcAft>
+              <a:buClrTx/>
+              <a:buSzTx/>
+              <a:buFontTx/>
+              <a:buNone/>
+              <a:tabLst/>
+              <a:defRPr/>
+            </a:pPr>
+            <a:endParaRPr lang="hu-HU" altLang="hu-HU" sz="900" kern="1200" dirty="0" smtClean="0">
+              <a:solidFill>
+                <a:schemeClr val="tx1"/>
+              </a:solidFill>
+              <a:effectLst/>
+              <a:latin typeface="+mn-lt"/>
+              <a:ea typeface="+mn-ea"/>
+              <a:cs typeface="+mn-cs"/>
+            </a:endParaRPr>
+          </a:p>
+          <a:p>
+            <a:pPr marL="0" marR="0" indent="0" algn="l" defTabSz="914400" rtl="0" eaLnBrk="1" latinLnBrk="0" hangingPunct="1">
+              <a:lnSpc>
+                <a:spcPct val="100000"/>
+              </a:lnSpc>
+              <a:spcBef>
+                <a:spcPts val="0"/>
+              </a:spcBef>
+              <a:spcAft>
+                <a:spcPts val="0"/>
+              </a:spcAft>
+              <a:buClrTx/>
+              <a:buSzTx/>
+              <a:buFontTx/>
+              <a:buNone/>
+              <a:tabLst/>
+              <a:defRPr/>
+            </a:pPr>
+            <a:r>
+              <a:rPr lang="hu-HU" altLang="hu-HU" dirty="0" err="1" smtClean="0">
+                <a:effectLst/>
+              </a:rPr>
+              <a:t>getTopicContainer</a:t>
+            </a:r>
+            <a:r>
+              <a:rPr lang="hu-HU" altLang="hu-HU" dirty="0" smtClean="0"/>
+              <a:t> </a:t>
+            </a:r>
+            <a:r>
+              <a:rPr lang="hu-HU" altLang="hu-HU" sz="900" kern="1200" dirty="0" smtClean="0">
+                <a:solidFill>
+                  <a:schemeClr val="tx1"/>
+                </a:solidFill>
+                <a:effectLst/>
+                <a:latin typeface="+mn-lt"/>
+                <a:ea typeface="+mn-ea"/>
+                <a:cs typeface="+mn-cs"/>
+              </a:rPr>
+              <a:t>= </a:t>
+            </a:r>
+            <a:r>
+              <a:rPr lang="hu-HU" altLang="hu-HU" sz="900" kern="1200" dirty="0" err="1" smtClean="0">
+                <a:solidFill>
+                  <a:schemeClr val="tx1"/>
+                </a:solidFill>
+                <a:effectLst/>
+                <a:latin typeface="+mn-lt"/>
+                <a:ea typeface="+mn-ea"/>
+                <a:cs typeface="+mn-cs"/>
+              </a:rPr>
+              <a:t>function</a:t>
+            </a:r>
+            <a:r>
+              <a:rPr lang="hu-HU" altLang="hu-HU" dirty="0" smtClean="0"/>
+              <a:t>() {</a:t>
+            </a:r>
+            <a:br>
+              <a:rPr lang="hu-HU" altLang="hu-HU" dirty="0" smtClean="0"/>
+            </a:br>
+            <a:r>
+              <a:rPr lang="hu-HU" altLang="hu-HU" dirty="0" smtClean="0"/>
+              <a:t>    </a:t>
+            </a:r>
+            <a:r>
+              <a:rPr lang="hu-HU" altLang="hu-HU" sz="900" kern="1200" dirty="0" err="1" smtClean="0">
+                <a:solidFill>
+                  <a:schemeClr val="tx1"/>
+                </a:solidFill>
+                <a:effectLst/>
+                <a:latin typeface="+mn-lt"/>
+                <a:ea typeface="+mn-ea"/>
+                <a:cs typeface="+mn-cs"/>
+              </a:rPr>
+              <a:t>return</a:t>
+            </a:r>
+            <a:r>
+              <a:rPr lang="hu-HU" altLang="hu-HU" sz="900" kern="1200" dirty="0" smtClean="0">
+                <a:solidFill>
+                  <a:schemeClr val="tx1"/>
+                </a:solidFill>
+                <a:effectLst/>
+                <a:latin typeface="+mn-lt"/>
+                <a:ea typeface="+mn-ea"/>
+                <a:cs typeface="+mn-cs"/>
+              </a:rPr>
+              <a:t> $</a:t>
+            </a:r>
+            <a:r>
+              <a:rPr lang="hu-HU" altLang="hu-HU" dirty="0" smtClean="0"/>
+              <a:t>(</a:t>
+            </a:r>
+            <a:r>
+              <a:rPr lang="hu-HU" altLang="hu-HU" sz="900" kern="1200" dirty="0" smtClean="0">
+                <a:solidFill>
+                  <a:schemeClr val="tx1"/>
+                </a:solidFill>
+                <a:effectLst/>
+                <a:latin typeface="+mn-lt"/>
+                <a:ea typeface="+mn-ea"/>
+                <a:cs typeface="+mn-cs"/>
+              </a:rPr>
+              <a:t>'&lt;main </a:t>
+            </a:r>
+            <a:r>
+              <a:rPr lang="hu-HU" altLang="hu-HU" sz="900" kern="1200" dirty="0" err="1" smtClean="0">
+                <a:solidFill>
+                  <a:schemeClr val="tx1"/>
+                </a:solidFill>
+                <a:effectLst/>
+                <a:latin typeface="+mn-lt"/>
+                <a:ea typeface="+mn-ea"/>
+                <a:cs typeface="+mn-cs"/>
+              </a:rPr>
+              <a:t>class</a:t>
+            </a:r>
+            <a:r>
+              <a:rPr lang="hu-HU" altLang="hu-HU" sz="900" kern="1200" dirty="0" smtClean="0">
+                <a:solidFill>
+                  <a:schemeClr val="tx1"/>
+                </a:solidFill>
+                <a:effectLst/>
+                <a:latin typeface="+mn-lt"/>
+                <a:ea typeface="+mn-ea"/>
+                <a:cs typeface="+mn-cs"/>
+              </a:rPr>
+              <a:t>="</a:t>
+            </a:r>
+            <a:r>
+              <a:rPr lang="hu-HU" altLang="hu-HU" sz="900" kern="1200" dirty="0" err="1" smtClean="0">
+                <a:solidFill>
+                  <a:schemeClr val="tx1"/>
+                </a:solidFill>
+                <a:effectLst/>
+                <a:latin typeface="+mn-lt"/>
+                <a:ea typeface="+mn-ea"/>
+                <a:cs typeface="+mn-cs"/>
+              </a:rPr>
+              <a:t>clearfix</a:t>
+            </a:r>
+            <a:r>
+              <a:rPr lang="hu-HU" altLang="hu-HU" sz="900" kern="1200" dirty="0" smtClean="0">
+                <a:solidFill>
+                  <a:schemeClr val="tx1"/>
+                </a:solidFill>
+                <a:effectLst/>
+                <a:latin typeface="+mn-lt"/>
+                <a:ea typeface="+mn-ea"/>
+                <a:cs typeface="+mn-cs"/>
+              </a:rPr>
+              <a:t> </a:t>
+            </a:r>
+            <a:r>
+              <a:rPr lang="hu-HU" altLang="hu-HU" sz="900" kern="1200" dirty="0" err="1" smtClean="0">
+                <a:solidFill>
+                  <a:schemeClr val="tx1"/>
+                </a:solidFill>
+                <a:effectLst/>
+                <a:latin typeface="+mn-lt"/>
+                <a:ea typeface="+mn-ea"/>
+                <a:cs typeface="+mn-cs"/>
+              </a:rPr>
+              <a:t>content</a:t>
+            </a:r>
+            <a:r>
+              <a:rPr lang="hu-HU" altLang="hu-HU" sz="900" kern="1200" dirty="0" smtClean="0">
+                <a:solidFill>
+                  <a:schemeClr val="tx1"/>
+                </a:solidFill>
+                <a:effectLst/>
+                <a:latin typeface="+mn-lt"/>
+                <a:ea typeface="+mn-ea"/>
+                <a:cs typeface="+mn-cs"/>
+              </a:rPr>
+              <a:t> </a:t>
+            </a:r>
+            <a:r>
+              <a:rPr lang="hu-HU" altLang="hu-HU" sz="900" kern="1200" dirty="0" err="1" smtClean="0">
+                <a:solidFill>
+                  <a:schemeClr val="tx1"/>
+                </a:solidFill>
+                <a:effectLst/>
+                <a:latin typeface="+mn-lt"/>
+                <a:ea typeface="+mn-ea"/>
+                <a:cs typeface="+mn-cs"/>
+              </a:rPr>
+              <a:t>topics</a:t>
+            </a:r>
+            <a:r>
+              <a:rPr lang="hu-HU" altLang="hu-HU" sz="900" kern="1200" dirty="0" smtClean="0">
+                <a:solidFill>
+                  <a:schemeClr val="tx1"/>
+                </a:solidFill>
+                <a:effectLst/>
+                <a:latin typeface="+mn-lt"/>
+                <a:ea typeface="+mn-ea"/>
+                <a:cs typeface="+mn-cs"/>
+              </a:rPr>
+              <a:t>"&gt;'</a:t>
+            </a:r>
+            <a:r>
+              <a:rPr lang="hu-HU" altLang="hu-HU" dirty="0" smtClean="0"/>
+              <a:t>)</a:t>
+            </a:r>
+            <a:br>
+              <a:rPr lang="hu-HU" altLang="hu-HU" dirty="0" smtClean="0"/>
+            </a:br>
+            <a:r>
+              <a:rPr lang="hu-HU" altLang="hu-HU" dirty="0" smtClean="0"/>
+              <a:t>        .</a:t>
+            </a:r>
+            <a:r>
+              <a:rPr lang="hu-HU" altLang="hu-HU" sz="900" kern="1200" dirty="0" err="1" smtClean="0">
+                <a:solidFill>
+                  <a:schemeClr val="tx1"/>
+                </a:solidFill>
+                <a:effectLst/>
+                <a:latin typeface="+mn-lt"/>
+                <a:ea typeface="+mn-ea"/>
+                <a:cs typeface="+mn-cs"/>
+              </a:rPr>
+              <a:t>attr</a:t>
+            </a:r>
+            <a:r>
+              <a:rPr lang="hu-HU" altLang="hu-HU" dirty="0" smtClean="0"/>
+              <a:t>(</a:t>
+            </a:r>
+            <a:r>
+              <a:rPr lang="hu-HU" altLang="hu-HU" sz="900" kern="1200" dirty="0" smtClean="0">
+                <a:solidFill>
+                  <a:schemeClr val="tx1"/>
+                </a:solidFill>
+                <a:effectLst/>
+                <a:latin typeface="+mn-lt"/>
+                <a:ea typeface="+mn-ea"/>
+                <a:cs typeface="+mn-cs"/>
+              </a:rPr>
+              <a:t>'</a:t>
+            </a:r>
+            <a:r>
+              <a:rPr lang="hu-HU" altLang="hu-HU" sz="900" kern="1200" dirty="0" err="1" smtClean="0">
+                <a:solidFill>
+                  <a:schemeClr val="tx1"/>
+                </a:solidFill>
+                <a:effectLst/>
+                <a:latin typeface="+mn-lt"/>
+                <a:ea typeface="+mn-ea"/>
+                <a:cs typeface="+mn-cs"/>
+              </a:rPr>
+              <a:t>id</a:t>
+            </a:r>
+            <a:r>
+              <a:rPr lang="hu-HU" altLang="hu-HU" sz="900" kern="1200" dirty="0" smtClean="0">
+                <a:solidFill>
+                  <a:schemeClr val="tx1"/>
+                </a:solidFill>
+                <a:effectLst/>
+                <a:latin typeface="+mn-lt"/>
+                <a:ea typeface="+mn-ea"/>
+                <a:cs typeface="+mn-cs"/>
+              </a:rPr>
+              <a:t>', '</a:t>
+            </a:r>
+            <a:r>
+              <a:rPr lang="hu-HU" altLang="hu-HU" sz="900" kern="1200" dirty="0" err="1" smtClean="0">
+                <a:solidFill>
+                  <a:schemeClr val="tx1"/>
+                </a:solidFill>
+                <a:effectLst/>
+                <a:latin typeface="+mn-lt"/>
+                <a:ea typeface="+mn-ea"/>
+                <a:cs typeface="+mn-cs"/>
+              </a:rPr>
+              <a:t>topics</a:t>
+            </a:r>
+            <a:r>
+              <a:rPr lang="hu-HU" altLang="hu-HU" sz="900" kern="1200" dirty="0" smtClean="0">
+                <a:solidFill>
+                  <a:schemeClr val="tx1"/>
+                </a:solidFill>
+                <a:effectLst/>
+                <a:latin typeface="+mn-lt"/>
+                <a:ea typeface="+mn-ea"/>
+                <a:cs typeface="+mn-cs"/>
+              </a:rPr>
+              <a:t>'</a:t>
+            </a:r>
+            <a:r>
+              <a:rPr lang="hu-HU" altLang="hu-HU" dirty="0" smtClean="0"/>
+              <a:t>)</a:t>
+            </a:r>
+            <a:br>
+              <a:rPr lang="hu-HU" altLang="hu-HU" dirty="0" smtClean="0"/>
+            </a:br>
+            <a:r>
+              <a:rPr lang="hu-HU" altLang="hu-HU" dirty="0" smtClean="0"/>
+              <a:t>        .</a:t>
+            </a:r>
+            <a:r>
+              <a:rPr lang="hu-HU" altLang="hu-HU" sz="900" kern="1200" dirty="0" err="1" smtClean="0">
+                <a:solidFill>
+                  <a:schemeClr val="tx1"/>
+                </a:solidFill>
+                <a:effectLst/>
+                <a:latin typeface="+mn-lt"/>
+                <a:ea typeface="+mn-ea"/>
+                <a:cs typeface="+mn-cs"/>
+              </a:rPr>
+              <a:t>append</a:t>
+            </a:r>
+            <a:r>
+              <a:rPr lang="hu-HU" altLang="hu-HU" dirty="0" smtClean="0"/>
+              <a:t>(</a:t>
+            </a:r>
+            <a:r>
+              <a:rPr lang="hu-HU" altLang="hu-HU" sz="900" kern="1200" dirty="0" err="1" smtClean="0">
+                <a:solidFill>
+                  <a:schemeClr val="tx1"/>
+                </a:solidFill>
+                <a:effectLst/>
+                <a:latin typeface="+mn-lt"/>
+                <a:ea typeface="+mn-ea"/>
+                <a:cs typeface="+mn-cs"/>
+              </a:rPr>
+              <a:t>getTopicForm</a:t>
+            </a:r>
+            <a:r>
+              <a:rPr lang="hu-HU" altLang="hu-HU" dirty="0" smtClean="0"/>
+              <a:t>())</a:t>
+            </a:r>
+            <a:r>
+              <a:rPr lang="hu-HU" altLang="hu-HU" sz="900" kern="1200" dirty="0" smtClean="0">
+                <a:solidFill>
+                  <a:schemeClr val="tx1"/>
+                </a:solidFill>
+                <a:effectLst/>
+                <a:latin typeface="+mn-lt"/>
+                <a:ea typeface="+mn-ea"/>
+                <a:cs typeface="+mn-cs"/>
+              </a:rPr>
+              <a:t>;</a:t>
+            </a:r>
+            <a:br>
+              <a:rPr lang="hu-HU" altLang="hu-HU" sz="900" kern="1200" dirty="0" smtClean="0">
+                <a:solidFill>
+                  <a:schemeClr val="tx1"/>
+                </a:solidFill>
+                <a:effectLst/>
+                <a:latin typeface="+mn-lt"/>
+                <a:ea typeface="+mn-ea"/>
+                <a:cs typeface="+mn-cs"/>
+              </a:rPr>
+            </a:br>
+            <a:r>
+              <a:rPr lang="hu-HU" altLang="hu-HU" dirty="0" smtClean="0"/>
+              <a:t>}</a:t>
+            </a:r>
+            <a:r>
+              <a:rPr lang="hu-HU" altLang="hu-HU" sz="900" kern="1200" dirty="0" smtClean="0">
+                <a:solidFill>
+                  <a:schemeClr val="tx1"/>
+                </a:solidFill>
+                <a:effectLst/>
+                <a:latin typeface="+mn-lt"/>
+                <a:ea typeface="+mn-ea"/>
+                <a:cs typeface="+mn-cs"/>
+              </a:rPr>
+              <a:t>;</a:t>
+            </a:r>
+          </a:p>
+          <a:p>
+            <a:pPr marL="0" marR="0" indent="0" algn="l" defTabSz="914400" rtl="0" eaLnBrk="1" latinLnBrk="0" hangingPunct="1">
+              <a:lnSpc>
+                <a:spcPct val="100000"/>
+              </a:lnSpc>
+              <a:spcBef>
+                <a:spcPts val="0"/>
+              </a:spcBef>
+              <a:spcAft>
+                <a:spcPts val="0"/>
+              </a:spcAft>
+              <a:buClrTx/>
+              <a:buSzTx/>
+              <a:buFontTx/>
+              <a:buNone/>
+              <a:tabLst/>
+              <a:defRPr/>
+            </a:pPr>
+            <a:endParaRPr lang="hu-HU" altLang="hu-HU" sz="900" kern="1200" dirty="0" smtClean="0">
+              <a:solidFill>
+                <a:schemeClr val="tx1"/>
+              </a:solidFill>
+              <a:effectLst/>
+              <a:latin typeface="+mn-lt"/>
+              <a:ea typeface="+mn-ea"/>
+              <a:cs typeface="+mn-cs"/>
+            </a:endParaRPr>
+          </a:p>
+          <a:p>
+            <a:pPr marL="0" marR="0" indent="0" algn="l" defTabSz="914400" rtl="0" eaLnBrk="1" latinLnBrk="0" hangingPunct="1">
+              <a:lnSpc>
+                <a:spcPct val="100000"/>
+              </a:lnSpc>
+              <a:spcBef>
+                <a:spcPts val="0"/>
+              </a:spcBef>
+              <a:spcAft>
+                <a:spcPts val="0"/>
+              </a:spcAft>
+              <a:buClrTx/>
+              <a:buSzTx/>
+              <a:buFontTx/>
+              <a:buNone/>
+              <a:tabLst/>
+              <a:defRPr/>
+            </a:pPr>
+            <a:r>
+              <a:rPr lang="hu-HU" altLang="hu-HU" dirty="0" err="1" smtClean="0">
+                <a:effectLst/>
+              </a:rPr>
+              <a:t>getTopicForm</a:t>
+            </a:r>
+            <a:r>
+              <a:rPr lang="hu-HU" altLang="hu-HU" dirty="0" smtClean="0"/>
+              <a:t> </a:t>
+            </a:r>
+            <a:r>
+              <a:rPr lang="hu-HU" altLang="hu-HU" sz="900" kern="1200" dirty="0" smtClean="0">
+                <a:solidFill>
+                  <a:schemeClr val="tx1"/>
+                </a:solidFill>
+                <a:effectLst/>
+                <a:latin typeface="+mn-lt"/>
+                <a:ea typeface="+mn-ea"/>
+                <a:cs typeface="+mn-cs"/>
+              </a:rPr>
+              <a:t>= </a:t>
+            </a:r>
+            <a:r>
+              <a:rPr lang="hu-HU" altLang="hu-HU" sz="900" kern="1200" dirty="0" err="1" smtClean="0">
+                <a:solidFill>
+                  <a:schemeClr val="tx1"/>
+                </a:solidFill>
+                <a:effectLst/>
+                <a:latin typeface="+mn-lt"/>
+                <a:ea typeface="+mn-ea"/>
+                <a:cs typeface="+mn-cs"/>
+              </a:rPr>
+              <a:t>function</a:t>
+            </a:r>
+            <a:r>
+              <a:rPr lang="hu-HU" altLang="hu-HU" dirty="0" smtClean="0"/>
+              <a:t>() {</a:t>
+            </a:r>
+            <a:br>
+              <a:rPr lang="hu-HU" altLang="hu-HU" dirty="0" smtClean="0"/>
+            </a:br>
+            <a:r>
+              <a:rPr lang="hu-HU" altLang="hu-HU" dirty="0" smtClean="0"/>
+              <a:t>    </a:t>
+            </a:r>
+            <a:r>
+              <a:rPr lang="hu-HU" altLang="hu-HU" sz="900" kern="1200" dirty="0" smtClean="0">
+                <a:solidFill>
+                  <a:schemeClr val="tx1"/>
+                </a:solidFill>
+                <a:effectLst/>
+                <a:latin typeface="+mn-lt"/>
+                <a:ea typeface="+mn-ea"/>
+                <a:cs typeface="+mn-cs"/>
+              </a:rPr>
+              <a:t>var $</a:t>
+            </a:r>
+            <a:r>
+              <a:rPr lang="hu-HU" altLang="hu-HU" sz="900" kern="1200" dirty="0" err="1" smtClean="0">
+                <a:solidFill>
+                  <a:schemeClr val="tx1"/>
+                </a:solidFill>
+                <a:effectLst/>
+                <a:latin typeface="+mn-lt"/>
+                <a:ea typeface="+mn-ea"/>
+                <a:cs typeface="+mn-cs"/>
+              </a:rPr>
+              <a:t>textarea</a:t>
+            </a:r>
+            <a:r>
+              <a:rPr lang="hu-HU" altLang="hu-HU" sz="900" kern="1200" dirty="0" smtClean="0">
+                <a:solidFill>
+                  <a:schemeClr val="tx1"/>
+                </a:solidFill>
+                <a:effectLst/>
+                <a:latin typeface="+mn-lt"/>
+                <a:ea typeface="+mn-ea"/>
+                <a:cs typeface="+mn-cs"/>
+              </a:rPr>
+              <a:t> = $</a:t>
+            </a:r>
+            <a:r>
+              <a:rPr lang="hu-HU" altLang="hu-HU" dirty="0" smtClean="0"/>
+              <a:t>(</a:t>
+            </a:r>
+            <a:r>
+              <a:rPr lang="hu-HU" altLang="hu-HU" sz="900" kern="1200" dirty="0" smtClean="0">
+                <a:solidFill>
+                  <a:schemeClr val="tx1"/>
+                </a:solidFill>
+                <a:effectLst/>
+                <a:latin typeface="+mn-lt"/>
+                <a:ea typeface="+mn-ea"/>
+                <a:cs typeface="+mn-cs"/>
+              </a:rPr>
+              <a:t>'&lt;</a:t>
+            </a:r>
+            <a:r>
+              <a:rPr lang="hu-HU" altLang="hu-HU" sz="900" kern="1200" dirty="0" err="1" smtClean="0">
+                <a:solidFill>
+                  <a:schemeClr val="tx1"/>
+                </a:solidFill>
+                <a:effectLst/>
+                <a:latin typeface="+mn-lt"/>
+                <a:ea typeface="+mn-ea"/>
+                <a:cs typeface="+mn-cs"/>
+              </a:rPr>
+              <a:t>textarea</a:t>
+            </a:r>
+            <a:r>
+              <a:rPr lang="hu-HU" altLang="hu-HU" sz="900" kern="1200" dirty="0" smtClean="0">
+                <a:solidFill>
+                  <a:schemeClr val="tx1"/>
+                </a:solidFill>
+                <a:effectLst/>
+                <a:latin typeface="+mn-lt"/>
+                <a:ea typeface="+mn-ea"/>
+                <a:cs typeface="+mn-cs"/>
+              </a:rPr>
+              <a:t>&gt;'</a:t>
+            </a:r>
+            <a:r>
+              <a:rPr lang="hu-HU" altLang="hu-HU" dirty="0" smtClean="0"/>
+              <a:t>).</a:t>
+            </a:r>
+            <a:r>
+              <a:rPr lang="hu-HU" altLang="hu-HU" sz="900" kern="1200" dirty="0" err="1" smtClean="0">
+                <a:solidFill>
+                  <a:schemeClr val="tx1"/>
+                </a:solidFill>
+                <a:effectLst/>
+                <a:latin typeface="+mn-lt"/>
+                <a:ea typeface="+mn-ea"/>
+                <a:cs typeface="+mn-cs"/>
+              </a:rPr>
+              <a:t>attr</a:t>
+            </a:r>
+            <a:r>
+              <a:rPr lang="hu-HU" altLang="hu-HU" dirty="0" smtClean="0"/>
+              <a:t>({</a:t>
+            </a:r>
+            <a:br>
+              <a:rPr lang="hu-HU" altLang="hu-HU" dirty="0" smtClean="0"/>
+            </a:br>
+            <a:r>
+              <a:rPr lang="hu-HU" altLang="hu-HU" dirty="0" smtClean="0"/>
+              <a:t>        </a:t>
+            </a:r>
+            <a:r>
+              <a:rPr lang="hu-HU" altLang="hu-HU" sz="900" kern="1200" dirty="0" err="1" smtClean="0">
+                <a:solidFill>
+                  <a:schemeClr val="tx1"/>
+                </a:solidFill>
+                <a:effectLst/>
+                <a:latin typeface="+mn-lt"/>
+                <a:ea typeface="+mn-ea"/>
+                <a:cs typeface="+mn-cs"/>
+              </a:rPr>
+              <a:t>name</a:t>
+            </a:r>
+            <a:r>
+              <a:rPr lang="hu-HU" altLang="hu-HU" sz="900" kern="1200" dirty="0" smtClean="0">
+                <a:solidFill>
+                  <a:schemeClr val="tx1"/>
+                </a:solidFill>
+                <a:effectLst/>
+                <a:latin typeface="+mn-lt"/>
+                <a:ea typeface="+mn-ea"/>
+                <a:cs typeface="+mn-cs"/>
+              </a:rPr>
+              <a:t>: '</a:t>
+            </a:r>
+            <a:r>
+              <a:rPr lang="hu-HU" altLang="hu-HU" sz="900" kern="1200" dirty="0" err="1" smtClean="0">
+                <a:solidFill>
+                  <a:schemeClr val="tx1"/>
+                </a:solidFill>
+                <a:effectLst/>
+                <a:latin typeface="+mn-lt"/>
+                <a:ea typeface="+mn-ea"/>
+                <a:cs typeface="+mn-cs"/>
+              </a:rPr>
+              <a:t>title</a:t>
+            </a:r>
+            <a:r>
+              <a:rPr lang="hu-HU" altLang="hu-HU" sz="900" kern="1200" dirty="0" smtClean="0">
+                <a:solidFill>
+                  <a:schemeClr val="tx1"/>
+                </a:solidFill>
+                <a:effectLst/>
+                <a:latin typeface="+mn-lt"/>
+                <a:ea typeface="+mn-ea"/>
+                <a:cs typeface="+mn-cs"/>
+              </a:rPr>
+              <a:t>',</a:t>
+            </a:r>
+            <a:br>
+              <a:rPr lang="hu-HU" altLang="hu-HU" sz="900" kern="1200" dirty="0" smtClean="0">
+                <a:solidFill>
+                  <a:schemeClr val="tx1"/>
+                </a:solidFill>
+                <a:effectLst/>
+                <a:latin typeface="+mn-lt"/>
+                <a:ea typeface="+mn-ea"/>
+                <a:cs typeface="+mn-cs"/>
+              </a:rPr>
+            </a:br>
+            <a:r>
+              <a:rPr lang="hu-HU" altLang="hu-HU" sz="900" kern="1200" dirty="0" smtClean="0">
+                <a:solidFill>
+                  <a:schemeClr val="tx1"/>
+                </a:solidFill>
+                <a:effectLst/>
+                <a:latin typeface="+mn-lt"/>
+                <a:ea typeface="+mn-ea"/>
+                <a:cs typeface="+mn-cs"/>
+              </a:rPr>
+              <a:t>        </a:t>
+            </a:r>
+            <a:r>
+              <a:rPr lang="hu-HU" altLang="hu-HU" sz="900" kern="1200" dirty="0" err="1" smtClean="0">
+                <a:solidFill>
+                  <a:schemeClr val="tx1"/>
+                </a:solidFill>
+                <a:effectLst/>
+                <a:latin typeface="+mn-lt"/>
+                <a:ea typeface="+mn-ea"/>
+                <a:cs typeface="+mn-cs"/>
+              </a:rPr>
+              <a:t>placeholder</a:t>
+            </a:r>
+            <a:r>
+              <a:rPr lang="hu-HU" altLang="hu-HU" sz="900" kern="1200" dirty="0" smtClean="0">
+                <a:solidFill>
+                  <a:schemeClr val="tx1"/>
+                </a:solidFill>
+                <a:effectLst/>
+                <a:latin typeface="+mn-lt"/>
+                <a:ea typeface="+mn-ea"/>
+                <a:cs typeface="+mn-cs"/>
+              </a:rPr>
+              <a:t>: '</a:t>
+            </a:r>
+            <a:r>
+              <a:rPr lang="hu-HU" altLang="hu-HU" sz="900" kern="1200" dirty="0" err="1" smtClean="0">
+                <a:solidFill>
+                  <a:schemeClr val="tx1"/>
+                </a:solidFill>
+                <a:effectLst/>
+                <a:latin typeface="+mn-lt"/>
+                <a:ea typeface="+mn-ea"/>
+                <a:cs typeface="+mn-cs"/>
+              </a:rPr>
+              <a:t>Type</a:t>
+            </a:r>
+            <a:r>
+              <a:rPr lang="hu-HU" altLang="hu-HU" sz="900" kern="1200" dirty="0" smtClean="0">
+                <a:solidFill>
+                  <a:schemeClr val="tx1"/>
+                </a:solidFill>
+                <a:effectLst/>
+                <a:latin typeface="+mn-lt"/>
+                <a:ea typeface="+mn-ea"/>
+                <a:cs typeface="+mn-cs"/>
+              </a:rPr>
+              <a:t> </a:t>
+            </a:r>
+            <a:r>
+              <a:rPr lang="hu-HU" altLang="hu-HU" sz="900" kern="1200" dirty="0" err="1" smtClean="0">
+                <a:solidFill>
+                  <a:schemeClr val="tx1"/>
+                </a:solidFill>
+                <a:effectLst/>
+                <a:latin typeface="+mn-lt"/>
+                <a:ea typeface="+mn-ea"/>
+                <a:cs typeface="+mn-cs"/>
+              </a:rPr>
+              <a:t>your</a:t>
+            </a:r>
+            <a:r>
+              <a:rPr lang="hu-HU" altLang="hu-HU" sz="900" kern="1200" dirty="0" smtClean="0">
+                <a:solidFill>
+                  <a:schemeClr val="tx1"/>
+                </a:solidFill>
+                <a:effectLst/>
+                <a:latin typeface="+mn-lt"/>
+                <a:ea typeface="+mn-ea"/>
+                <a:cs typeface="+mn-cs"/>
+              </a:rPr>
+              <a:t> </a:t>
+            </a:r>
+            <a:r>
+              <a:rPr lang="hu-HU" altLang="hu-HU" sz="900" kern="1200" dirty="0" err="1" smtClean="0">
+                <a:solidFill>
+                  <a:schemeClr val="tx1"/>
+                </a:solidFill>
+                <a:effectLst/>
+                <a:latin typeface="+mn-lt"/>
+                <a:ea typeface="+mn-ea"/>
+                <a:cs typeface="+mn-cs"/>
+              </a:rPr>
+              <a:t>topic</a:t>
+            </a:r>
+            <a:r>
+              <a:rPr lang="hu-HU" altLang="hu-HU" sz="900" kern="1200" dirty="0" smtClean="0">
+                <a:solidFill>
+                  <a:schemeClr val="tx1"/>
+                </a:solidFill>
+                <a:effectLst/>
+                <a:latin typeface="+mn-lt"/>
+                <a:ea typeface="+mn-ea"/>
+                <a:cs typeface="+mn-cs"/>
+              </a:rPr>
+              <a:t>\'s </a:t>
+            </a:r>
+            <a:r>
+              <a:rPr lang="hu-HU" altLang="hu-HU" sz="900" kern="1200" dirty="0" err="1" smtClean="0">
+                <a:solidFill>
+                  <a:schemeClr val="tx1"/>
+                </a:solidFill>
+                <a:effectLst/>
+                <a:latin typeface="+mn-lt"/>
+                <a:ea typeface="+mn-ea"/>
+                <a:cs typeface="+mn-cs"/>
+              </a:rPr>
+              <a:t>name</a:t>
+            </a:r>
+            <a:r>
+              <a:rPr lang="hu-HU" altLang="hu-HU" sz="900" kern="1200" dirty="0" smtClean="0">
+                <a:solidFill>
+                  <a:schemeClr val="tx1"/>
+                </a:solidFill>
+                <a:effectLst/>
+                <a:latin typeface="+mn-lt"/>
+                <a:ea typeface="+mn-ea"/>
+                <a:cs typeface="+mn-cs"/>
+              </a:rPr>
+              <a:t> here...',</a:t>
+            </a:r>
+            <a:br>
+              <a:rPr lang="hu-HU" altLang="hu-HU" sz="900" kern="1200" dirty="0" smtClean="0">
+                <a:solidFill>
+                  <a:schemeClr val="tx1"/>
+                </a:solidFill>
+                <a:effectLst/>
+                <a:latin typeface="+mn-lt"/>
+                <a:ea typeface="+mn-ea"/>
+                <a:cs typeface="+mn-cs"/>
+              </a:rPr>
+            </a:br>
+            <a:r>
+              <a:rPr lang="hu-HU" altLang="hu-HU" sz="900" kern="1200" dirty="0" smtClean="0">
+                <a:solidFill>
+                  <a:schemeClr val="tx1"/>
+                </a:solidFill>
+                <a:effectLst/>
+                <a:latin typeface="+mn-lt"/>
+                <a:ea typeface="+mn-ea"/>
+                <a:cs typeface="+mn-cs"/>
+              </a:rPr>
+              <a:t>        </a:t>
+            </a:r>
+            <a:r>
+              <a:rPr lang="hu-HU" altLang="hu-HU" sz="900" kern="1200" dirty="0" err="1" smtClean="0">
+                <a:solidFill>
+                  <a:schemeClr val="tx1"/>
+                </a:solidFill>
+                <a:effectLst/>
+                <a:latin typeface="+mn-lt"/>
+                <a:ea typeface="+mn-ea"/>
+                <a:cs typeface="+mn-cs"/>
+              </a:rPr>
+              <a:t>tabindex</a:t>
+            </a:r>
+            <a:r>
+              <a:rPr lang="hu-HU" altLang="hu-HU" sz="900" kern="1200" dirty="0" smtClean="0">
+                <a:solidFill>
+                  <a:schemeClr val="tx1"/>
+                </a:solidFill>
+                <a:effectLst/>
+                <a:latin typeface="+mn-lt"/>
+                <a:ea typeface="+mn-ea"/>
+                <a:cs typeface="+mn-cs"/>
+              </a:rPr>
+              <a:t>: 1</a:t>
+            </a:r>
+            <a:br>
+              <a:rPr lang="hu-HU" altLang="hu-HU" sz="900" kern="1200" dirty="0" smtClean="0">
+                <a:solidFill>
+                  <a:schemeClr val="tx1"/>
+                </a:solidFill>
+                <a:effectLst/>
+                <a:latin typeface="+mn-lt"/>
+                <a:ea typeface="+mn-ea"/>
+                <a:cs typeface="+mn-cs"/>
+              </a:rPr>
+            </a:br>
+            <a:r>
+              <a:rPr lang="hu-HU" altLang="hu-HU" sz="900" kern="1200" dirty="0" smtClean="0">
+                <a:solidFill>
+                  <a:schemeClr val="tx1"/>
+                </a:solidFill>
+                <a:effectLst/>
+                <a:latin typeface="+mn-lt"/>
+                <a:ea typeface="+mn-ea"/>
+                <a:cs typeface="+mn-cs"/>
+              </a:rPr>
+              <a:t>    </a:t>
+            </a:r>
+            <a:r>
+              <a:rPr lang="hu-HU" altLang="hu-HU" dirty="0" smtClean="0"/>
+              <a:t>})</a:t>
+            </a:r>
+            <a:r>
+              <a:rPr lang="hu-HU" altLang="hu-HU" sz="900" kern="1200" dirty="0" smtClean="0">
+                <a:solidFill>
+                  <a:schemeClr val="tx1"/>
+                </a:solidFill>
+                <a:effectLst/>
+                <a:latin typeface="+mn-lt"/>
+                <a:ea typeface="+mn-ea"/>
+                <a:cs typeface="+mn-cs"/>
+              </a:rPr>
+              <a:t>;</a:t>
+            </a:r>
+            <a:br>
+              <a:rPr lang="hu-HU" altLang="hu-HU" sz="900" kern="1200" dirty="0" smtClean="0">
+                <a:solidFill>
+                  <a:schemeClr val="tx1"/>
+                </a:solidFill>
+                <a:effectLst/>
+                <a:latin typeface="+mn-lt"/>
+                <a:ea typeface="+mn-ea"/>
+                <a:cs typeface="+mn-cs"/>
+              </a:rPr>
+            </a:br>
+            <a:r>
+              <a:rPr lang="hu-HU" altLang="hu-HU" sz="900" kern="1200" dirty="0" smtClean="0">
+                <a:solidFill>
+                  <a:schemeClr val="tx1"/>
+                </a:solidFill>
+                <a:effectLst/>
+                <a:latin typeface="+mn-lt"/>
+                <a:ea typeface="+mn-ea"/>
+                <a:cs typeface="+mn-cs"/>
+              </a:rPr>
+              <a:t>    var $</a:t>
+            </a:r>
+            <a:r>
+              <a:rPr lang="hu-HU" altLang="hu-HU" sz="900" kern="1200" dirty="0" err="1" smtClean="0">
+                <a:solidFill>
+                  <a:schemeClr val="tx1"/>
+                </a:solidFill>
+                <a:effectLst/>
+                <a:latin typeface="+mn-lt"/>
+                <a:ea typeface="+mn-ea"/>
+                <a:cs typeface="+mn-cs"/>
+              </a:rPr>
+              <a:t>submit</a:t>
+            </a:r>
+            <a:r>
+              <a:rPr lang="hu-HU" altLang="hu-HU" sz="900" kern="1200" dirty="0" smtClean="0">
+                <a:solidFill>
+                  <a:schemeClr val="tx1"/>
+                </a:solidFill>
+                <a:effectLst/>
+                <a:latin typeface="+mn-lt"/>
+                <a:ea typeface="+mn-ea"/>
+                <a:cs typeface="+mn-cs"/>
+              </a:rPr>
+              <a:t> = $</a:t>
+            </a:r>
+            <a:r>
+              <a:rPr lang="hu-HU" altLang="hu-HU" dirty="0" smtClean="0"/>
+              <a:t>(</a:t>
+            </a:r>
+            <a:r>
+              <a:rPr lang="hu-HU" altLang="hu-HU" sz="900" kern="1200" dirty="0" smtClean="0">
+                <a:solidFill>
+                  <a:schemeClr val="tx1"/>
+                </a:solidFill>
+                <a:effectLst/>
+                <a:latin typeface="+mn-lt"/>
+                <a:ea typeface="+mn-ea"/>
+                <a:cs typeface="+mn-cs"/>
+              </a:rPr>
+              <a:t>'&lt;</a:t>
+            </a:r>
+            <a:r>
+              <a:rPr lang="hu-HU" altLang="hu-HU" sz="900" kern="1200" dirty="0" err="1" smtClean="0">
+                <a:solidFill>
+                  <a:schemeClr val="tx1"/>
+                </a:solidFill>
+                <a:effectLst/>
+                <a:latin typeface="+mn-lt"/>
+                <a:ea typeface="+mn-ea"/>
+                <a:cs typeface="+mn-cs"/>
+              </a:rPr>
+              <a:t>span</a:t>
+            </a:r>
+            <a:r>
+              <a:rPr lang="hu-HU" altLang="hu-HU" sz="900" kern="1200" dirty="0" smtClean="0">
+                <a:solidFill>
+                  <a:schemeClr val="tx1"/>
+                </a:solidFill>
+                <a:effectLst/>
+                <a:latin typeface="+mn-lt"/>
+                <a:ea typeface="+mn-ea"/>
+                <a:cs typeface="+mn-cs"/>
+              </a:rPr>
+              <a:t>&gt;'</a:t>
+            </a:r>
+            <a:r>
+              <a:rPr lang="hu-HU" altLang="hu-HU" dirty="0" smtClean="0"/>
+              <a:t>).</a:t>
+            </a:r>
+            <a:r>
+              <a:rPr lang="hu-HU" altLang="hu-HU" sz="900" kern="1200" dirty="0" err="1" smtClean="0">
+                <a:solidFill>
+                  <a:schemeClr val="tx1"/>
+                </a:solidFill>
+                <a:effectLst/>
+                <a:latin typeface="+mn-lt"/>
+                <a:ea typeface="+mn-ea"/>
+                <a:cs typeface="+mn-cs"/>
+              </a:rPr>
+              <a:t>append</a:t>
+            </a:r>
+            <a:r>
+              <a:rPr lang="hu-HU" altLang="hu-HU" dirty="0" smtClean="0"/>
+              <a:t>(</a:t>
+            </a:r>
+            <a:br>
+              <a:rPr lang="hu-HU" altLang="hu-HU" dirty="0" smtClean="0"/>
+            </a:br>
+            <a:r>
+              <a:rPr lang="hu-HU" altLang="hu-HU" dirty="0" smtClean="0"/>
+              <a:t>        </a:t>
+            </a:r>
+            <a:r>
+              <a:rPr lang="hu-HU" altLang="hu-HU" sz="900" kern="1200" dirty="0" smtClean="0">
+                <a:solidFill>
+                  <a:schemeClr val="tx1"/>
+                </a:solidFill>
+                <a:effectLst/>
+                <a:latin typeface="+mn-lt"/>
+                <a:ea typeface="+mn-ea"/>
+                <a:cs typeface="+mn-cs"/>
+              </a:rPr>
+              <a:t>$</a:t>
+            </a:r>
+            <a:r>
+              <a:rPr lang="hu-HU" altLang="hu-HU" dirty="0" smtClean="0"/>
+              <a:t>(</a:t>
+            </a:r>
+            <a:r>
+              <a:rPr lang="hu-HU" altLang="hu-HU" sz="900" kern="1200" dirty="0" smtClean="0">
+                <a:solidFill>
+                  <a:schemeClr val="tx1"/>
+                </a:solidFill>
+                <a:effectLst/>
+                <a:latin typeface="+mn-lt"/>
+                <a:ea typeface="+mn-ea"/>
+                <a:cs typeface="+mn-cs"/>
+              </a:rPr>
+              <a:t>'&lt;</a:t>
+            </a:r>
+            <a:r>
+              <a:rPr lang="hu-HU" altLang="hu-HU" sz="900" kern="1200" dirty="0" err="1" smtClean="0">
+                <a:solidFill>
+                  <a:schemeClr val="tx1"/>
+                </a:solidFill>
+                <a:effectLst/>
+                <a:latin typeface="+mn-lt"/>
+                <a:ea typeface="+mn-ea"/>
+                <a:cs typeface="+mn-cs"/>
+              </a:rPr>
+              <a:t>button</a:t>
+            </a:r>
+            <a:r>
+              <a:rPr lang="hu-HU" altLang="hu-HU" sz="900" kern="1200" dirty="0" smtClean="0">
+                <a:solidFill>
+                  <a:schemeClr val="tx1"/>
+                </a:solidFill>
+                <a:effectLst/>
+                <a:latin typeface="+mn-lt"/>
+                <a:ea typeface="+mn-ea"/>
+                <a:cs typeface="+mn-cs"/>
+              </a:rPr>
+              <a:t>&gt;'</a:t>
+            </a:r>
+            <a:r>
+              <a:rPr lang="hu-HU" altLang="hu-HU" dirty="0" smtClean="0"/>
+              <a:t>).</a:t>
+            </a:r>
+            <a:r>
+              <a:rPr lang="hu-HU" altLang="hu-HU" sz="900" kern="1200" dirty="0" err="1" smtClean="0">
+                <a:solidFill>
+                  <a:schemeClr val="tx1"/>
+                </a:solidFill>
+                <a:effectLst/>
+                <a:latin typeface="+mn-lt"/>
+                <a:ea typeface="+mn-ea"/>
+                <a:cs typeface="+mn-cs"/>
+              </a:rPr>
+              <a:t>attr</a:t>
+            </a:r>
+            <a:r>
+              <a:rPr lang="hu-HU" altLang="hu-HU" dirty="0" smtClean="0"/>
+              <a:t>({</a:t>
+            </a:r>
+            <a:br>
+              <a:rPr lang="hu-HU" altLang="hu-HU" dirty="0" smtClean="0"/>
+            </a:br>
+            <a:r>
+              <a:rPr lang="hu-HU" altLang="hu-HU" dirty="0" smtClean="0"/>
+              <a:t>            </a:t>
+            </a:r>
+            <a:r>
+              <a:rPr lang="hu-HU" altLang="hu-HU" sz="900" kern="1200" dirty="0" err="1" smtClean="0">
+                <a:solidFill>
+                  <a:schemeClr val="tx1"/>
+                </a:solidFill>
+                <a:effectLst/>
+                <a:latin typeface="+mn-lt"/>
+                <a:ea typeface="+mn-ea"/>
+                <a:cs typeface="+mn-cs"/>
+              </a:rPr>
+              <a:t>type</a:t>
+            </a:r>
+            <a:r>
+              <a:rPr lang="hu-HU" altLang="hu-HU" sz="900" kern="1200" dirty="0" smtClean="0">
+                <a:solidFill>
+                  <a:schemeClr val="tx1"/>
+                </a:solidFill>
+                <a:effectLst/>
+                <a:latin typeface="+mn-lt"/>
+                <a:ea typeface="+mn-ea"/>
+                <a:cs typeface="+mn-cs"/>
+              </a:rPr>
+              <a:t>: '</a:t>
+            </a:r>
+            <a:r>
+              <a:rPr lang="hu-HU" altLang="hu-HU" sz="900" kern="1200" dirty="0" err="1" smtClean="0">
+                <a:solidFill>
+                  <a:schemeClr val="tx1"/>
+                </a:solidFill>
+                <a:effectLst/>
+                <a:latin typeface="+mn-lt"/>
+                <a:ea typeface="+mn-ea"/>
+                <a:cs typeface="+mn-cs"/>
+              </a:rPr>
+              <a:t>submit</a:t>
+            </a:r>
+            <a:r>
+              <a:rPr lang="hu-HU" altLang="hu-HU" sz="900" kern="1200" dirty="0" smtClean="0">
+                <a:solidFill>
+                  <a:schemeClr val="tx1"/>
+                </a:solidFill>
+                <a:effectLst/>
+                <a:latin typeface="+mn-lt"/>
+                <a:ea typeface="+mn-ea"/>
+                <a:cs typeface="+mn-cs"/>
+              </a:rPr>
+              <a:t>',</a:t>
+            </a:r>
+            <a:br>
+              <a:rPr lang="hu-HU" altLang="hu-HU" sz="900" kern="1200" dirty="0" smtClean="0">
+                <a:solidFill>
+                  <a:schemeClr val="tx1"/>
+                </a:solidFill>
+                <a:effectLst/>
+                <a:latin typeface="+mn-lt"/>
+                <a:ea typeface="+mn-ea"/>
+                <a:cs typeface="+mn-cs"/>
+              </a:rPr>
+            </a:br>
+            <a:r>
+              <a:rPr lang="hu-HU" altLang="hu-HU" sz="900" kern="1200" dirty="0" smtClean="0">
+                <a:solidFill>
+                  <a:schemeClr val="tx1"/>
+                </a:solidFill>
+                <a:effectLst/>
+                <a:latin typeface="+mn-lt"/>
+                <a:ea typeface="+mn-ea"/>
+                <a:cs typeface="+mn-cs"/>
+              </a:rPr>
+              <a:t>            </a:t>
+            </a:r>
+            <a:r>
+              <a:rPr lang="hu-HU" altLang="hu-HU" sz="900" kern="1200" dirty="0" err="1" smtClean="0">
+                <a:solidFill>
+                  <a:schemeClr val="tx1"/>
+                </a:solidFill>
+                <a:effectLst/>
+                <a:latin typeface="+mn-lt"/>
+                <a:ea typeface="+mn-ea"/>
+                <a:cs typeface="+mn-cs"/>
+              </a:rPr>
+              <a:t>tabindex</a:t>
+            </a:r>
+            <a:r>
+              <a:rPr lang="hu-HU" altLang="hu-HU" sz="900" kern="1200" dirty="0" smtClean="0">
+                <a:solidFill>
+                  <a:schemeClr val="tx1"/>
+                </a:solidFill>
+                <a:effectLst/>
+                <a:latin typeface="+mn-lt"/>
+                <a:ea typeface="+mn-ea"/>
+                <a:cs typeface="+mn-cs"/>
+              </a:rPr>
+              <a:t>: 3</a:t>
+            </a:r>
+            <a:br>
+              <a:rPr lang="hu-HU" altLang="hu-HU" sz="900" kern="1200" dirty="0" smtClean="0">
+                <a:solidFill>
+                  <a:schemeClr val="tx1"/>
+                </a:solidFill>
+                <a:effectLst/>
+                <a:latin typeface="+mn-lt"/>
+                <a:ea typeface="+mn-ea"/>
+                <a:cs typeface="+mn-cs"/>
+              </a:rPr>
+            </a:br>
+            <a:r>
+              <a:rPr lang="hu-HU" altLang="hu-HU" sz="900" kern="1200" dirty="0" smtClean="0">
+                <a:solidFill>
+                  <a:schemeClr val="tx1"/>
+                </a:solidFill>
+                <a:effectLst/>
+                <a:latin typeface="+mn-lt"/>
+                <a:ea typeface="+mn-ea"/>
+                <a:cs typeface="+mn-cs"/>
+              </a:rPr>
+              <a:t>        </a:t>
+            </a:r>
+            <a:r>
+              <a:rPr lang="hu-HU" altLang="hu-HU" dirty="0" smtClean="0"/>
+              <a:t>}).</a:t>
+            </a:r>
+            <a:r>
+              <a:rPr lang="hu-HU" altLang="hu-HU" sz="900" kern="1200" dirty="0" err="1" smtClean="0">
+                <a:solidFill>
+                  <a:schemeClr val="tx1"/>
+                </a:solidFill>
+                <a:effectLst/>
+                <a:latin typeface="+mn-lt"/>
+                <a:ea typeface="+mn-ea"/>
+                <a:cs typeface="+mn-cs"/>
+              </a:rPr>
+              <a:t>addClass</a:t>
+            </a:r>
+            <a:r>
+              <a:rPr lang="hu-HU" altLang="hu-HU" dirty="0" smtClean="0"/>
+              <a:t>(</a:t>
+            </a:r>
+            <a:r>
+              <a:rPr lang="hu-HU" altLang="hu-HU" sz="900" kern="1200" dirty="0" smtClean="0">
+                <a:solidFill>
+                  <a:schemeClr val="tx1"/>
+                </a:solidFill>
+                <a:effectLst/>
+                <a:latin typeface="+mn-lt"/>
+                <a:ea typeface="+mn-ea"/>
+                <a:cs typeface="+mn-cs"/>
+              </a:rPr>
+              <a:t>'</a:t>
+            </a:r>
+            <a:r>
+              <a:rPr lang="hu-HU" altLang="hu-HU" sz="900" kern="1200" dirty="0" err="1" smtClean="0">
+                <a:solidFill>
+                  <a:schemeClr val="tx1"/>
+                </a:solidFill>
+                <a:effectLst/>
+                <a:latin typeface="+mn-lt"/>
+                <a:ea typeface="+mn-ea"/>
+                <a:cs typeface="+mn-cs"/>
+              </a:rPr>
+              <a:t>submit-button</a:t>
+            </a:r>
+            <a:r>
+              <a:rPr lang="hu-HU" altLang="hu-HU" sz="900" kern="1200" dirty="0" smtClean="0">
+                <a:solidFill>
+                  <a:schemeClr val="tx1"/>
+                </a:solidFill>
+                <a:effectLst/>
+                <a:latin typeface="+mn-lt"/>
+                <a:ea typeface="+mn-ea"/>
+                <a:cs typeface="+mn-cs"/>
+              </a:rPr>
+              <a:t>'</a:t>
+            </a:r>
+            <a:r>
+              <a:rPr lang="hu-HU" altLang="hu-HU" dirty="0" smtClean="0"/>
+              <a:t>).</a:t>
+            </a:r>
+            <a:r>
+              <a:rPr lang="hu-HU" altLang="hu-HU" sz="900" kern="1200" dirty="0" err="1" smtClean="0">
+                <a:solidFill>
+                  <a:schemeClr val="tx1"/>
+                </a:solidFill>
+                <a:effectLst/>
+                <a:latin typeface="+mn-lt"/>
+                <a:ea typeface="+mn-ea"/>
+                <a:cs typeface="+mn-cs"/>
+              </a:rPr>
+              <a:t>html</a:t>
+            </a:r>
+            <a:r>
+              <a:rPr lang="hu-HU" altLang="hu-HU" dirty="0" smtClean="0"/>
+              <a:t>(</a:t>
+            </a:r>
+            <a:r>
+              <a:rPr lang="hu-HU" altLang="hu-HU" sz="900" kern="1200" dirty="0" smtClean="0">
+                <a:solidFill>
+                  <a:schemeClr val="tx1"/>
+                </a:solidFill>
+                <a:effectLst/>
+                <a:latin typeface="+mn-lt"/>
+                <a:ea typeface="+mn-ea"/>
+                <a:cs typeface="+mn-cs"/>
+              </a:rPr>
+              <a:t>'Add'</a:t>
+            </a:r>
+            <a:r>
+              <a:rPr lang="hu-HU" altLang="hu-HU" dirty="0" smtClean="0"/>
+              <a:t>)</a:t>
+            </a:r>
+            <a:br>
+              <a:rPr lang="hu-HU" altLang="hu-HU" dirty="0" smtClean="0"/>
+            </a:br>
+            <a:r>
+              <a:rPr lang="hu-HU" altLang="hu-HU" dirty="0" smtClean="0"/>
+              <a:t>    )</a:t>
+            </a:r>
+            <a:r>
+              <a:rPr lang="hu-HU" altLang="hu-HU" sz="900" kern="1200" dirty="0" smtClean="0">
+                <a:solidFill>
+                  <a:schemeClr val="tx1"/>
+                </a:solidFill>
+                <a:effectLst/>
+                <a:latin typeface="+mn-lt"/>
+                <a:ea typeface="+mn-ea"/>
+                <a:cs typeface="+mn-cs"/>
+              </a:rPr>
+              <a:t>;</a:t>
+            </a:r>
+            <a:br>
+              <a:rPr lang="hu-HU" altLang="hu-HU" sz="900" kern="1200" dirty="0" smtClean="0">
+                <a:solidFill>
+                  <a:schemeClr val="tx1"/>
+                </a:solidFill>
+                <a:effectLst/>
+                <a:latin typeface="+mn-lt"/>
+                <a:ea typeface="+mn-ea"/>
+                <a:cs typeface="+mn-cs"/>
+              </a:rPr>
+            </a:br>
+            <a:r>
+              <a:rPr lang="hu-HU" altLang="hu-HU" sz="900" kern="1200" dirty="0" smtClean="0">
+                <a:solidFill>
+                  <a:schemeClr val="tx1"/>
+                </a:solidFill>
+                <a:effectLst/>
+                <a:latin typeface="+mn-lt"/>
+                <a:ea typeface="+mn-ea"/>
+                <a:cs typeface="+mn-cs"/>
+              </a:rPr>
+              <a:t>    var $input = $</a:t>
+            </a:r>
+            <a:r>
+              <a:rPr lang="hu-HU" altLang="hu-HU" dirty="0" smtClean="0"/>
+              <a:t>(</a:t>
+            </a:r>
+            <a:r>
+              <a:rPr lang="hu-HU" altLang="hu-HU" sz="900" kern="1200" dirty="0" smtClean="0">
+                <a:solidFill>
+                  <a:schemeClr val="tx1"/>
+                </a:solidFill>
+                <a:effectLst/>
+                <a:latin typeface="+mn-lt"/>
+                <a:ea typeface="+mn-ea"/>
+                <a:cs typeface="+mn-cs"/>
+              </a:rPr>
+              <a:t>'&lt;input&gt;'</a:t>
+            </a:r>
+            <a:r>
+              <a:rPr lang="hu-HU" altLang="hu-HU" dirty="0" smtClean="0"/>
+              <a:t>).</a:t>
+            </a:r>
+            <a:r>
+              <a:rPr lang="hu-HU" altLang="hu-HU" sz="900" kern="1200" dirty="0" err="1" smtClean="0">
+                <a:solidFill>
+                  <a:schemeClr val="tx1"/>
+                </a:solidFill>
+                <a:effectLst/>
+                <a:latin typeface="+mn-lt"/>
+                <a:ea typeface="+mn-ea"/>
+                <a:cs typeface="+mn-cs"/>
+              </a:rPr>
+              <a:t>attr</a:t>
+            </a:r>
+            <a:r>
+              <a:rPr lang="hu-HU" altLang="hu-HU" dirty="0" smtClean="0"/>
+              <a:t>({</a:t>
+            </a:r>
+            <a:br>
+              <a:rPr lang="hu-HU" altLang="hu-HU" dirty="0" smtClean="0"/>
+            </a:br>
+            <a:r>
+              <a:rPr lang="hu-HU" altLang="hu-HU" dirty="0" smtClean="0"/>
+              <a:t>        </a:t>
+            </a:r>
+            <a:r>
+              <a:rPr lang="hu-HU" altLang="hu-HU" sz="900" kern="1200" dirty="0" err="1" smtClean="0">
+                <a:solidFill>
+                  <a:schemeClr val="tx1"/>
+                </a:solidFill>
+                <a:effectLst/>
+                <a:latin typeface="+mn-lt"/>
+                <a:ea typeface="+mn-ea"/>
+                <a:cs typeface="+mn-cs"/>
+              </a:rPr>
+              <a:t>name</a:t>
+            </a:r>
+            <a:r>
+              <a:rPr lang="hu-HU" altLang="hu-HU" sz="900" kern="1200" dirty="0" smtClean="0">
+                <a:solidFill>
+                  <a:schemeClr val="tx1"/>
+                </a:solidFill>
+                <a:effectLst/>
+                <a:latin typeface="+mn-lt"/>
+                <a:ea typeface="+mn-ea"/>
+                <a:cs typeface="+mn-cs"/>
+              </a:rPr>
+              <a:t>: 'email',</a:t>
+            </a:r>
+            <a:br>
+              <a:rPr lang="hu-HU" altLang="hu-HU" sz="900" kern="1200" dirty="0" smtClean="0">
+                <a:solidFill>
+                  <a:schemeClr val="tx1"/>
+                </a:solidFill>
+                <a:effectLst/>
+                <a:latin typeface="+mn-lt"/>
+                <a:ea typeface="+mn-ea"/>
+                <a:cs typeface="+mn-cs"/>
+              </a:rPr>
+            </a:br>
+            <a:r>
+              <a:rPr lang="hu-HU" altLang="hu-HU" sz="900" kern="1200" dirty="0" smtClean="0">
+                <a:solidFill>
+                  <a:schemeClr val="tx1"/>
+                </a:solidFill>
+                <a:effectLst/>
+                <a:latin typeface="+mn-lt"/>
+                <a:ea typeface="+mn-ea"/>
+                <a:cs typeface="+mn-cs"/>
+              </a:rPr>
+              <a:t>        </a:t>
+            </a:r>
+            <a:r>
+              <a:rPr lang="hu-HU" altLang="hu-HU" sz="900" kern="1200" dirty="0" err="1" smtClean="0">
+                <a:solidFill>
+                  <a:schemeClr val="tx1"/>
+                </a:solidFill>
+                <a:effectLst/>
+                <a:latin typeface="+mn-lt"/>
+                <a:ea typeface="+mn-ea"/>
+                <a:cs typeface="+mn-cs"/>
+              </a:rPr>
+              <a:t>type</a:t>
+            </a:r>
+            <a:r>
+              <a:rPr lang="hu-HU" altLang="hu-HU" sz="900" kern="1200" dirty="0" smtClean="0">
+                <a:solidFill>
+                  <a:schemeClr val="tx1"/>
+                </a:solidFill>
+                <a:effectLst/>
+                <a:latin typeface="+mn-lt"/>
+                <a:ea typeface="+mn-ea"/>
+                <a:cs typeface="+mn-cs"/>
+              </a:rPr>
+              <a:t>: 'email',</a:t>
+            </a:r>
+            <a:br>
+              <a:rPr lang="hu-HU" altLang="hu-HU" sz="900" kern="1200" dirty="0" smtClean="0">
+                <a:solidFill>
+                  <a:schemeClr val="tx1"/>
+                </a:solidFill>
+                <a:effectLst/>
+                <a:latin typeface="+mn-lt"/>
+                <a:ea typeface="+mn-ea"/>
+                <a:cs typeface="+mn-cs"/>
+              </a:rPr>
+            </a:br>
+            <a:r>
+              <a:rPr lang="hu-HU" altLang="hu-HU" sz="900" kern="1200" dirty="0" smtClean="0">
+                <a:solidFill>
+                  <a:schemeClr val="tx1"/>
+                </a:solidFill>
+                <a:effectLst/>
+                <a:latin typeface="+mn-lt"/>
+                <a:ea typeface="+mn-ea"/>
+                <a:cs typeface="+mn-cs"/>
+              </a:rPr>
+              <a:t>        </a:t>
+            </a:r>
+            <a:r>
+              <a:rPr lang="hu-HU" altLang="hu-HU" sz="900" kern="1200" dirty="0" err="1" smtClean="0">
+                <a:solidFill>
+                  <a:schemeClr val="tx1"/>
+                </a:solidFill>
+                <a:effectLst/>
+                <a:latin typeface="+mn-lt"/>
+                <a:ea typeface="+mn-ea"/>
+                <a:cs typeface="+mn-cs"/>
+              </a:rPr>
+              <a:t>placeholder</a:t>
+            </a:r>
+            <a:r>
+              <a:rPr lang="hu-HU" altLang="hu-HU" sz="900" kern="1200" dirty="0" smtClean="0">
+                <a:solidFill>
+                  <a:schemeClr val="tx1"/>
+                </a:solidFill>
+                <a:effectLst/>
+                <a:latin typeface="+mn-lt"/>
+                <a:ea typeface="+mn-ea"/>
+                <a:cs typeface="+mn-cs"/>
+              </a:rPr>
+              <a:t>: '</a:t>
+            </a:r>
+            <a:r>
+              <a:rPr lang="hu-HU" altLang="hu-HU" sz="900" kern="1200" dirty="0" err="1" smtClean="0">
+                <a:solidFill>
+                  <a:schemeClr val="tx1"/>
+                </a:solidFill>
+                <a:effectLst/>
+                <a:latin typeface="+mn-lt"/>
+                <a:ea typeface="+mn-ea"/>
+                <a:cs typeface="+mn-cs"/>
+              </a:rPr>
+              <a:t>Type</a:t>
+            </a:r>
+            <a:r>
+              <a:rPr lang="hu-HU" altLang="hu-HU" sz="900" kern="1200" dirty="0" smtClean="0">
+                <a:solidFill>
+                  <a:schemeClr val="tx1"/>
+                </a:solidFill>
+                <a:effectLst/>
+                <a:latin typeface="+mn-lt"/>
+                <a:ea typeface="+mn-ea"/>
+                <a:cs typeface="+mn-cs"/>
+              </a:rPr>
+              <a:t> </a:t>
+            </a:r>
+            <a:r>
+              <a:rPr lang="hu-HU" altLang="hu-HU" sz="900" kern="1200" dirty="0" err="1" smtClean="0">
+                <a:solidFill>
+                  <a:schemeClr val="tx1"/>
+                </a:solidFill>
+                <a:effectLst/>
+                <a:latin typeface="+mn-lt"/>
+                <a:ea typeface="+mn-ea"/>
+                <a:cs typeface="+mn-cs"/>
+              </a:rPr>
+              <a:t>your</a:t>
+            </a:r>
+            <a:r>
+              <a:rPr lang="hu-HU" altLang="hu-HU" sz="900" kern="1200" dirty="0" smtClean="0">
+                <a:solidFill>
+                  <a:schemeClr val="tx1"/>
+                </a:solidFill>
+                <a:effectLst/>
+                <a:latin typeface="+mn-lt"/>
+                <a:ea typeface="+mn-ea"/>
+                <a:cs typeface="+mn-cs"/>
+              </a:rPr>
+              <a:t> email here...',</a:t>
+            </a:r>
+            <a:br>
+              <a:rPr lang="hu-HU" altLang="hu-HU" sz="900" kern="1200" dirty="0" smtClean="0">
+                <a:solidFill>
+                  <a:schemeClr val="tx1"/>
+                </a:solidFill>
+                <a:effectLst/>
+                <a:latin typeface="+mn-lt"/>
+                <a:ea typeface="+mn-ea"/>
+                <a:cs typeface="+mn-cs"/>
+              </a:rPr>
+            </a:br>
+            <a:r>
+              <a:rPr lang="hu-HU" altLang="hu-HU" sz="900" kern="1200" dirty="0" smtClean="0">
+                <a:solidFill>
+                  <a:schemeClr val="tx1"/>
+                </a:solidFill>
+                <a:effectLst/>
+                <a:latin typeface="+mn-lt"/>
+                <a:ea typeface="+mn-ea"/>
+                <a:cs typeface="+mn-cs"/>
+              </a:rPr>
+              <a:t>        </a:t>
+            </a:r>
+            <a:r>
+              <a:rPr lang="hu-HU" altLang="hu-HU" sz="900" kern="1200" dirty="0" err="1" smtClean="0">
+                <a:solidFill>
+                  <a:schemeClr val="tx1"/>
+                </a:solidFill>
+                <a:effectLst/>
+                <a:latin typeface="+mn-lt"/>
+                <a:ea typeface="+mn-ea"/>
+                <a:cs typeface="+mn-cs"/>
+              </a:rPr>
+              <a:t>tabindex</a:t>
+            </a:r>
+            <a:r>
+              <a:rPr lang="hu-HU" altLang="hu-HU" sz="900" kern="1200" dirty="0" smtClean="0">
+                <a:solidFill>
+                  <a:schemeClr val="tx1"/>
+                </a:solidFill>
+                <a:effectLst/>
+                <a:latin typeface="+mn-lt"/>
+                <a:ea typeface="+mn-ea"/>
+                <a:cs typeface="+mn-cs"/>
+              </a:rPr>
+              <a:t>: 2,</a:t>
+            </a:r>
+            <a:br>
+              <a:rPr lang="hu-HU" altLang="hu-HU" sz="900" kern="1200" dirty="0" smtClean="0">
+                <a:solidFill>
+                  <a:schemeClr val="tx1"/>
+                </a:solidFill>
+                <a:effectLst/>
+                <a:latin typeface="+mn-lt"/>
+                <a:ea typeface="+mn-ea"/>
+                <a:cs typeface="+mn-cs"/>
+              </a:rPr>
+            </a:br>
+            <a:r>
+              <a:rPr lang="hu-HU" altLang="hu-HU" sz="900" kern="1200" dirty="0" smtClean="0">
+                <a:solidFill>
+                  <a:schemeClr val="tx1"/>
+                </a:solidFill>
+                <a:effectLst/>
+                <a:latin typeface="+mn-lt"/>
+                <a:ea typeface="+mn-ea"/>
+                <a:cs typeface="+mn-cs"/>
+              </a:rPr>
+              <a:t>        </a:t>
+            </a:r>
+            <a:r>
+              <a:rPr lang="hu-HU" altLang="hu-HU" sz="900" kern="1200" dirty="0" err="1" smtClean="0">
+                <a:solidFill>
+                  <a:schemeClr val="tx1"/>
+                </a:solidFill>
+                <a:effectLst/>
+                <a:latin typeface="+mn-lt"/>
+                <a:ea typeface="+mn-ea"/>
+                <a:cs typeface="+mn-cs"/>
+              </a:rPr>
+              <a:t>id</a:t>
+            </a:r>
+            <a:r>
+              <a:rPr lang="hu-HU" altLang="hu-HU" sz="900" kern="1200" dirty="0" smtClean="0">
+                <a:solidFill>
+                  <a:schemeClr val="tx1"/>
+                </a:solidFill>
+                <a:effectLst/>
+                <a:latin typeface="+mn-lt"/>
+                <a:ea typeface="+mn-ea"/>
+                <a:cs typeface="+mn-cs"/>
+              </a:rPr>
+              <a:t>: '</a:t>
+            </a:r>
+            <a:r>
+              <a:rPr lang="hu-HU" altLang="hu-HU" sz="900" kern="1200" dirty="0" err="1" smtClean="0">
+                <a:solidFill>
+                  <a:schemeClr val="tx1"/>
+                </a:solidFill>
+                <a:effectLst/>
+                <a:latin typeface="+mn-lt"/>
+                <a:ea typeface="+mn-ea"/>
+                <a:cs typeface="+mn-cs"/>
+              </a:rPr>
+              <a:t>new</a:t>
+            </a:r>
+            <a:r>
+              <a:rPr lang="hu-HU" altLang="hu-HU" sz="900" kern="1200" dirty="0" smtClean="0">
+                <a:solidFill>
+                  <a:schemeClr val="tx1"/>
+                </a:solidFill>
+                <a:effectLst/>
+                <a:latin typeface="+mn-lt"/>
+                <a:ea typeface="+mn-ea"/>
+                <a:cs typeface="+mn-cs"/>
+              </a:rPr>
+              <a:t>-</a:t>
+            </a:r>
+            <a:r>
+              <a:rPr lang="hu-HU" altLang="hu-HU" sz="900" kern="1200" dirty="0" err="1" smtClean="0">
+                <a:solidFill>
+                  <a:schemeClr val="tx1"/>
+                </a:solidFill>
+                <a:effectLst/>
+                <a:latin typeface="+mn-lt"/>
+                <a:ea typeface="+mn-ea"/>
+                <a:cs typeface="+mn-cs"/>
+              </a:rPr>
+              <a:t>topic</a:t>
+            </a:r>
+            <a:r>
+              <a:rPr lang="hu-HU" altLang="hu-HU" sz="900" kern="1200" dirty="0" smtClean="0">
+                <a:solidFill>
+                  <a:schemeClr val="tx1"/>
+                </a:solidFill>
+                <a:effectLst/>
+                <a:latin typeface="+mn-lt"/>
+                <a:ea typeface="+mn-ea"/>
+                <a:cs typeface="+mn-cs"/>
+              </a:rPr>
+              <a:t>-email'</a:t>
+            </a:r>
+            <a:br>
+              <a:rPr lang="hu-HU" altLang="hu-HU" sz="900" kern="1200" dirty="0" smtClean="0">
+                <a:solidFill>
+                  <a:schemeClr val="tx1"/>
+                </a:solidFill>
+                <a:effectLst/>
+                <a:latin typeface="+mn-lt"/>
+                <a:ea typeface="+mn-ea"/>
+                <a:cs typeface="+mn-cs"/>
+              </a:rPr>
+            </a:br>
+            <a:r>
+              <a:rPr lang="hu-HU" altLang="hu-HU" sz="900" kern="1200" dirty="0" smtClean="0">
+                <a:solidFill>
+                  <a:schemeClr val="tx1"/>
+                </a:solidFill>
+                <a:effectLst/>
+                <a:latin typeface="+mn-lt"/>
+                <a:ea typeface="+mn-ea"/>
+                <a:cs typeface="+mn-cs"/>
+              </a:rPr>
+              <a:t>    </a:t>
+            </a:r>
+            <a:r>
+              <a:rPr lang="hu-HU" altLang="hu-HU" dirty="0" smtClean="0"/>
+              <a:t>}).</a:t>
+            </a:r>
+            <a:r>
+              <a:rPr lang="hu-HU" altLang="hu-HU" sz="900" kern="1200" dirty="0" err="1" smtClean="0">
+                <a:solidFill>
+                  <a:schemeClr val="tx1"/>
+                </a:solidFill>
+                <a:effectLst/>
+                <a:latin typeface="+mn-lt"/>
+                <a:ea typeface="+mn-ea"/>
+                <a:cs typeface="+mn-cs"/>
+              </a:rPr>
+              <a:t>addClass</a:t>
+            </a:r>
+            <a:r>
+              <a:rPr lang="hu-HU" altLang="hu-HU" dirty="0" smtClean="0"/>
+              <a:t>(</a:t>
+            </a:r>
+            <a:r>
+              <a:rPr lang="hu-HU" altLang="hu-HU" sz="900" kern="1200" dirty="0" smtClean="0">
+                <a:solidFill>
+                  <a:schemeClr val="tx1"/>
+                </a:solidFill>
+                <a:effectLst/>
+                <a:latin typeface="+mn-lt"/>
+                <a:ea typeface="+mn-ea"/>
+                <a:cs typeface="+mn-cs"/>
+              </a:rPr>
+              <a:t>'</a:t>
+            </a:r>
+            <a:r>
+              <a:rPr lang="hu-HU" altLang="hu-HU" sz="900" kern="1200" dirty="0" err="1" smtClean="0">
+                <a:solidFill>
+                  <a:schemeClr val="tx1"/>
+                </a:solidFill>
+                <a:effectLst/>
+                <a:latin typeface="+mn-lt"/>
+                <a:ea typeface="+mn-ea"/>
+                <a:cs typeface="+mn-cs"/>
+              </a:rPr>
+              <a:t>new</a:t>
+            </a:r>
+            <a:r>
+              <a:rPr lang="hu-HU" altLang="hu-HU" sz="900" kern="1200" dirty="0" smtClean="0">
+                <a:solidFill>
+                  <a:schemeClr val="tx1"/>
+                </a:solidFill>
+                <a:effectLst/>
+                <a:latin typeface="+mn-lt"/>
+                <a:ea typeface="+mn-ea"/>
+                <a:cs typeface="+mn-cs"/>
+              </a:rPr>
+              <a:t>-</a:t>
+            </a:r>
+            <a:r>
+              <a:rPr lang="hu-HU" altLang="hu-HU" sz="900" kern="1200" dirty="0" err="1" smtClean="0">
+                <a:solidFill>
+                  <a:schemeClr val="tx1"/>
+                </a:solidFill>
+                <a:effectLst/>
+                <a:latin typeface="+mn-lt"/>
+                <a:ea typeface="+mn-ea"/>
+                <a:cs typeface="+mn-cs"/>
+              </a:rPr>
+              <a:t>topic</a:t>
+            </a:r>
+            <a:r>
+              <a:rPr lang="hu-HU" altLang="hu-HU" sz="900" kern="1200" dirty="0" smtClean="0">
+                <a:solidFill>
+                  <a:schemeClr val="tx1"/>
+                </a:solidFill>
+                <a:effectLst/>
+                <a:latin typeface="+mn-lt"/>
+                <a:ea typeface="+mn-ea"/>
+                <a:cs typeface="+mn-cs"/>
+              </a:rPr>
+              <a:t>-email'</a:t>
+            </a:r>
+            <a:r>
+              <a:rPr lang="hu-HU" altLang="hu-HU" dirty="0" smtClean="0"/>
+              <a:t>)</a:t>
+            </a:r>
+            <a:r>
+              <a:rPr lang="hu-HU" altLang="hu-HU" sz="900" kern="1200" dirty="0" smtClean="0">
+                <a:solidFill>
+                  <a:schemeClr val="tx1"/>
+                </a:solidFill>
+                <a:effectLst/>
+                <a:latin typeface="+mn-lt"/>
+                <a:ea typeface="+mn-ea"/>
+                <a:cs typeface="+mn-cs"/>
+              </a:rPr>
+              <a:t>;</a:t>
+            </a:r>
+            <a:br>
+              <a:rPr lang="hu-HU" altLang="hu-HU" sz="900" kern="1200" dirty="0" smtClean="0">
+                <a:solidFill>
+                  <a:schemeClr val="tx1"/>
+                </a:solidFill>
+                <a:effectLst/>
+                <a:latin typeface="+mn-lt"/>
+                <a:ea typeface="+mn-ea"/>
+                <a:cs typeface="+mn-cs"/>
+              </a:rPr>
+            </a:br>
+            <a:r>
+              <a:rPr lang="hu-HU" altLang="hu-HU" sz="900" kern="1200" dirty="0" smtClean="0">
+                <a:solidFill>
+                  <a:schemeClr val="tx1"/>
+                </a:solidFill>
+                <a:effectLst/>
+                <a:latin typeface="+mn-lt"/>
+                <a:ea typeface="+mn-ea"/>
+                <a:cs typeface="+mn-cs"/>
+              </a:rPr>
+              <a:t>    var $</a:t>
+            </a:r>
+            <a:r>
+              <a:rPr lang="hu-HU" altLang="hu-HU" sz="900" kern="1200" dirty="0" err="1" smtClean="0">
+                <a:solidFill>
+                  <a:schemeClr val="tx1"/>
+                </a:solidFill>
+                <a:effectLst/>
+                <a:latin typeface="+mn-lt"/>
+                <a:ea typeface="+mn-ea"/>
+                <a:cs typeface="+mn-cs"/>
+              </a:rPr>
+              <a:t>form</a:t>
+            </a:r>
+            <a:r>
+              <a:rPr lang="hu-HU" altLang="hu-HU" sz="900" kern="1200" dirty="0" smtClean="0">
+                <a:solidFill>
+                  <a:schemeClr val="tx1"/>
+                </a:solidFill>
+                <a:effectLst/>
+                <a:latin typeface="+mn-lt"/>
+                <a:ea typeface="+mn-ea"/>
+                <a:cs typeface="+mn-cs"/>
+              </a:rPr>
+              <a:t> = $</a:t>
+            </a:r>
+            <a:r>
+              <a:rPr lang="hu-HU" altLang="hu-HU" dirty="0" smtClean="0"/>
+              <a:t>(</a:t>
+            </a:r>
+            <a:r>
+              <a:rPr lang="hu-HU" altLang="hu-HU" sz="900" kern="1200" dirty="0" smtClean="0">
+                <a:solidFill>
+                  <a:schemeClr val="tx1"/>
+                </a:solidFill>
+                <a:effectLst/>
+                <a:latin typeface="+mn-lt"/>
+                <a:ea typeface="+mn-ea"/>
+                <a:cs typeface="+mn-cs"/>
+              </a:rPr>
+              <a:t>'&lt;</a:t>
+            </a:r>
+            <a:r>
+              <a:rPr lang="hu-HU" altLang="hu-HU" sz="900" kern="1200" dirty="0" err="1" smtClean="0">
+                <a:solidFill>
+                  <a:schemeClr val="tx1"/>
+                </a:solidFill>
+                <a:effectLst/>
+                <a:latin typeface="+mn-lt"/>
+                <a:ea typeface="+mn-ea"/>
+                <a:cs typeface="+mn-cs"/>
+              </a:rPr>
+              <a:t>form</a:t>
+            </a:r>
+            <a:r>
+              <a:rPr lang="hu-HU" altLang="hu-HU" sz="900" kern="1200" dirty="0" smtClean="0">
+                <a:solidFill>
+                  <a:schemeClr val="tx1"/>
+                </a:solidFill>
+                <a:effectLst/>
+                <a:latin typeface="+mn-lt"/>
+                <a:ea typeface="+mn-ea"/>
+                <a:cs typeface="+mn-cs"/>
+              </a:rPr>
+              <a:t>&gt;'</a:t>
+            </a:r>
+            <a:r>
+              <a:rPr lang="hu-HU" altLang="hu-HU" dirty="0" smtClean="0"/>
+              <a:t>)</a:t>
+            </a:r>
+            <a:br>
+              <a:rPr lang="hu-HU" altLang="hu-HU" dirty="0" smtClean="0"/>
+            </a:br>
+            <a:r>
+              <a:rPr lang="hu-HU" altLang="hu-HU" dirty="0" smtClean="0"/>
+              <a:t>        .</a:t>
+            </a:r>
+            <a:r>
+              <a:rPr lang="hu-HU" altLang="hu-HU" sz="900" kern="1200" dirty="0" err="1" smtClean="0">
+                <a:solidFill>
+                  <a:schemeClr val="tx1"/>
+                </a:solidFill>
+                <a:effectLst/>
+                <a:latin typeface="+mn-lt"/>
+                <a:ea typeface="+mn-ea"/>
+                <a:cs typeface="+mn-cs"/>
+              </a:rPr>
+              <a:t>addClass</a:t>
+            </a:r>
+            <a:r>
+              <a:rPr lang="hu-HU" altLang="hu-HU" dirty="0" smtClean="0"/>
+              <a:t>(</a:t>
+            </a:r>
+            <a:r>
+              <a:rPr lang="hu-HU" altLang="hu-HU" sz="900" kern="1200" dirty="0" smtClean="0">
+                <a:solidFill>
+                  <a:schemeClr val="tx1"/>
+                </a:solidFill>
+                <a:effectLst/>
+                <a:latin typeface="+mn-lt"/>
+                <a:ea typeface="+mn-ea"/>
+                <a:cs typeface="+mn-cs"/>
+              </a:rPr>
+              <a:t>'</a:t>
+            </a:r>
+            <a:r>
+              <a:rPr lang="hu-HU" altLang="hu-HU" sz="900" kern="1200" dirty="0" err="1" smtClean="0">
+                <a:solidFill>
+                  <a:schemeClr val="tx1"/>
+                </a:solidFill>
+                <a:effectLst/>
+                <a:latin typeface="+mn-lt"/>
+                <a:ea typeface="+mn-ea"/>
+                <a:cs typeface="+mn-cs"/>
+              </a:rPr>
+              <a:t>new-topic-form</a:t>
+            </a:r>
+            <a:r>
+              <a:rPr lang="hu-HU" altLang="hu-HU" sz="900" kern="1200" dirty="0" smtClean="0">
+                <a:solidFill>
+                  <a:schemeClr val="tx1"/>
+                </a:solidFill>
+                <a:effectLst/>
+                <a:latin typeface="+mn-lt"/>
+                <a:ea typeface="+mn-ea"/>
+                <a:cs typeface="+mn-cs"/>
+              </a:rPr>
+              <a:t>'</a:t>
+            </a:r>
+            <a:r>
+              <a:rPr lang="hu-HU" altLang="hu-HU" dirty="0" smtClean="0"/>
+              <a:t>)</a:t>
+            </a:r>
+            <a:br>
+              <a:rPr lang="hu-HU" altLang="hu-HU" dirty="0" smtClean="0"/>
+            </a:br>
+            <a:r>
+              <a:rPr lang="hu-HU" altLang="hu-HU" dirty="0" smtClean="0"/>
+              <a:t>        .</a:t>
+            </a:r>
+            <a:r>
+              <a:rPr lang="hu-HU" altLang="hu-HU" sz="900" kern="1200" dirty="0" err="1" smtClean="0">
+                <a:solidFill>
+                  <a:schemeClr val="tx1"/>
+                </a:solidFill>
+                <a:effectLst/>
+                <a:latin typeface="+mn-lt"/>
+                <a:ea typeface="+mn-ea"/>
+                <a:cs typeface="+mn-cs"/>
+              </a:rPr>
+              <a:t>addClass</a:t>
+            </a:r>
+            <a:r>
+              <a:rPr lang="hu-HU" altLang="hu-HU" dirty="0" smtClean="0"/>
+              <a:t>(</a:t>
+            </a:r>
+            <a:r>
+              <a:rPr lang="hu-HU" altLang="hu-HU" sz="900" kern="1200" dirty="0" smtClean="0">
+                <a:solidFill>
+                  <a:schemeClr val="tx1"/>
+                </a:solidFill>
+                <a:effectLst/>
+                <a:latin typeface="+mn-lt"/>
+                <a:ea typeface="+mn-ea"/>
+                <a:cs typeface="+mn-cs"/>
+              </a:rPr>
+              <a:t>'</a:t>
+            </a:r>
+            <a:r>
+              <a:rPr lang="hu-HU" altLang="hu-HU" sz="900" kern="1200" dirty="0" err="1" smtClean="0">
+                <a:solidFill>
+                  <a:schemeClr val="tx1"/>
+                </a:solidFill>
+                <a:effectLst/>
+                <a:latin typeface="+mn-lt"/>
+                <a:ea typeface="+mn-ea"/>
+                <a:cs typeface="+mn-cs"/>
+              </a:rPr>
+              <a:t>content</a:t>
+            </a:r>
+            <a:r>
+              <a:rPr lang="hu-HU" altLang="hu-HU" sz="900" kern="1200" dirty="0" smtClean="0">
+                <a:solidFill>
+                  <a:schemeClr val="tx1"/>
+                </a:solidFill>
+                <a:effectLst/>
+                <a:latin typeface="+mn-lt"/>
+                <a:ea typeface="+mn-ea"/>
+                <a:cs typeface="+mn-cs"/>
+              </a:rPr>
+              <a:t>'</a:t>
+            </a:r>
+            <a:r>
+              <a:rPr lang="hu-HU" altLang="hu-HU" dirty="0" smtClean="0"/>
+              <a:t>)</a:t>
+            </a:r>
+            <a:br>
+              <a:rPr lang="hu-HU" altLang="hu-HU" dirty="0" smtClean="0"/>
+            </a:br>
+            <a:r>
+              <a:rPr lang="hu-HU" altLang="hu-HU" dirty="0" smtClean="0"/>
+              <a:t>        .</a:t>
+            </a:r>
+            <a:r>
+              <a:rPr lang="hu-HU" altLang="hu-HU" sz="900" kern="1200" dirty="0" err="1" smtClean="0">
+                <a:solidFill>
+                  <a:schemeClr val="tx1"/>
+                </a:solidFill>
+                <a:effectLst/>
+                <a:latin typeface="+mn-lt"/>
+                <a:ea typeface="+mn-ea"/>
+                <a:cs typeface="+mn-cs"/>
+              </a:rPr>
+              <a:t>attr</a:t>
+            </a:r>
+            <a:r>
+              <a:rPr lang="hu-HU" altLang="hu-HU" dirty="0" smtClean="0"/>
+              <a:t>(</a:t>
+            </a:r>
+            <a:r>
+              <a:rPr lang="hu-HU" altLang="hu-HU" sz="900" kern="1200" dirty="0" smtClean="0">
+                <a:solidFill>
+                  <a:schemeClr val="tx1"/>
+                </a:solidFill>
+                <a:effectLst/>
+                <a:latin typeface="+mn-lt"/>
+                <a:ea typeface="+mn-ea"/>
+                <a:cs typeface="+mn-cs"/>
+              </a:rPr>
+              <a:t>'</a:t>
+            </a:r>
+            <a:r>
+              <a:rPr lang="hu-HU" altLang="hu-HU" sz="900" kern="1200" dirty="0" err="1" smtClean="0">
+                <a:solidFill>
+                  <a:schemeClr val="tx1"/>
+                </a:solidFill>
+                <a:effectLst/>
+                <a:latin typeface="+mn-lt"/>
+                <a:ea typeface="+mn-ea"/>
+                <a:cs typeface="+mn-cs"/>
+              </a:rPr>
+              <a:t>id</a:t>
+            </a:r>
+            <a:r>
+              <a:rPr lang="hu-HU" altLang="hu-HU" sz="900" kern="1200" dirty="0" smtClean="0">
+                <a:solidFill>
+                  <a:schemeClr val="tx1"/>
+                </a:solidFill>
+                <a:effectLst/>
+                <a:latin typeface="+mn-lt"/>
+                <a:ea typeface="+mn-ea"/>
+                <a:cs typeface="+mn-cs"/>
+              </a:rPr>
+              <a:t>', '</a:t>
+            </a:r>
+            <a:r>
+              <a:rPr lang="hu-HU" altLang="hu-HU" sz="900" kern="1200" dirty="0" err="1" smtClean="0">
+                <a:solidFill>
+                  <a:schemeClr val="tx1"/>
+                </a:solidFill>
+                <a:effectLst/>
+                <a:latin typeface="+mn-lt"/>
+                <a:ea typeface="+mn-ea"/>
+                <a:cs typeface="+mn-cs"/>
+              </a:rPr>
+              <a:t>new-topic-form</a:t>
+            </a:r>
+            <a:r>
+              <a:rPr lang="hu-HU" altLang="hu-HU" sz="900" kern="1200" dirty="0" smtClean="0">
+                <a:solidFill>
+                  <a:schemeClr val="tx1"/>
+                </a:solidFill>
+                <a:effectLst/>
+                <a:latin typeface="+mn-lt"/>
+                <a:ea typeface="+mn-ea"/>
+                <a:cs typeface="+mn-cs"/>
+              </a:rPr>
+              <a:t>'</a:t>
+            </a:r>
+            <a:r>
+              <a:rPr lang="hu-HU" altLang="hu-HU" dirty="0" smtClean="0"/>
+              <a:t>)</a:t>
+            </a:r>
+            <a:br>
+              <a:rPr lang="hu-HU" altLang="hu-HU" dirty="0" smtClean="0"/>
+            </a:br>
+            <a:r>
+              <a:rPr lang="hu-HU" altLang="hu-HU" dirty="0" smtClean="0"/>
+              <a:t>        .</a:t>
+            </a:r>
+            <a:r>
+              <a:rPr lang="hu-HU" altLang="hu-HU" sz="900" kern="1200" dirty="0" err="1" smtClean="0">
+                <a:solidFill>
+                  <a:schemeClr val="tx1"/>
+                </a:solidFill>
+                <a:effectLst/>
+                <a:latin typeface="+mn-lt"/>
+                <a:ea typeface="+mn-ea"/>
+                <a:cs typeface="+mn-cs"/>
+              </a:rPr>
+              <a:t>append</a:t>
+            </a:r>
+            <a:r>
+              <a:rPr lang="hu-HU" altLang="hu-HU" dirty="0" smtClean="0"/>
+              <a:t>(</a:t>
+            </a:r>
+            <a:r>
+              <a:rPr lang="hu-HU" altLang="hu-HU" sz="900" kern="1200" dirty="0" smtClean="0">
+                <a:solidFill>
+                  <a:schemeClr val="tx1"/>
+                </a:solidFill>
+                <a:effectLst/>
+                <a:latin typeface="+mn-lt"/>
+                <a:ea typeface="+mn-ea"/>
+                <a:cs typeface="+mn-cs"/>
+              </a:rPr>
+              <a:t>$</a:t>
+            </a:r>
+            <a:r>
+              <a:rPr lang="hu-HU" altLang="hu-HU" sz="900" kern="1200" dirty="0" err="1" smtClean="0">
+                <a:solidFill>
+                  <a:schemeClr val="tx1"/>
+                </a:solidFill>
+                <a:effectLst/>
+                <a:latin typeface="+mn-lt"/>
+                <a:ea typeface="+mn-ea"/>
+                <a:cs typeface="+mn-cs"/>
+              </a:rPr>
+              <a:t>textarea</a:t>
+            </a:r>
+            <a:r>
+              <a:rPr lang="hu-HU" altLang="hu-HU" dirty="0" smtClean="0"/>
+              <a:t>)</a:t>
+            </a:r>
+            <a:br>
+              <a:rPr lang="hu-HU" altLang="hu-HU" dirty="0" smtClean="0"/>
+            </a:br>
+            <a:r>
+              <a:rPr lang="hu-HU" altLang="hu-HU" dirty="0" smtClean="0"/>
+              <a:t>        .</a:t>
+            </a:r>
+            <a:r>
+              <a:rPr lang="hu-HU" altLang="hu-HU" sz="900" kern="1200" dirty="0" err="1" smtClean="0">
+                <a:solidFill>
+                  <a:schemeClr val="tx1"/>
+                </a:solidFill>
+                <a:effectLst/>
+                <a:latin typeface="+mn-lt"/>
+                <a:ea typeface="+mn-ea"/>
+                <a:cs typeface="+mn-cs"/>
+              </a:rPr>
+              <a:t>append</a:t>
+            </a:r>
+            <a:r>
+              <a:rPr lang="hu-HU" altLang="hu-HU" dirty="0" smtClean="0"/>
+              <a:t>(</a:t>
+            </a:r>
+            <a:br>
+              <a:rPr lang="hu-HU" altLang="hu-HU" dirty="0" smtClean="0"/>
+            </a:br>
+            <a:r>
+              <a:rPr lang="hu-HU" altLang="hu-HU" dirty="0" smtClean="0"/>
+              <a:t>        </a:t>
+            </a:r>
+            <a:r>
+              <a:rPr lang="hu-HU" altLang="hu-HU" sz="900" kern="1200" dirty="0" smtClean="0">
+                <a:solidFill>
+                  <a:schemeClr val="tx1"/>
+                </a:solidFill>
+                <a:effectLst/>
+                <a:latin typeface="+mn-lt"/>
+                <a:ea typeface="+mn-ea"/>
+                <a:cs typeface="+mn-cs"/>
+              </a:rPr>
+              <a:t>$</a:t>
+            </a:r>
+            <a:r>
+              <a:rPr lang="hu-HU" altLang="hu-HU" dirty="0" smtClean="0"/>
+              <a:t>(</a:t>
+            </a:r>
+            <a:r>
+              <a:rPr lang="hu-HU" altLang="hu-HU" sz="900" kern="1200" dirty="0" smtClean="0">
+                <a:solidFill>
+                  <a:schemeClr val="tx1"/>
+                </a:solidFill>
+                <a:effectLst/>
+                <a:latin typeface="+mn-lt"/>
+                <a:ea typeface="+mn-ea"/>
+                <a:cs typeface="+mn-cs"/>
+              </a:rPr>
+              <a:t>'&lt;div </a:t>
+            </a:r>
+            <a:r>
+              <a:rPr lang="hu-HU" altLang="hu-HU" sz="900" kern="1200" dirty="0" err="1" smtClean="0">
+                <a:solidFill>
+                  <a:schemeClr val="tx1"/>
+                </a:solidFill>
+                <a:effectLst/>
+                <a:latin typeface="+mn-lt"/>
+                <a:ea typeface="+mn-ea"/>
+                <a:cs typeface="+mn-cs"/>
+              </a:rPr>
+              <a:t>class</a:t>
+            </a:r>
+            <a:r>
+              <a:rPr lang="hu-HU" altLang="hu-HU" sz="900" kern="1200" dirty="0" smtClean="0">
+                <a:solidFill>
+                  <a:schemeClr val="tx1"/>
+                </a:solidFill>
+                <a:effectLst/>
+                <a:latin typeface="+mn-lt"/>
+                <a:ea typeface="+mn-ea"/>
+                <a:cs typeface="+mn-cs"/>
+              </a:rPr>
+              <a:t>="input-</a:t>
+            </a:r>
+            <a:r>
+              <a:rPr lang="hu-HU" altLang="hu-HU" sz="900" kern="1200" dirty="0" err="1" smtClean="0">
+                <a:solidFill>
+                  <a:schemeClr val="tx1"/>
+                </a:solidFill>
+                <a:effectLst/>
+                <a:latin typeface="+mn-lt"/>
+                <a:ea typeface="+mn-ea"/>
+                <a:cs typeface="+mn-cs"/>
+              </a:rPr>
+              <a:t>group</a:t>
+            </a:r>
+            <a:r>
+              <a:rPr lang="hu-HU" altLang="hu-HU" sz="900" kern="1200" dirty="0" smtClean="0">
+                <a:solidFill>
+                  <a:schemeClr val="tx1"/>
+                </a:solidFill>
+                <a:effectLst/>
+                <a:latin typeface="+mn-lt"/>
+                <a:ea typeface="+mn-ea"/>
+                <a:cs typeface="+mn-cs"/>
+              </a:rPr>
+              <a:t>"&gt;'</a:t>
+            </a:r>
+            <a:r>
+              <a:rPr lang="hu-HU" altLang="hu-HU" dirty="0" smtClean="0"/>
+              <a:t>)</a:t>
+            </a:r>
+            <a:br>
+              <a:rPr lang="hu-HU" altLang="hu-HU" dirty="0" smtClean="0"/>
+            </a:br>
+            <a:r>
+              <a:rPr lang="hu-HU" altLang="hu-HU" dirty="0" smtClean="0"/>
+              <a:t>            .</a:t>
+            </a:r>
+            <a:r>
+              <a:rPr lang="hu-HU" altLang="hu-HU" sz="900" kern="1200" dirty="0" err="1" smtClean="0">
+                <a:solidFill>
+                  <a:schemeClr val="tx1"/>
+                </a:solidFill>
+                <a:effectLst/>
+                <a:latin typeface="+mn-lt"/>
+                <a:ea typeface="+mn-ea"/>
+                <a:cs typeface="+mn-cs"/>
+              </a:rPr>
+              <a:t>append</a:t>
+            </a:r>
+            <a:r>
+              <a:rPr lang="hu-HU" altLang="hu-HU" dirty="0" smtClean="0"/>
+              <a:t>(</a:t>
+            </a:r>
+            <a:r>
+              <a:rPr lang="hu-HU" altLang="hu-HU" sz="900" kern="1200" dirty="0" smtClean="0">
+                <a:solidFill>
+                  <a:schemeClr val="tx1"/>
+                </a:solidFill>
+                <a:effectLst/>
+                <a:latin typeface="+mn-lt"/>
+                <a:ea typeface="+mn-ea"/>
+                <a:cs typeface="+mn-cs"/>
+              </a:rPr>
+              <a:t>$input</a:t>
+            </a:r>
+            <a:r>
+              <a:rPr lang="hu-HU" altLang="hu-HU" dirty="0" smtClean="0"/>
+              <a:t>)</a:t>
+            </a:r>
+            <a:br>
+              <a:rPr lang="hu-HU" altLang="hu-HU" dirty="0" smtClean="0"/>
+            </a:br>
+            <a:r>
+              <a:rPr lang="hu-HU" altLang="hu-HU" dirty="0" smtClean="0"/>
+              <a:t>            .</a:t>
+            </a:r>
+            <a:r>
+              <a:rPr lang="hu-HU" altLang="hu-HU" sz="900" kern="1200" dirty="0" err="1" smtClean="0">
+                <a:solidFill>
+                  <a:schemeClr val="tx1"/>
+                </a:solidFill>
+                <a:effectLst/>
+                <a:latin typeface="+mn-lt"/>
+                <a:ea typeface="+mn-ea"/>
+                <a:cs typeface="+mn-cs"/>
+              </a:rPr>
+              <a:t>append</a:t>
+            </a:r>
+            <a:r>
+              <a:rPr lang="hu-HU" altLang="hu-HU" dirty="0" smtClean="0"/>
+              <a:t>(</a:t>
+            </a:r>
+            <a:r>
+              <a:rPr lang="hu-HU" altLang="hu-HU" sz="900" kern="1200" dirty="0" smtClean="0">
+                <a:solidFill>
+                  <a:schemeClr val="tx1"/>
+                </a:solidFill>
+                <a:effectLst/>
+                <a:latin typeface="+mn-lt"/>
+                <a:ea typeface="+mn-ea"/>
+                <a:cs typeface="+mn-cs"/>
+              </a:rPr>
+              <a:t>$</a:t>
+            </a:r>
+            <a:r>
+              <a:rPr lang="hu-HU" altLang="hu-HU" sz="900" kern="1200" dirty="0" err="1" smtClean="0">
+                <a:solidFill>
+                  <a:schemeClr val="tx1"/>
+                </a:solidFill>
+                <a:effectLst/>
+                <a:latin typeface="+mn-lt"/>
+                <a:ea typeface="+mn-ea"/>
+                <a:cs typeface="+mn-cs"/>
+              </a:rPr>
+              <a:t>submit</a:t>
+            </a:r>
+            <a:r>
+              <a:rPr lang="hu-HU" altLang="hu-HU" dirty="0" smtClean="0"/>
+              <a:t>)</a:t>
+            </a:r>
+            <a:br>
+              <a:rPr lang="hu-HU" altLang="hu-HU" dirty="0" smtClean="0"/>
+            </a:br>
+            <a:r>
+              <a:rPr lang="hu-HU" altLang="hu-HU" dirty="0" smtClean="0"/>
+              <a:t>    )</a:t>
+            </a:r>
+            <a:r>
+              <a:rPr lang="hu-HU" altLang="hu-HU" sz="900" kern="1200" dirty="0" smtClean="0">
+                <a:solidFill>
+                  <a:schemeClr val="tx1"/>
+                </a:solidFill>
+                <a:effectLst/>
+                <a:latin typeface="+mn-lt"/>
+                <a:ea typeface="+mn-ea"/>
+                <a:cs typeface="+mn-cs"/>
+              </a:rPr>
+              <a:t>;</a:t>
+            </a:r>
+            <a:br>
+              <a:rPr lang="hu-HU" altLang="hu-HU" sz="900" kern="1200" dirty="0" smtClean="0">
+                <a:solidFill>
+                  <a:schemeClr val="tx1"/>
+                </a:solidFill>
+                <a:effectLst/>
+                <a:latin typeface="+mn-lt"/>
+                <a:ea typeface="+mn-ea"/>
+                <a:cs typeface="+mn-cs"/>
+              </a:rPr>
+            </a:br>
+            <a:r>
+              <a:rPr lang="hu-HU" altLang="hu-HU" sz="900" kern="1200" dirty="0" smtClean="0">
+                <a:solidFill>
+                  <a:schemeClr val="tx1"/>
+                </a:solidFill>
+                <a:effectLst/>
+                <a:latin typeface="+mn-lt"/>
+                <a:ea typeface="+mn-ea"/>
+                <a:cs typeface="+mn-cs"/>
+              </a:rPr>
+              <a:t>    </a:t>
+            </a:r>
+            <a:r>
+              <a:rPr lang="hu-HU" altLang="hu-HU" sz="900" kern="1200" dirty="0" err="1" smtClean="0">
+                <a:solidFill>
+                  <a:schemeClr val="tx1"/>
+                </a:solidFill>
+                <a:effectLst/>
+                <a:latin typeface="+mn-lt"/>
+                <a:ea typeface="+mn-ea"/>
+                <a:cs typeface="+mn-cs"/>
+              </a:rPr>
+              <a:t>return</a:t>
+            </a:r>
+            <a:r>
+              <a:rPr lang="hu-HU" altLang="hu-HU" sz="900" kern="1200" dirty="0" smtClean="0">
+                <a:solidFill>
+                  <a:schemeClr val="tx1"/>
+                </a:solidFill>
+                <a:effectLst/>
+                <a:latin typeface="+mn-lt"/>
+                <a:ea typeface="+mn-ea"/>
+                <a:cs typeface="+mn-cs"/>
+              </a:rPr>
+              <a:t> $</a:t>
+            </a:r>
+            <a:r>
+              <a:rPr lang="hu-HU" altLang="hu-HU" dirty="0" smtClean="0"/>
+              <a:t>(</a:t>
+            </a:r>
+            <a:r>
+              <a:rPr lang="hu-HU" altLang="hu-HU" sz="900" kern="1200" dirty="0" smtClean="0">
+                <a:solidFill>
+                  <a:schemeClr val="tx1"/>
+                </a:solidFill>
+                <a:effectLst/>
+                <a:latin typeface="+mn-lt"/>
+                <a:ea typeface="+mn-ea"/>
+                <a:cs typeface="+mn-cs"/>
+              </a:rPr>
+              <a:t>'&lt;</a:t>
+            </a:r>
+            <a:r>
+              <a:rPr lang="hu-HU" altLang="hu-HU" sz="900" kern="1200" dirty="0" err="1" smtClean="0">
+                <a:solidFill>
+                  <a:schemeClr val="tx1"/>
+                </a:solidFill>
+                <a:effectLst/>
+                <a:latin typeface="+mn-lt"/>
+                <a:ea typeface="+mn-ea"/>
+                <a:cs typeface="+mn-cs"/>
+              </a:rPr>
+              <a:t>article</a:t>
+            </a:r>
+            <a:r>
+              <a:rPr lang="hu-HU" altLang="hu-HU" sz="900" kern="1200" dirty="0" smtClean="0">
+                <a:solidFill>
+                  <a:schemeClr val="tx1"/>
+                </a:solidFill>
+                <a:effectLst/>
+                <a:latin typeface="+mn-lt"/>
+                <a:ea typeface="+mn-ea"/>
+                <a:cs typeface="+mn-cs"/>
+              </a:rPr>
+              <a:t> </a:t>
+            </a:r>
+            <a:r>
+              <a:rPr lang="hu-HU" altLang="hu-HU" sz="900" kern="1200" dirty="0" err="1" smtClean="0">
+                <a:solidFill>
+                  <a:schemeClr val="tx1"/>
+                </a:solidFill>
+                <a:effectLst/>
+                <a:latin typeface="+mn-lt"/>
+                <a:ea typeface="+mn-ea"/>
+                <a:cs typeface="+mn-cs"/>
+              </a:rPr>
+              <a:t>class</a:t>
+            </a:r>
+            <a:r>
+              <a:rPr lang="hu-HU" altLang="hu-HU" sz="900" kern="1200" dirty="0" smtClean="0">
+                <a:solidFill>
+                  <a:schemeClr val="tx1"/>
+                </a:solidFill>
+                <a:effectLst/>
+                <a:latin typeface="+mn-lt"/>
+                <a:ea typeface="+mn-ea"/>
+                <a:cs typeface="+mn-cs"/>
+              </a:rPr>
+              <a:t>="</a:t>
+            </a:r>
+            <a:r>
+              <a:rPr lang="hu-HU" altLang="hu-HU" sz="900" kern="1200" dirty="0" err="1" smtClean="0">
+                <a:solidFill>
+                  <a:schemeClr val="tx1"/>
+                </a:solidFill>
+                <a:effectLst/>
+                <a:latin typeface="+mn-lt"/>
+                <a:ea typeface="+mn-ea"/>
+                <a:cs typeface="+mn-cs"/>
+              </a:rPr>
+              <a:t>tile</a:t>
+            </a:r>
+            <a:r>
+              <a:rPr lang="hu-HU" altLang="hu-HU" sz="900" kern="1200" dirty="0" smtClean="0">
+                <a:solidFill>
+                  <a:schemeClr val="tx1"/>
+                </a:solidFill>
+                <a:effectLst/>
+                <a:latin typeface="+mn-lt"/>
+                <a:ea typeface="+mn-ea"/>
+                <a:cs typeface="+mn-cs"/>
+              </a:rPr>
+              <a:t> </a:t>
+            </a:r>
+            <a:r>
+              <a:rPr lang="hu-HU" altLang="hu-HU" sz="900" kern="1200" dirty="0" err="1" smtClean="0">
+                <a:solidFill>
+                  <a:schemeClr val="tx1"/>
+                </a:solidFill>
+                <a:effectLst/>
+                <a:latin typeface="+mn-lt"/>
+                <a:ea typeface="+mn-ea"/>
+                <a:cs typeface="+mn-cs"/>
+              </a:rPr>
+              <a:t>form</a:t>
+            </a:r>
+            <a:r>
+              <a:rPr lang="hu-HU" altLang="hu-HU" sz="900" kern="1200" dirty="0" smtClean="0">
+                <a:solidFill>
+                  <a:schemeClr val="tx1"/>
+                </a:solidFill>
+                <a:effectLst/>
+                <a:latin typeface="+mn-lt"/>
+                <a:ea typeface="+mn-ea"/>
+                <a:cs typeface="+mn-cs"/>
+              </a:rPr>
+              <a:t>"&gt;'</a:t>
+            </a:r>
+            <a:r>
+              <a:rPr lang="hu-HU" altLang="hu-HU" dirty="0" smtClean="0"/>
+              <a:t>).</a:t>
+            </a:r>
+            <a:r>
+              <a:rPr lang="hu-HU" altLang="hu-HU" sz="900" kern="1200" dirty="0" err="1" smtClean="0">
+                <a:solidFill>
+                  <a:schemeClr val="tx1"/>
+                </a:solidFill>
+                <a:effectLst/>
+                <a:latin typeface="+mn-lt"/>
+                <a:ea typeface="+mn-ea"/>
+                <a:cs typeface="+mn-cs"/>
+              </a:rPr>
+              <a:t>append</a:t>
+            </a:r>
+            <a:r>
+              <a:rPr lang="hu-HU" altLang="hu-HU" dirty="0" smtClean="0"/>
+              <a:t>(</a:t>
+            </a:r>
+            <a:r>
+              <a:rPr lang="hu-HU" altLang="hu-HU" sz="900" kern="1200" dirty="0" smtClean="0">
+                <a:solidFill>
+                  <a:schemeClr val="tx1"/>
+                </a:solidFill>
+                <a:effectLst/>
+                <a:latin typeface="+mn-lt"/>
+                <a:ea typeface="+mn-ea"/>
+                <a:cs typeface="+mn-cs"/>
+              </a:rPr>
+              <a:t>$</a:t>
+            </a:r>
+            <a:r>
+              <a:rPr lang="hu-HU" altLang="hu-HU" sz="900" kern="1200" dirty="0" err="1" smtClean="0">
+                <a:solidFill>
+                  <a:schemeClr val="tx1"/>
+                </a:solidFill>
+                <a:effectLst/>
+                <a:latin typeface="+mn-lt"/>
+                <a:ea typeface="+mn-ea"/>
+                <a:cs typeface="+mn-cs"/>
+              </a:rPr>
+              <a:t>form</a:t>
+            </a:r>
+            <a:r>
+              <a:rPr lang="hu-HU" altLang="hu-HU" dirty="0" smtClean="0"/>
+              <a:t>)</a:t>
+            </a:r>
+            <a:r>
+              <a:rPr lang="hu-HU" altLang="hu-HU" sz="900" kern="1200" dirty="0" smtClean="0">
+                <a:solidFill>
+                  <a:schemeClr val="tx1"/>
+                </a:solidFill>
+                <a:effectLst/>
+                <a:latin typeface="+mn-lt"/>
+                <a:ea typeface="+mn-ea"/>
+                <a:cs typeface="+mn-cs"/>
+              </a:rPr>
+              <a:t>;</a:t>
+            </a:r>
+            <a:br>
+              <a:rPr lang="hu-HU" altLang="hu-HU" sz="900" kern="1200" dirty="0" smtClean="0">
+                <a:solidFill>
+                  <a:schemeClr val="tx1"/>
+                </a:solidFill>
+                <a:effectLst/>
+                <a:latin typeface="+mn-lt"/>
+                <a:ea typeface="+mn-ea"/>
+                <a:cs typeface="+mn-cs"/>
+              </a:rPr>
+            </a:br>
+            <a:r>
+              <a:rPr lang="hu-HU" altLang="hu-HU" dirty="0" smtClean="0"/>
+              <a:t>}</a:t>
+            </a:r>
+            <a:r>
+              <a:rPr lang="hu-HU" altLang="hu-HU" sz="900" kern="1200" dirty="0" smtClean="0">
+                <a:solidFill>
+                  <a:schemeClr val="tx1"/>
+                </a:solidFill>
+                <a:effectLst/>
+                <a:latin typeface="+mn-lt"/>
+                <a:ea typeface="+mn-ea"/>
+                <a:cs typeface="+mn-cs"/>
+              </a:rPr>
+              <a:t>;</a:t>
+            </a:r>
           </a:p>
         </p:txBody>
       </p:sp>
@@ -4214,6 +8498,3267 @@
               <a:tabLst/>
               <a:defRPr/>
             </a:pPr>
+            <a:r>
+              <a:rPr lang="en-US" dirty="0" err="1" smtClean="0"/>
+              <a:t>fetchTopics</a:t>
+            </a:r>
+            <a:r>
+              <a:rPr lang="en-US" dirty="0" smtClean="0"/>
+              <a:t> = function() {</a:t>
+            </a:r>
+          </a:p>
+          <a:p>
+            <a:pPr marL="0" marR="0" indent="0" algn="l" defTabSz="914400" rtl="0" eaLnBrk="1" latinLnBrk="0" hangingPunct="1">
+              <a:lnSpc>
+                <a:spcPct val="100000"/>
+              </a:lnSpc>
+              <a:spcBef>
+                <a:spcPts val="0"/>
+              </a:spcBef>
+              <a:spcAft>
+                <a:spcPts val="0"/>
+              </a:spcAft>
+              <a:buClrTx/>
+              <a:buSzTx/>
+              <a:buFontTx/>
+              <a:buNone/>
+              <a:tabLst/>
+              <a:defRPr/>
+            </a:pPr>
+            <a:r>
+              <a:rPr lang="en-US" dirty="0" smtClean="0"/>
+              <a:t>    </a:t>
+            </a:r>
+            <a:r>
+              <a:rPr lang="en-US" dirty="0" err="1" smtClean="0"/>
+              <a:t>Storage.getAllTopics</a:t>
+            </a:r>
+            <a:r>
+              <a:rPr lang="en-US" dirty="0" smtClean="0"/>
+              <a:t>(</a:t>
+            </a:r>
+            <a:r>
+              <a:rPr lang="en-US" dirty="0" err="1" smtClean="0"/>
+              <a:t>searchString</a:t>
+            </a:r>
+            <a:r>
+              <a:rPr lang="en-US" dirty="0" smtClean="0"/>
+              <a:t>).then(</a:t>
+            </a:r>
+          </a:p>
+          <a:p>
+            <a:pPr marL="0" marR="0" indent="0" algn="l" defTabSz="914400" rtl="0" eaLnBrk="1" latinLnBrk="0" hangingPunct="1">
+              <a:lnSpc>
+                <a:spcPct val="100000"/>
+              </a:lnSpc>
+              <a:spcBef>
+                <a:spcPts val="0"/>
+              </a:spcBef>
+              <a:spcAft>
+                <a:spcPts val="0"/>
+              </a:spcAft>
+              <a:buClrTx/>
+              <a:buSzTx/>
+              <a:buFontTx/>
+              <a:buNone/>
+              <a:tabLst/>
+              <a:defRPr/>
+            </a:pPr>
+            <a:r>
+              <a:rPr lang="en-US" dirty="0" smtClean="0"/>
+              <a:t>        function (topics) {</a:t>
+            </a:r>
+          </a:p>
+          <a:p>
+            <a:pPr marL="0" marR="0" indent="0" algn="l" defTabSz="914400" rtl="0" eaLnBrk="1" latinLnBrk="0" hangingPunct="1">
+              <a:lnSpc>
+                <a:spcPct val="100000"/>
+              </a:lnSpc>
+              <a:spcBef>
+                <a:spcPts val="0"/>
+              </a:spcBef>
+              <a:spcAft>
+                <a:spcPts val="0"/>
+              </a:spcAft>
+              <a:buClrTx/>
+              <a:buSzTx/>
+              <a:buFontTx/>
+              <a:buNone/>
+              <a:tabLst/>
+              <a:defRPr/>
+            </a:pPr>
+            <a:r>
+              <a:rPr lang="en-US" dirty="0" smtClean="0"/>
+              <a:t>            </a:t>
+            </a:r>
+            <a:r>
+              <a:rPr lang="en-US" dirty="0" err="1" smtClean="0"/>
+              <a:t>TopicController.topics</a:t>
+            </a:r>
+            <a:r>
+              <a:rPr lang="en-US" dirty="0" smtClean="0"/>
+              <a:t> = topics;</a:t>
+            </a:r>
+          </a:p>
+          <a:p>
+            <a:pPr marL="0" marR="0" indent="0" algn="l" defTabSz="914400" rtl="0" eaLnBrk="1" latinLnBrk="0" hangingPunct="1">
+              <a:lnSpc>
+                <a:spcPct val="100000"/>
+              </a:lnSpc>
+              <a:spcBef>
+                <a:spcPts val="0"/>
+              </a:spcBef>
+              <a:spcAft>
+                <a:spcPts val="0"/>
+              </a:spcAft>
+              <a:buClrTx/>
+              <a:buSzTx/>
+              <a:buFontTx/>
+              <a:buNone/>
+              <a:tabLst/>
+              <a:defRPr/>
+            </a:pPr>
+            <a:r>
+              <a:rPr lang="en-US" dirty="0" smtClean="0"/>
+              <a:t>            </a:t>
+            </a:r>
+            <a:r>
+              <a:rPr lang="en-US" dirty="0" err="1" smtClean="0"/>
+              <a:t>TopicView.clearAndRenderTopics</a:t>
+            </a:r>
+            <a:r>
+              <a:rPr lang="en-US" dirty="0" smtClean="0"/>
+              <a:t>(topics);</a:t>
+            </a:r>
+          </a:p>
+          <a:p>
+            <a:pPr marL="0" marR="0" indent="0" algn="l" defTabSz="914400" rtl="0" eaLnBrk="1" latinLnBrk="0" hangingPunct="1">
+              <a:lnSpc>
+                <a:spcPct val="100000"/>
+              </a:lnSpc>
+              <a:spcBef>
+                <a:spcPts val="0"/>
+              </a:spcBef>
+              <a:spcAft>
+                <a:spcPts val="0"/>
+              </a:spcAft>
+              <a:buClrTx/>
+              <a:buSzTx/>
+              <a:buFontTx/>
+              <a:buNone/>
+              <a:tabLst/>
+              <a:defRPr/>
+            </a:pPr>
+            <a:r>
+              <a:rPr lang="en-US" dirty="0" smtClean="0"/>
+              <a:t>        },</a:t>
+            </a:r>
+          </a:p>
+          <a:p>
+            <a:pPr marL="0" marR="0" indent="0" algn="l" defTabSz="914400" rtl="0" eaLnBrk="1" latinLnBrk="0" hangingPunct="1">
+              <a:lnSpc>
+                <a:spcPct val="100000"/>
+              </a:lnSpc>
+              <a:spcBef>
+                <a:spcPts val="0"/>
+              </a:spcBef>
+              <a:spcAft>
+                <a:spcPts val="0"/>
+              </a:spcAft>
+              <a:buClrTx/>
+              <a:buSzTx/>
+              <a:buFontTx/>
+              <a:buNone/>
+              <a:tabLst/>
+              <a:defRPr/>
+            </a:pPr>
+            <a:r>
+              <a:rPr lang="en-US" dirty="0" smtClean="0"/>
+              <a:t>        function () {</a:t>
+            </a:r>
+          </a:p>
+          <a:p>
+            <a:pPr marL="0" marR="0" indent="0" algn="l" defTabSz="914400" rtl="0" eaLnBrk="1" latinLnBrk="0" hangingPunct="1">
+              <a:lnSpc>
+                <a:spcPct val="100000"/>
+              </a:lnSpc>
+              <a:spcBef>
+                <a:spcPts val="0"/>
+              </a:spcBef>
+              <a:spcAft>
+                <a:spcPts val="0"/>
+              </a:spcAft>
+              <a:buClrTx/>
+              <a:buSzTx/>
+              <a:buFontTx/>
+              <a:buNone/>
+              <a:tabLst/>
+              <a:defRPr/>
+            </a:pPr>
+            <a:r>
+              <a:rPr lang="en-US" dirty="0" smtClean="0"/>
+              <a:t>            console.log("Topic fetch failed", arguments);</a:t>
+            </a:r>
+          </a:p>
+          <a:p>
+            <a:pPr marL="0" marR="0" indent="0" algn="l" defTabSz="914400" rtl="0" eaLnBrk="1" latinLnBrk="0" hangingPunct="1">
+              <a:lnSpc>
+                <a:spcPct val="100000"/>
+              </a:lnSpc>
+              <a:spcBef>
+                <a:spcPts val="0"/>
+              </a:spcBef>
+              <a:spcAft>
+                <a:spcPts val="0"/>
+              </a:spcAft>
+              <a:buClrTx/>
+              <a:buSzTx/>
+              <a:buFontTx/>
+              <a:buNone/>
+              <a:tabLst/>
+              <a:defRPr/>
+            </a:pPr>
+            <a:r>
+              <a:rPr lang="en-US" dirty="0" smtClean="0"/>
+              <a:t>        }</a:t>
+            </a:r>
+          </a:p>
+          <a:p>
+            <a:pPr marL="0" marR="0" indent="0" algn="l" defTabSz="914400" rtl="0" eaLnBrk="1" latinLnBrk="0" hangingPunct="1">
+              <a:lnSpc>
+                <a:spcPct val="100000"/>
+              </a:lnSpc>
+              <a:spcBef>
+                <a:spcPts val="0"/>
+              </a:spcBef>
+              <a:spcAft>
+                <a:spcPts val="0"/>
+              </a:spcAft>
+              <a:buClrTx/>
+              <a:buSzTx/>
+              <a:buFontTx/>
+              <a:buNone/>
+              <a:tabLst/>
+              <a:defRPr/>
+            </a:pPr>
+            <a:r>
+              <a:rPr lang="en-US" dirty="0" smtClean="0"/>
+              <a:t>    );</a:t>
+            </a:r>
+          </a:p>
+          <a:p>
+            <a:pPr marL="0" marR="0" indent="0" algn="l" defTabSz="914400" rtl="0" eaLnBrk="1" latinLnBrk="0" hangingPunct="1">
+              <a:lnSpc>
+                <a:spcPct val="100000"/>
+              </a:lnSpc>
+              <a:spcBef>
+                <a:spcPts val="0"/>
+              </a:spcBef>
+              <a:spcAft>
+                <a:spcPts val="0"/>
+              </a:spcAft>
+              <a:buClrTx/>
+              <a:buSzTx/>
+              <a:buFontTx/>
+              <a:buNone/>
+              <a:tabLst/>
+              <a:defRPr/>
+            </a:pPr>
+            <a:r>
+              <a:rPr lang="en-US" dirty="0" smtClean="0"/>
+              <a:t>};</a:t>
+            </a:r>
+            <a:endParaRPr lang="hu-HU" altLang="hu-HU" dirty="0" smtClean="0"/>
+          </a:p>
+          <a:p>
+            <a:pPr marL="0" marR="0" indent="0" algn="l" defTabSz="914400" rtl="0" eaLnBrk="1" latinLnBrk="0" hangingPunct="1">
+              <a:lnSpc>
+                <a:spcPct val="100000"/>
+              </a:lnSpc>
+              <a:spcBef>
+                <a:spcPts val="0"/>
+              </a:spcBef>
+              <a:spcAft>
+                <a:spcPts val="0"/>
+              </a:spcAft>
+              <a:buClrTx/>
+              <a:buSzTx/>
+              <a:buFontTx/>
+              <a:buNone/>
+              <a:tabLst/>
+              <a:defRPr/>
+            </a:pPr>
+            <a:endParaRPr lang="hu-HU" altLang="hu-HU" dirty="0" smtClean="0"/>
+          </a:p>
+          <a:p>
+            <a:pPr marL="0" marR="0" indent="0" algn="l" defTabSz="914400" rtl="0" eaLnBrk="1" latinLnBrk="0" hangingPunct="1">
+              <a:lnSpc>
+                <a:spcPct val="100000"/>
+              </a:lnSpc>
+              <a:spcBef>
+                <a:spcPts val="0"/>
+              </a:spcBef>
+              <a:spcAft>
+                <a:spcPts val="0"/>
+              </a:spcAft>
+              <a:buClrTx/>
+              <a:buSzTx/>
+              <a:buFontTx/>
+              <a:buNone/>
+              <a:tabLst/>
+              <a:defRPr/>
+            </a:pPr>
+            <a:endParaRPr lang="hu-HU" altLang="hu-HU" dirty="0" smtClean="0"/>
+          </a:p>
+          <a:p>
+            <a:pPr marL="0" marR="0" indent="0" algn="l" defTabSz="914400" rtl="0" eaLnBrk="1" latinLnBrk="0" hangingPunct="1">
+              <a:lnSpc>
+                <a:spcPct val="100000"/>
+              </a:lnSpc>
+              <a:spcBef>
+                <a:spcPts val="0"/>
+              </a:spcBef>
+              <a:spcAft>
+                <a:spcPts val="0"/>
+              </a:spcAft>
+              <a:buClrTx/>
+              <a:buSzTx/>
+              <a:buFontTx/>
+              <a:buNone/>
+              <a:tabLst/>
+              <a:defRPr/>
+            </a:pPr>
+            <a:endParaRPr lang="hu-HU" altLang="hu-HU" dirty="0" smtClean="0"/>
+          </a:p>
+          <a:p>
+            <a:pPr marL="0" marR="0" indent="0" algn="l" defTabSz="914400" rtl="0" eaLnBrk="1" latinLnBrk="0" hangingPunct="1">
+              <a:lnSpc>
+                <a:spcPct val="100000"/>
+              </a:lnSpc>
+              <a:spcBef>
+                <a:spcPts val="0"/>
+              </a:spcBef>
+              <a:spcAft>
+                <a:spcPts val="0"/>
+              </a:spcAft>
+              <a:buClrTx/>
+              <a:buSzTx/>
+              <a:buFontTx/>
+              <a:buNone/>
+              <a:tabLst/>
+              <a:defRPr/>
+            </a:pPr>
+            <a:endParaRPr lang="hu-HU" altLang="hu-HU" dirty="0" smtClean="0"/>
+          </a:p>
+          <a:p>
+            <a:pPr marL="0" marR="0" indent="0" algn="l" defTabSz="914400" rtl="0" eaLnBrk="1" latinLnBrk="0" hangingPunct="1">
+              <a:lnSpc>
+                <a:spcPct val="100000"/>
+              </a:lnSpc>
+              <a:spcBef>
+                <a:spcPts val="0"/>
+              </a:spcBef>
+              <a:spcAft>
+                <a:spcPts val="0"/>
+              </a:spcAft>
+              <a:buClrTx/>
+              <a:buSzTx/>
+              <a:buFontTx/>
+              <a:buNone/>
+              <a:tabLst/>
+              <a:defRPr/>
+            </a:pPr>
+            <a:r>
+              <a:rPr lang="hu-HU" altLang="hu-HU" sz="900" kern="1200" dirty="0" err="1" smtClean="0">
+                <a:solidFill>
+                  <a:schemeClr val="tx1"/>
+                </a:solidFill>
+                <a:effectLst/>
+                <a:latin typeface="+mn-lt"/>
+                <a:ea typeface="+mn-ea"/>
+                <a:cs typeface="+mn-cs"/>
+              </a:rPr>
+              <a:t>function</a:t>
+            </a:r>
+            <a:r>
+              <a:rPr lang="hu-HU" altLang="hu-HU" sz="900" kern="1200" dirty="0" smtClean="0">
+                <a:solidFill>
+                  <a:schemeClr val="tx1"/>
+                </a:solidFill>
+                <a:effectLst/>
+                <a:latin typeface="+mn-lt"/>
+                <a:ea typeface="+mn-ea"/>
+                <a:cs typeface="+mn-cs"/>
+              </a:rPr>
+              <a:t> </a:t>
+            </a:r>
+            <a:r>
+              <a:rPr lang="hu-HU" altLang="hu-HU" sz="900" kern="1200" dirty="0" err="1" smtClean="0">
+                <a:solidFill>
+                  <a:schemeClr val="tx1"/>
+                </a:solidFill>
+                <a:effectLst/>
+                <a:latin typeface="+mn-lt"/>
+                <a:ea typeface="+mn-ea"/>
+                <a:cs typeface="+mn-cs"/>
+              </a:rPr>
+              <a:t>topicsByPhrase</a:t>
+            </a:r>
+            <a:r>
+              <a:rPr lang="hu-HU" altLang="hu-HU" dirty="0" smtClean="0"/>
+              <a:t>() {</a:t>
+            </a:r>
+            <a:br>
+              <a:rPr lang="hu-HU" altLang="hu-HU" dirty="0" smtClean="0"/>
+            </a:br>
+            <a:r>
+              <a:rPr lang="hu-HU" altLang="hu-HU" dirty="0" smtClean="0"/>
+              <a:t>    </a:t>
+            </a:r>
+            <a:r>
+              <a:rPr lang="hu-HU" altLang="hu-HU" sz="900" kern="1200" dirty="0" smtClean="0">
+                <a:solidFill>
+                  <a:schemeClr val="tx1"/>
+                </a:solidFill>
+                <a:effectLst/>
+                <a:latin typeface="+mn-lt"/>
+                <a:ea typeface="+mn-ea"/>
+                <a:cs typeface="+mn-cs"/>
+              </a:rPr>
+              <a:t>var </a:t>
+            </a:r>
+            <a:r>
+              <a:rPr lang="hu-HU" altLang="hu-HU" sz="900" kern="1200" dirty="0" err="1" smtClean="0">
+                <a:solidFill>
+                  <a:schemeClr val="tx1"/>
+                </a:solidFill>
+                <a:effectLst/>
+                <a:latin typeface="+mn-lt"/>
+                <a:ea typeface="+mn-ea"/>
+                <a:cs typeface="+mn-cs"/>
+              </a:rPr>
+              <a:t>result</a:t>
+            </a:r>
+            <a:r>
+              <a:rPr lang="hu-HU" altLang="hu-HU" sz="900" kern="1200" dirty="0" smtClean="0">
+                <a:solidFill>
+                  <a:schemeClr val="tx1"/>
+                </a:solidFill>
+                <a:effectLst/>
+                <a:latin typeface="+mn-lt"/>
+                <a:ea typeface="+mn-ea"/>
+                <a:cs typeface="+mn-cs"/>
+              </a:rPr>
+              <a:t> = </a:t>
+            </a:r>
+            <a:r>
+              <a:rPr lang="hu-HU" altLang="hu-HU" dirty="0" smtClean="0"/>
+              <a:t>[]</a:t>
+            </a:r>
+            <a:r>
+              <a:rPr lang="hu-HU" altLang="hu-HU" sz="900" kern="1200" dirty="0" smtClean="0">
+                <a:solidFill>
+                  <a:schemeClr val="tx1"/>
+                </a:solidFill>
+                <a:effectLst/>
+                <a:latin typeface="+mn-lt"/>
+                <a:ea typeface="+mn-ea"/>
+                <a:cs typeface="+mn-cs"/>
+              </a:rPr>
+              <a:t>;</a:t>
+            </a:r>
+            <a:br>
+              <a:rPr lang="hu-HU" altLang="hu-HU" sz="900" kern="1200" dirty="0" smtClean="0">
+                <a:solidFill>
+                  <a:schemeClr val="tx1"/>
+                </a:solidFill>
+                <a:effectLst/>
+                <a:latin typeface="+mn-lt"/>
+                <a:ea typeface="+mn-ea"/>
+                <a:cs typeface="+mn-cs"/>
+              </a:rPr>
+            </a:br>
+            <a:r>
+              <a:rPr lang="hu-HU" altLang="hu-HU" sz="900" kern="1200" dirty="0" smtClean="0">
+                <a:solidFill>
+                  <a:schemeClr val="tx1"/>
+                </a:solidFill>
+                <a:effectLst/>
+                <a:latin typeface="+mn-lt"/>
+                <a:ea typeface="+mn-ea"/>
+                <a:cs typeface="+mn-cs"/>
+              </a:rPr>
+              <a:t>    </a:t>
+            </a:r>
+            <a:r>
+              <a:rPr lang="hu-HU" altLang="hu-HU" sz="900" kern="1200" dirty="0" err="1" smtClean="0">
+                <a:solidFill>
+                  <a:schemeClr val="tx1"/>
+                </a:solidFill>
+                <a:effectLst/>
+                <a:latin typeface="+mn-lt"/>
+                <a:ea typeface="+mn-ea"/>
+                <a:cs typeface="+mn-cs"/>
+              </a:rPr>
+              <a:t>if</a:t>
+            </a:r>
+            <a:r>
+              <a:rPr lang="hu-HU" altLang="hu-HU" sz="900" kern="1200" dirty="0" smtClean="0">
+                <a:solidFill>
+                  <a:schemeClr val="tx1"/>
+                </a:solidFill>
+                <a:effectLst/>
+                <a:latin typeface="+mn-lt"/>
+                <a:ea typeface="+mn-ea"/>
+                <a:cs typeface="+mn-cs"/>
+              </a:rPr>
+              <a:t> </a:t>
+            </a:r>
+            <a:r>
+              <a:rPr lang="hu-HU" altLang="hu-HU" dirty="0" smtClean="0"/>
+              <a:t>(</a:t>
+            </a:r>
+            <a:r>
+              <a:rPr lang="hu-HU" altLang="hu-HU" dirty="0" err="1" smtClean="0"/>
+              <a:t>searchString</a:t>
+            </a:r>
+            <a:r>
+              <a:rPr lang="hu-HU" altLang="hu-HU" dirty="0" smtClean="0"/>
+              <a:t>) {</a:t>
+            </a:r>
+            <a:br>
+              <a:rPr lang="hu-HU" altLang="hu-HU" dirty="0" smtClean="0"/>
+            </a:br>
+            <a:r>
+              <a:rPr lang="hu-HU" altLang="hu-HU" dirty="0" smtClean="0"/>
+              <a:t>        </a:t>
+            </a:r>
+            <a:r>
+              <a:rPr lang="hu-HU" altLang="hu-HU" dirty="0" err="1" smtClean="0"/>
+              <a:t>searchString</a:t>
+            </a:r>
+            <a:r>
+              <a:rPr lang="hu-HU" altLang="hu-HU" dirty="0" smtClean="0"/>
+              <a:t> </a:t>
+            </a:r>
+            <a:r>
+              <a:rPr lang="hu-HU" altLang="hu-HU" sz="900" kern="1200" dirty="0" smtClean="0">
+                <a:solidFill>
+                  <a:schemeClr val="tx1"/>
+                </a:solidFill>
+                <a:effectLst/>
+                <a:latin typeface="+mn-lt"/>
+                <a:ea typeface="+mn-ea"/>
+                <a:cs typeface="+mn-cs"/>
+              </a:rPr>
+              <a:t>= </a:t>
+            </a:r>
+            <a:r>
+              <a:rPr lang="hu-HU" altLang="hu-HU" dirty="0" err="1" smtClean="0"/>
+              <a:t>searchString.</a:t>
+            </a:r>
+            <a:r>
+              <a:rPr lang="hu-HU" altLang="hu-HU" sz="900" kern="1200" dirty="0" err="1" smtClean="0">
+                <a:solidFill>
+                  <a:schemeClr val="tx1"/>
+                </a:solidFill>
+                <a:effectLst/>
+                <a:latin typeface="+mn-lt"/>
+                <a:ea typeface="+mn-ea"/>
+                <a:cs typeface="+mn-cs"/>
+              </a:rPr>
+              <a:t>toLocaleLowerCase</a:t>
+            </a:r>
+            <a:r>
+              <a:rPr lang="hu-HU" altLang="hu-HU" dirty="0" smtClean="0"/>
+              <a:t>()</a:t>
+            </a:r>
+            <a:r>
+              <a:rPr lang="hu-HU" altLang="hu-HU" sz="900" kern="1200" dirty="0" smtClean="0">
+                <a:solidFill>
+                  <a:schemeClr val="tx1"/>
+                </a:solidFill>
+                <a:effectLst/>
+                <a:latin typeface="+mn-lt"/>
+                <a:ea typeface="+mn-ea"/>
+                <a:cs typeface="+mn-cs"/>
+              </a:rPr>
+              <a:t>;</a:t>
+            </a:r>
+            <a:br>
+              <a:rPr lang="hu-HU" altLang="hu-HU" sz="900" kern="1200" dirty="0" smtClean="0">
+                <a:solidFill>
+                  <a:schemeClr val="tx1"/>
+                </a:solidFill>
+                <a:effectLst/>
+                <a:latin typeface="+mn-lt"/>
+                <a:ea typeface="+mn-ea"/>
+                <a:cs typeface="+mn-cs"/>
+              </a:rPr>
+            </a:br>
+            <a:r>
+              <a:rPr lang="hu-HU" altLang="hu-HU" sz="900" kern="1200" dirty="0" smtClean="0">
+                <a:solidFill>
+                  <a:schemeClr val="tx1"/>
+                </a:solidFill>
+                <a:effectLst/>
+                <a:latin typeface="+mn-lt"/>
+                <a:ea typeface="+mn-ea"/>
+                <a:cs typeface="+mn-cs"/>
+              </a:rPr>
+              <a:t>        </a:t>
+            </a:r>
+            <a:r>
+              <a:rPr lang="hu-HU" altLang="hu-HU" sz="900" kern="1200" dirty="0" err="1" smtClean="0">
+                <a:solidFill>
+                  <a:schemeClr val="tx1"/>
+                </a:solidFill>
+                <a:effectLst/>
+                <a:latin typeface="+mn-lt"/>
+                <a:ea typeface="+mn-ea"/>
+                <a:cs typeface="+mn-cs"/>
+              </a:rPr>
+              <a:t>for</a:t>
+            </a:r>
+            <a:r>
+              <a:rPr lang="hu-HU" altLang="hu-HU" sz="900" kern="1200" dirty="0" smtClean="0">
+                <a:solidFill>
+                  <a:schemeClr val="tx1"/>
+                </a:solidFill>
+                <a:effectLst/>
+                <a:latin typeface="+mn-lt"/>
+                <a:ea typeface="+mn-ea"/>
+                <a:cs typeface="+mn-cs"/>
+              </a:rPr>
+              <a:t> </a:t>
+            </a:r>
+            <a:r>
+              <a:rPr lang="hu-HU" altLang="hu-HU" dirty="0" smtClean="0"/>
+              <a:t>(</a:t>
+            </a:r>
+            <a:r>
+              <a:rPr lang="hu-HU" altLang="hu-HU" sz="900" kern="1200" dirty="0" smtClean="0">
+                <a:solidFill>
+                  <a:schemeClr val="tx1"/>
+                </a:solidFill>
+                <a:effectLst/>
+                <a:latin typeface="+mn-lt"/>
+                <a:ea typeface="+mn-ea"/>
+                <a:cs typeface="+mn-cs"/>
+              </a:rPr>
+              <a:t>var i = 0; i &lt; </a:t>
+            </a:r>
+            <a:r>
+              <a:rPr lang="hu-HU" altLang="hu-HU" sz="900" i="1" kern="1200" dirty="0" err="1" smtClean="0">
+                <a:solidFill>
+                  <a:schemeClr val="tx1"/>
+                </a:solidFill>
+                <a:effectLst/>
+                <a:latin typeface="+mn-lt"/>
+                <a:ea typeface="+mn-ea"/>
+                <a:cs typeface="+mn-cs"/>
+              </a:rPr>
+              <a:t>topics</a:t>
+            </a:r>
+            <a:r>
+              <a:rPr lang="hu-HU" altLang="hu-HU" dirty="0" err="1" smtClean="0"/>
+              <a:t>.</a:t>
+            </a:r>
+            <a:r>
+              <a:rPr lang="hu-HU" altLang="hu-HU" sz="900" kern="1200" dirty="0" err="1" smtClean="0">
+                <a:solidFill>
+                  <a:schemeClr val="tx1"/>
+                </a:solidFill>
+                <a:effectLst/>
+                <a:latin typeface="+mn-lt"/>
+                <a:ea typeface="+mn-ea"/>
+                <a:cs typeface="+mn-cs"/>
+              </a:rPr>
+              <a:t>length</a:t>
+            </a:r>
+            <a:r>
+              <a:rPr lang="hu-HU" altLang="hu-HU" sz="900" kern="1200" dirty="0" smtClean="0">
+                <a:solidFill>
+                  <a:schemeClr val="tx1"/>
+                </a:solidFill>
+                <a:effectLst/>
+                <a:latin typeface="+mn-lt"/>
+                <a:ea typeface="+mn-ea"/>
+                <a:cs typeface="+mn-cs"/>
+              </a:rPr>
+              <a:t>; i++</a:t>
+            </a:r>
+            <a:r>
+              <a:rPr lang="hu-HU" altLang="hu-HU" dirty="0" smtClean="0"/>
+              <a:t>) {</a:t>
+            </a:r>
+            <a:br>
+              <a:rPr lang="hu-HU" altLang="hu-HU" dirty="0" smtClean="0"/>
+            </a:br>
+            <a:r>
+              <a:rPr lang="hu-HU" altLang="hu-HU" dirty="0" smtClean="0"/>
+              <a:t>            </a:t>
+            </a:r>
+            <a:r>
+              <a:rPr lang="hu-HU" altLang="hu-HU" sz="900" kern="1200" dirty="0" err="1" smtClean="0">
+                <a:solidFill>
+                  <a:schemeClr val="tx1"/>
+                </a:solidFill>
+                <a:effectLst/>
+                <a:latin typeface="+mn-lt"/>
+                <a:ea typeface="+mn-ea"/>
+                <a:cs typeface="+mn-cs"/>
+              </a:rPr>
+              <a:t>if</a:t>
+            </a:r>
+            <a:r>
+              <a:rPr lang="hu-HU" altLang="hu-HU" sz="900" kern="1200" dirty="0" smtClean="0">
+                <a:solidFill>
+                  <a:schemeClr val="tx1"/>
+                </a:solidFill>
+                <a:effectLst/>
+                <a:latin typeface="+mn-lt"/>
+                <a:ea typeface="+mn-ea"/>
+                <a:cs typeface="+mn-cs"/>
+              </a:rPr>
+              <a:t> </a:t>
+            </a:r>
+            <a:r>
+              <a:rPr lang="hu-HU" altLang="hu-HU" dirty="0" smtClean="0"/>
+              <a:t>(</a:t>
+            </a:r>
+            <a:r>
+              <a:rPr lang="hu-HU" altLang="hu-HU" sz="900" i="1" kern="1200" dirty="0" err="1" smtClean="0">
+                <a:solidFill>
+                  <a:schemeClr val="tx1"/>
+                </a:solidFill>
+                <a:effectLst/>
+                <a:latin typeface="+mn-lt"/>
+                <a:ea typeface="+mn-ea"/>
+                <a:cs typeface="+mn-cs"/>
+              </a:rPr>
+              <a:t>topics</a:t>
+            </a:r>
+            <a:r>
+              <a:rPr lang="hu-HU" altLang="hu-HU" dirty="0" smtClean="0"/>
+              <a:t>[</a:t>
+            </a:r>
+            <a:r>
+              <a:rPr lang="hu-HU" altLang="hu-HU" sz="900" kern="1200" dirty="0" smtClean="0">
+                <a:solidFill>
+                  <a:schemeClr val="tx1"/>
+                </a:solidFill>
+                <a:effectLst/>
+                <a:latin typeface="+mn-lt"/>
+                <a:ea typeface="+mn-ea"/>
+                <a:cs typeface="+mn-cs"/>
+              </a:rPr>
+              <a:t>i</a:t>
+            </a:r>
+            <a:r>
+              <a:rPr lang="hu-HU" altLang="hu-HU" dirty="0" smtClean="0"/>
+              <a:t>].</a:t>
+            </a:r>
+            <a:r>
+              <a:rPr lang="hu-HU" altLang="hu-HU" sz="900" kern="1200" dirty="0" err="1" smtClean="0">
+                <a:solidFill>
+                  <a:schemeClr val="tx1"/>
+                </a:solidFill>
+                <a:effectLst/>
+                <a:latin typeface="+mn-lt"/>
+                <a:ea typeface="+mn-ea"/>
+                <a:cs typeface="+mn-cs"/>
+              </a:rPr>
+              <a:t>title</a:t>
+            </a:r>
+            <a:r>
+              <a:rPr lang="hu-HU" altLang="hu-HU" dirty="0" err="1" smtClean="0"/>
+              <a:t>.</a:t>
+            </a:r>
+            <a:r>
+              <a:rPr lang="hu-HU" altLang="hu-HU" sz="900" kern="1200" dirty="0" err="1" smtClean="0">
+                <a:solidFill>
+                  <a:schemeClr val="tx1"/>
+                </a:solidFill>
+                <a:effectLst/>
+                <a:latin typeface="+mn-lt"/>
+                <a:ea typeface="+mn-ea"/>
+                <a:cs typeface="+mn-cs"/>
+              </a:rPr>
+              <a:t>toLocaleLowerCase</a:t>
+            </a:r>
+            <a:r>
+              <a:rPr lang="hu-HU" altLang="hu-HU" dirty="0" smtClean="0"/>
+              <a:t>().</a:t>
+            </a:r>
+            <a:r>
+              <a:rPr lang="hu-HU" altLang="hu-HU" sz="900" kern="1200" dirty="0" err="1" smtClean="0">
+                <a:solidFill>
+                  <a:schemeClr val="tx1"/>
+                </a:solidFill>
+                <a:effectLst/>
+                <a:latin typeface="+mn-lt"/>
+                <a:ea typeface="+mn-ea"/>
+                <a:cs typeface="+mn-cs"/>
+              </a:rPr>
+              <a:t>indexOf</a:t>
+            </a:r>
+            <a:r>
+              <a:rPr lang="hu-HU" altLang="hu-HU" dirty="0" smtClean="0"/>
+              <a:t>(</a:t>
+            </a:r>
+            <a:r>
+              <a:rPr lang="hu-HU" altLang="hu-HU" dirty="0" err="1" smtClean="0"/>
+              <a:t>searchString</a:t>
+            </a:r>
+            <a:r>
+              <a:rPr lang="hu-HU" altLang="hu-HU" dirty="0" smtClean="0"/>
+              <a:t>) </a:t>
+            </a:r>
+            <a:r>
+              <a:rPr lang="hu-HU" altLang="hu-HU" sz="900" kern="1200" dirty="0" smtClean="0">
+                <a:solidFill>
+                  <a:schemeClr val="tx1"/>
+                </a:solidFill>
+                <a:effectLst/>
+                <a:latin typeface="+mn-lt"/>
+                <a:ea typeface="+mn-ea"/>
+                <a:cs typeface="+mn-cs"/>
+              </a:rPr>
+              <a:t>!= -1</a:t>
+            </a:r>
+            <a:r>
+              <a:rPr lang="hu-HU" altLang="hu-HU" dirty="0" smtClean="0"/>
+              <a:t>) {</a:t>
+            </a:r>
+            <a:br>
+              <a:rPr lang="hu-HU" altLang="hu-HU" dirty="0" smtClean="0"/>
+            </a:br>
+            <a:r>
+              <a:rPr lang="hu-HU" altLang="hu-HU" dirty="0" smtClean="0"/>
+              <a:t>                </a:t>
+            </a:r>
+            <a:r>
+              <a:rPr lang="hu-HU" altLang="hu-HU" sz="900" kern="1200" dirty="0" err="1" smtClean="0">
+                <a:solidFill>
+                  <a:schemeClr val="tx1"/>
+                </a:solidFill>
+                <a:effectLst/>
+                <a:latin typeface="+mn-lt"/>
+                <a:ea typeface="+mn-ea"/>
+                <a:cs typeface="+mn-cs"/>
+              </a:rPr>
+              <a:t>result</a:t>
+            </a:r>
+            <a:r>
+              <a:rPr lang="hu-HU" altLang="hu-HU" dirty="0" err="1" smtClean="0"/>
+              <a:t>.</a:t>
+            </a:r>
+            <a:r>
+              <a:rPr lang="hu-HU" altLang="hu-HU" sz="900" kern="1200" dirty="0" err="1" smtClean="0">
+                <a:solidFill>
+                  <a:schemeClr val="tx1"/>
+                </a:solidFill>
+                <a:effectLst/>
+                <a:latin typeface="+mn-lt"/>
+                <a:ea typeface="+mn-ea"/>
+                <a:cs typeface="+mn-cs"/>
+              </a:rPr>
+              <a:t>push</a:t>
+            </a:r>
+            <a:r>
+              <a:rPr lang="hu-HU" altLang="hu-HU" dirty="0" smtClean="0"/>
+              <a:t>(</a:t>
+            </a:r>
+            <a:r>
+              <a:rPr lang="hu-HU" altLang="hu-HU" sz="900" i="1" kern="1200" dirty="0" err="1" smtClean="0">
+                <a:solidFill>
+                  <a:schemeClr val="tx1"/>
+                </a:solidFill>
+                <a:effectLst/>
+                <a:latin typeface="+mn-lt"/>
+                <a:ea typeface="+mn-ea"/>
+                <a:cs typeface="+mn-cs"/>
+              </a:rPr>
+              <a:t>topics</a:t>
+            </a:r>
+            <a:r>
+              <a:rPr lang="hu-HU" altLang="hu-HU" dirty="0" smtClean="0"/>
+              <a:t>[</a:t>
+            </a:r>
+            <a:r>
+              <a:rPr lang="hu-HU" altLang="hu-HU" sz="900" kern="1200" dirty="0" smtClean="0">
+                <a:solidFill>
+                  <a:schemeClr val="tx1"/>
+                </a:solidFill>
+                <a:effectLst/>
+                <a:latin typeface="+mn-lt"/>
+                <a:ea typeface="+mn-ea"/>
+                <a:cs typeface="+mn-cs"/>
+              </a:rPr>
+              <a:t>i</a:t>
+            </a:r>
+            <a:r>
+              <a:rPr lang="hu-HU" altLang="hu-HU" dirty="0" smtClean="0"/>
+              <a:t>])</a:t>
+            </a:r>
+            <a:r>
+              <a:rPr lang="hu-HU" altLang="hu-HU" sz="900" kern="1200" dirty="0" smtClean="0">
+                <a:solidFill>
+                  <a:schemeClr val="tx1"/>
+                </a:solidFill>
+                <a:effectLst/>
+                <a:latin typeface="+mn-lt"/>
+                <a:ea typeface="+mn-ea"/>
+                <a:cs typeface="+mn-cs"/>
+              </a:rPr>
+              <a:t>;</a:t>
+            </a:r>
+            <a:br>
+              <a:rPr lang="hu-HU" altLang="hu-HU" sz="900" kern="1200" dirty="0" smtClean="0">
+                <a:solidFill>
+                  <a:schemeClr val="tx1"/>
+                </a:solidFill>
+                <a:effectLst/>
+                <a:latin typeface="+mn-lt"/>
+                <a:ea typeface="+mn-ea"/>
+                <a:cs typeface="+mn-cs"/>
+              </a:rPr>
+            </a:br>
+            <a:r>
+              <a:rPr lang="hu-HU" altLang="hu-HU" sz="900" kern="1200" dirty="0" smtClean="0">
+                <a:solidFill>
+                  <a:schemeClr val="tx1"/>
+                </a:solidFill>
+                <a:effectLst/>
+                <a:latin typeface="+mn-lt"/>
+                <a:ea typeface="+mn-ea"/>
+                <a:cs typeface="+mn-cs"/>
+              </a:rPr>
+              <a:t>            </a:t>
+            </a:r>
+            <a:r>
+              <a:rPr lang="hu-HU" altLang="hu-HU" dirty="0" smtClean="0"/>
+              <a:t>}</a:t>
+            </a:r>
+            <a:br>
+              <a:rPr lang="hu-HU" altLang="hu-HU" dirty="0" smtClean="0"/>
+            </a:br>
+            <a:r>
+              <a:rPr lang="hu-HU" altLang="hu-HU" dirty="0" smtClean="0"/>
+              <a:t>        }</a:t>
+            </a:r>
+            <a:br>
+              <a:rPr lang="hu-HU" altLang="hu-HU" dirty="0" smtClean="0"/>
+            </a:br>
+            <a:r>
+              <a:rPr lang="hu-HU" altLang="hu-HU" dirty="0" smtClean="0"/>
+              <a:t>    } </a:t>
+            </a:r>
+            <a:r>
+              <a:rPr lang="hu-HU" altLang="hu-HU" sz="900" kern="1200" dirty="0" err="1" smtClean="0">
+                <a:solidFill>
+                  <a:schemeClr val="tx1"/>
+                </a:solidFill>
+                <a:effectLst/>
+                <a:latin typeface="+mn-lt"/>
+                <a:ea typeface="+mn-ea"/>
+                <a:cs typeface="+mn-cs"/>
+              </a:rPr>
+              <a:t>else</a:t>
+            </a:r>
+            <a:r>
+              <a:rPr lang="hu-HU" altLang="hu-HU" sz="900" kern="1200" dirty="0" smtClean="0">
+                <a:solidFill>
+                  <a:schemeClr val="tx1"/>
+                </a:solidFill>
+                <a:effectLst/>
+                <a:latin typeface="+mn-lt"/>
+                <a:ea typeface="+mn-ea"/>
+                <a:cs typeface="+mn-cs"/>
+              </a:rPr>
+              <a:t> </a:t>
+            </a:r>
+            <a:r>
+              <a:rPr lang="hu-HU" altLang="hu-HU" dirty="0" smtClean="0"/>
+              <a:t>{</a:t>
+            </a:r>
+            <a:br>
+              <a:rPr lang="hu-HU" altLang="hu-HU" dirty="0" smtClean="0"/>
+            </a:br>
+            <a:r>
+              <a:rPr lang="hu-HU" altLang="hu-HU" dirty="0" smtClean="0"/>
+              <a:t>        </a:t>
+            </a:r>
+            <a:r>
+              <a:rPr lang="hu-HU" altLang="hu-HU" sz="900" kern="1200" dirty="0" err="1" smtClean="0">
+                <a:solidFill>
+                  <a:schemeClr val="tx1"/>
+                </a:solidFill>
+                <a:effectLst/>
+                <a:latin typeface="+mn-lt"/>
+                <a:ea typeface="+mn-ea"/>
+                <a:cs typeface="+mn-cs"/>
+              </a:rPr>
+              <a:t>result</a:t>
+            </a:r>
+            <a:r>
+              <a:rPr lang="hu-HU" altLang="hu-HU" sz="900" kern="1200" dirty="0" smtClean="0">
+                <a:solidFill>
+                  <a:schemeClr val="tx1"/>
+                </a:solidFill>
+                <a:effectLst/>
+                <a:latin typeface="+mn-lt"/>
+                <a:ea typeface="+mn-ea"/>
+                <a:cs typeface="+mn-cs"/>
+              </a:rPr>
+              <a:t> = </a:t>
+            </a:r>
+            <a:r>
+              <a:rPr lang="hu-HU" altLang="hu-HU" sz="900" i="1" kern="1200" dirty="0" err="1" smtClean="0">
+                <a:solidFill>
+                  <a:schemeClr val="tx1"/>
+                </a:solidFill>
+                <a:effectLst/>
+                <a:latin typeface="+mn-lt"/>
+                <a:ea typeface="+mn-ea"/>
+                <a:cs typeface="+mn-cs"/>
+              </a:rPr>
+              <a:t>topics</a:t>
+            </a:r>
+            <a:r>
+              <a:rPr lang="hu-HU" altLang="hu-HU" sz="900" kern="1200" dirty="0" smtClean="0">
+                <a:solidFill>
+                  <a:schemeClr val="tx1"/>
+                </a:solidFill>
+                <a:effectLst/>
+                <a:latin typeface="+mn-lt"/>
+                <a:ea typeface="+mn-ea"/>
+                <a:cs typeface="+mn-cs"/>
+              </a:rPr>
+              <a:t>;</a:t>
+            </a:r>
+            <a:br>
+              <a:rPr lang="hu-HU" altLang="hu-HU" sz="900" kern="1200" dirty="0" smtClean="0">
+                <a:solidFill>
+                  <a:schemeClr val="tx1"/>
+                </a:solidFill>
+                <a:effectLst/>
+                <a:latin typeface="+mn-lt"/>
+                <a:ea typeface="+mn-ea"/>
+                <a:cs typeface="+mn-cs"/>
+              </a:rPr>
+            </a:br>
+            <a:r>
+              <a:rPr lang="hu-HU" altLang="hu-HU" sz="900" kern="1200" dirty="0" smtClean="0">
+                <a:solidFill>
+                  <a:schemeClr val="tx1"/>
+                </a:solidFill>
+                <a:effectLst/>
+                <a:latin typeface="+mn-lt"/>
+                <a:ea typeface="+mn-ea"/>
+                <a:cs typeface="+mn-cs"/>
+              </a:rPr>
+              <a:t>    </a:t>
+            </a:r>
+            <a:r>
+              <a:rPr lang="hu-HU" altLang="hu-HU" dirty="0" smtClean="0"/>
+              <a:t>}</a:t>
+            </a:r>
+            <a:br>
+              <a:rPr lang="hu-HU" altLang="hu-HU" dirty="0" smtClean="0"/>
+            </a:br>
+            <a:r>
+              <a:rPr lang="hu-HU" altLang="hu-HU" dirty="0" smtClean="0"/>
+              <a:t>    </a:t>
+            </a:r>
+            <a:r>
+              <a:rPr lang="hu-HU" altLang="hu-HU" sz="900" kern="1200" dirty="0" err="1" smtClean="0">
+                <a:solidFill>
+                  <a:schemeClr val="tx1"/>
+                </a:solidFill>
+                <a:effectLst/>
+                <a:latin typeface="+mn-lt"/>
+                <a:ea typeface="+mn-ea"/>
+                <a:cs typeface="+mn-cs"/>
+              </a:rPr>
+              <a:t>deferred</a:t>
+            </a:r>
+            <a:r>
+              <a:rPr lang="hu-HU" altLang="hu-HU" dirty="0" err="1" smtClean="0"/>
+              <a:t>.</a:t>
+            </a:r>
+            <a:r>
+              <a:rPr lang="hu-HU" altLang="hu-HU" sz="900" kern="1200" dirty="0" err="1" smtClean="0">
+                <a:solidFill>
+                  <a:schemeClr val="tx1"/>
+                </a:solidFill>
+                <a:effectLst/>
+                <a:latin typeface="+mn-lt"/>
+                <a:ea typeface="+mn-ea"/>
+                <a:cs typeface="+mn-cs"/>
+              </a:rPr>
+              <a:t>resolve</a:t>
+            </a:r>
+            <a:r>
+              <a:rPr lang="hu-HU" altLang="hu-HU" dirty="0" smtClean="0"/>
+              <a:t>(</a:t>
+            </a:r>
+            <a:r>
+              <a:rPr lang="hu-HU" altLang="hu-HU" sz="900" kern="1200" dirty="0" err="1" smtClean="0">
+                <a:solidFill>
+                  <a:schemeClr val="tx1"/>
+                </a:solidFill>
+                <a:effectLst/>
+                <a:latin typeface="+mn-lt"/>
+                <a:ea typeface="+mn-ea"/>
+                <a:cs typeface="+mn-cs"/>
+              </a:rPr>
+              <a:t>result</a:t>
+            </a:r>
+            <a:r>
+              <a:rPr lang="hu-HU" altLang="hu-HU" dirty="0" smtClean="0"/>
+              <a:t>)</a:t>
+            </a:r>
+            <a:r>
+              <a:rPr lang="hu-HU" altLang="hu-HU" sz="900" kern="1200" dirty="0" smtClean="0">
+                <a:solidFill>
+                  <a:schemeClr val="tx1"/>
+                </a:solidFill>
+                <a:effectLst/>
+                <a:latin typeface="+mn-lt"/>
+                <a:ea typeface="+mn-ea"/>
+                <a:cs typeface="+mn-cs"/>
+              </a:rPr>
+              <a:t>;</a:t>
+            </a:r>
+            <a:br>
+              <a:rPr lang="hu-HU" altLang="hu-HU" sz="900" kern="1200" dirty="0" smtClean="0">
+                <a:solidFill>
+                  <a:schemeClr val="tx1"/>
+                </a:solidFill>
+                <a:effectLst/>
+                <a:latin typeface="+mn-lt"/>
+                <a:ea typeface="+mn-ea"/>
+                <a:cs typeface="+mn-cs"/>
+              </a:rPr>
+            </a:br>
+            <a:r>
+              <a:rPr lang="hu-HU" altLang="hu-HU" dirty="0" smtClean="0"/>
+              <a:t>}</a:t>
+            </a:r>
+          </a:p>
+          <a:p>
+            <a:pPr marL="0" marR="0" indent="0" algn="l" defTabSz="914400" rtl="0" eaLnBrk="1" latinLnBrk="0" hangingPunct="1">
+              <a:lnSpc>
+                <a:spcPct val="100000"/>
+              </a:lnSpc>
+              <a:spcBef>
+                <a:spcPts val="0"/>
+              </a:spcBef>
+              <a:spcAft>
+                <a:spcPts val="0"/>
+              </a:spcAft>
+              <a:buClrTx/>
+              <a:buSzTx/>
+              <a:buFontTx/>
+              <a:buNone/>
+              <a:tabLst/>
+              <a:defRPr/>
+            </a:pPr>
+            <a:endParaRPr lang="hu-HU" altLang="hu-HU" dirty="0" smtClean="0"/>
+          </a:p>
+          <a:p>
+            <a:pPr marL="0" marR="0" indent="0" algn="l" defTabSz="914400" rtl="0" eaLnBrk="1" latinLnBrk="0" hangingPunct="1">
+              <a:lnSpc>
+                <a:spcPct val="100000"/>
+              </a:lnSpc>
+              <a:spcBef>
+                <a:spcPts val="0"/>
+              </a:spcBef>
+              <a:spcAft>
+                <a:spcPts val="0"/>
+              </a:spcAft>
+              <a:buClrTx/>
+              <a:buSzTx/>
+              <a:buFontTx/>
+              <a:buNone/>
+              <a:tabLst/>
+              <a:defRPr/>
+            </a:pPr>
+            <a:endParaRPr lang="hu-HU" altLang="hu-HU" dirty="0" smtClean="0"/>
+          </a:p>
+          <a:p>
+            <a:pPr marL="0" marR="0" indent="0" algn="l" defTabSz="914400" rtl="0" eaLnBrk="1" latinLnBrk="0" hangingPunct="1">
+              <a:lnSpc>
+                <a:spcPct val="100000"/>
+              </a:lnSpc>
+              <a:spcBef>
+                <a:spcPts val="0"/>
+              </a:spcBef>
+              <a:spcAft>
+                <a:spcPts val="0"/>
+              </a:spcAft>
+              <a:buClrTx/>
+              <a:buSzTx/>
+              <a:buFontTx/>
+              <a:buNone/>
+              <a:tabLst/>
+              <a:defRPr/>
+            </a:pPr>
+            <a:endParaRPr lang="hu-HU" altLang="hu-HU" dirty="0" smtClean="0"/>
+          </a:p>
+          <a:p>
+            <a:pPr marL="0" marR="0" indent="0" algn="l" defTabSz="914400" rtl="0" eaLnBrk="1" latinLnBrk="0" hangingPunct="1">
+              <a:lnSpc>
+                <a:spcPct val="100000"/>
+              </a:lnSpc>
+              <a:spcBef>
+                <a:spcPts val="0"/>
+              </a:spcBef>
+              <a:spcAft>
+                <a:spcPts val="0"/>
+              </a:spcAft>
+              <a:buClrTx/>
+              <a:buSzTx/>
+              <a:buFontTx/>
+              <a:buNone/>
+              <a:tabLst/>
+              <a:defRPr/>
+            </a:pPr>
+            <a:r>
+              <a:rPr lang="en-US" sz="900" i="1" kern="1200" dirty="0" smtClean="0">
+                <a:solidFill>
+                  <a:schemeClr val="tx1"/>
+                </a:solidFill>
+                <a:effectLst/>
+                <a:latin typeface="+mn-lt"/>
+                <a:ea typeface="+mn-ea"/>
+                <a:cs typeface="+mn-cs"/>
+              </a:rPr>
+              <a:t>// Type something in the search bar handler</a:t>
+            </a:r>
+            <a:br>
+              <a:rPr lang="en-US" sz="900" i="1" kern="1200" dirty="0" smtClean="0">
+                <a:solidFill>
+                  <a:schemeClr val="tx1"/>
+                </a:solidFill>
+                <a:effectLst/>
+                <a:latin typeface="+mn-lt"/>
+                <a:ea typeface="+mn-ea"/>
+                <a:cs typeface="+mn-cs"/>
+              </a:rPr>
+            </a:br>
+            <a:r>
+              <a:rPr lang="en-US" sz="900" kern="1200" dirty="0" smtClean="0">
+                <a:solidFill>
+                  <a:schemeClr val="tx1"/>
+                </a:solidFill>
+                <a:effectLst/>
+                <a:latin typeface="+mn-lt"/>
+                <a:ea typeface="+mn-ea"/>
+                <a:cs typeface="+mn-cs"/>
+              </a:rPr>
+              <a:t>$</a:t>
+            </a:r>
+            <a:r>
+              <a:rPr lang="en-US" dirty="0" smtClean="0"/>
+              <a:t>(</a:t>
+            </a:r>
+            <a:r>
+              <a:rPr lang="en-US" sz="900" kern="1200" dirty="0" smtClean="0">
+                <a:solidFill>
+                  <a:schemeClr val="tx1"/>
+                </a:solidFill>
+                <a:effectLst/>
+                <a:latin typeface="+mn-lt"/>
+                <a:ea typeface="+mn-ea"/>
+                <a:cs typeface="+mn-cs"/>
+              </a:rPr>
+              <a:t>'#search-form'</a:t>
+            </a:r>
+            <a:r>
+              <a:rPr lang="en-US" dirty="0" smtClean="0"/>
+              <a:t>).</a:t>
+            </a:r>
+            <a:r>
+              <a:rPr lang="en-US" sz="900" kern="1200" dirty="0" smtClean="0">
+                <a:solidFill>
+                  <a:schemeClr val="tx1"/>
+                </a:solidFill>
+                <a:effectLst/>
+                <a:latin typeface="+mn-lt"/>
+                <a:ea typeface="+mn-ea"/>
+                <a:cs typeface="+mn-cs"/>
+              </a:rPr>
+              <a:t>on</a:t>
+            </a:r>
+            <a:r>
+              <a:rPr lang="en-US" dirty="0" smtClean="0"/>
+              <a:t>(</a:t>
+            </a:r>
+            <a:r>
+              <a:rPr lang="en-US" sz="900" kern="1200" dirty="0" smtClean="0">
+                <a:solidFill>
+                  <a:schemeClr val="tx1"/>
+                </a:solidFill>
+                <a:effectLst/>
+                <a:latin typeface="+mn-lt"/>
+                <a:ea typeface="+mn-ea"/>
+                <a:cs typeface="+mn-cs"/>
+              </a:rPr>
+              <a:t>'</a:t>
+            </a:r>
+            <a:r>
+              <a:rPr lang="en-US" sz="900" kern="1200" dirty="0" err="1" smtClean="0">
+                <a:solidFill>
+                  <a:schemeClr val="tx1"/>
+                </a:solidFill>
+                <a:effectLst/>
+                <a:latin typeface="+mn-lt"/>
+                <a:ea typeface="+mn-ea"/>
+                <a:cs typeface="+mn-cs"/>
+              </a:rPr>
+              <a:t>keyup</a:t>
+            </a:r>
+            <a:r>
+              <a:rPr lang="en-US" sz="900" kern="1200" dirty="0" smtClean="0">
+                <a:solidFill>
+                  <a:schemeClr val="tx1"/>
+                </a:solidFill>
+                <a:effectLst/>
+                <a:latin typeface="+mn-lt"/>
+                <a:ea typeface="+mn-ea"/>
+                <a:cs typeface="+mn-cs"/>
+              </a:rPr>
+              <a:t>', 'input', function </a:t>
+            </a:r>
+            <a:r>
+              <a:rPr lang="en-US" dirty="0" smtClean="0"/>
+              <a:t>(e) {</a:t>
+            </a:r>
+            <a:br>
+              <a:rPr lang="en-US" dirty="0" smtClean="0"/>
+            </a:br>
+            <a:r>
+              <a:rPr lang="en-US" dirty="0" smtClean="0"/>
+              <a:t>    </a:t>
+            </a:r>
+            <a:r>
+              <a:rPr lang="en-US" sz="900" kern="1200" dirty="0" err="1" smtClean="0">
+                <a:solidFill>
+                  <a:schemeClr val="tx1"/>
+                </a:solidFill>
+                <a:effectLst/>
+                <a:latin typeface="+mn-lt"/>
+                <a:ea typeface="+mn-ea"/>
+                <a:cs typeface="+mn-cs"/>
+              </a:rPr>
+              <a:t>var</a:t>
+            </a:r>
+            <a:r>
+              <a:rPr lang="en-US" sz="900" kern="1200" dirty="0" smtClean="0">
+                <a:solidFill>
+                  <a:schemeClr val="tx1"/>
+                </a:solidFill>
+                <a:effectLst/>
+                <a:latin typeface="+mn-lt"/>
+                <a:ea typeface="+mn-ea"/>
+                <a:cs typeface="+mn-cs"/>
+              </a:rPr>
+              <a:t> </a:t>
+            </a:r>
+            <a:r>
+              <a:rPr lang="en-US" sz="900" kern="1200" dirty="0" err="1" smtClean="0">
+                <a:solidFill>
+                  <a:schemeClr val="tx1"/>
+                </a:solidFill>
+                <a:effectLst/>
+                <a:latin typeface="+mn-lt"/>
+                <a:ea typeface="+mn-ea"/>
+                <a:cs typeface="+mn-cs"/>
+              </a:rPr>
+              <a:t>searchValue</a:t>
+            </a:r>
+            <a:r>
+              <a:rPr lang="en-US" sz="900" kern="1200" dirty="0" smtClean="0">
+                <a:solidFill>
+                  <a:schemeClr val="tx1"/>
+                </a:solidFill>
+                <a:effectLst/>
+                <a:latin typeface="+mn-lt"/>
+                <a:ea typeface="+mn-ea"/>
+                <a:cs typeface="+mn-cs"/>
+              </a:rPr>
+              <a:t> = $</a:t>
+            </a:r>
+            <a:r>
+              <a:rPr lang="en-US" dirty="0" smtClean="0"/>
+              <a:t>(</a:t>
+            </a:r>
+            <a:r>
+              <a:rPr lang="en-US" sz="900" kern="1200" dirty="0" smtClean="0">
+                <a:solidFill>
+                  <a:schemeClr val="tx1"/>
+                </a:solidFill>
+                <a:effectLst/>
+                <a:latin typeface="+mn-lt"/>
+                <a:ea typeface="+mn-ea"/>
+                <a:cs typeface="+mn-cs"/>
+              </a:rPr>
+              <a:t>this</a:t>
+            </a:r>
+            <a:r>
+              <a:rPr lang="en-US" dirty="0" smtClean="0"/>
+              <a:t>).</a:t>
+            </a:r>
+            <a:r>
+              <a:rPr lang="en-US" sz="900" kern="1200" dirty="0" err="1" smtClean="0">
+                <a:solidFill>
+                  <a:schemeClr val="tx1"/>
+                </a:solidFill>
+                <a:effectLst/>
+                <a:latin typeface="+mn-lt"/>
+                <a:ea typeface="+mn-ea"/>
+                <a:cs typeface="+mn-cs"/>
+              </a:rPr>
+              <a:t>val</a:t>
+            </a:r>
+            <a:r>
+              <a:rPr lang="en-US" dirty="0" smtClean="0"/>
+              <a:t>()</a:t>
+            </a:r>
+            <a:r>
+              <a:rPr lang="en-US" sz="900" kern="1200" dirty="0" smtClean="0">
+                <a:solidFill>
+                  <a:schemeClr val="tx1"/>
+                </a:solidFill>
+                <a:effectLst/>
+                <a:latin typeface="+mn-lt"/>
+                <a:ea typeface="+mn-ea"/>
+                <a:cs typeface="+mn-cs"/>
+              </a:rPr>
+              <a:t>;</a:t>
+            </a:r>
+            <a:br>
+              <a:rPr lang="en-US" sz="900" kern="1200" dirty="0" smtClean="0">
+                <a:solidFill>
+                  <a:schemeClr val="tx1"/>
+                </a:solidFill>
+                <a:effectLst/>
+                <a:latin typeface="+mn-lt"/>
+                <a:ea typeface="+mn-ea"/>
+                <a:cs typeface="+mn-cs"/>
+              </a:rPr>
+            </a:br>
+            <a:r>
+              <a:rPr lang="en-US" sz="900" kern="1200" dirty="0" smtClean="0">
+                <a:solidFill>
+                  <a:schemeClr val="tx1"/>
+                </a:solidFill>
+                <a:effectLst/>
+                <a:latin typeface="+mn-lt"/>
+                <a:ea typeface="+mn-ea"/>
+                <a:cs typeface="+mn-cs"/>
+              </a:rPr>
+              <a:t/>
+            </a:r>
+            <a:br>
+              <a:rPr lang="en-US" sz="900" kern="1200" dirty="0" smtClean="0">
+                <a:solidFill>
+                  <a:schemeClr val="tx1"/>
+                </a:solidFill>
+                <a:effectLst/>
+                <a:latin typeface="+mn-lt"/>
+                <a:ea typeface="+mn-ea"/>
+                <a:cs typeface="+mn-cs"/>
+              </a:rPr>
+            </a:br>
+            <a:r>
+              <a:rPr lang="en-US" sz="900" kern="1200" dirty="0" smtClean="0">
+                <a:solidFill>
+                  <a:schemeClr val="tx1"/>
+                </a:solidFill>
+                <a:effectLst/>
+                <a:latin typeface="+mn-lt"/>
+                <a:ea typeface="+mn-ea"/>
+                <a:cs typeface="+mn-cs"/>
+              </a:rPr>
+              <a:t>    </a:t>
+            </a:r>
+            <a:r>
+              <a:rPr lang="en-US" sz="900" i="1" kern="1200" dirty="0" smtClean="0">
+                <a:solidFill>
+                  <a:schemeClr val="tx1"/>
+                </a:solidFill>
+                <a:effectLst/>
+                <a:latin typeface="+mn-lt"/>
+                <a:ea typeface="+mn-ea"/>
+                <a:cs typeface="+mn-cs"/>
+              </a:rPr>
+              <a:t>// Delay the search, so it won't be executed while the use is typing.</a:t>
+            </a:r>
+            <a:br>
+              <a:rPr lang="en-US" sz="900" i="1" kern="1200" dirty="0" smtClean="0">
+                <a:solidFill>
+                  <a:schemeClr val="tx1"/>
+                </a:solidFill>
+                <a:effectLst/>
+                <a:latin typeface="+mn-lt"/>
+                <a:ea typeface="+mn-ea"/>
+                <a:cs typeface="+mn-cs"/>
+              </a:rPr>
+            </a:br>
+            <a:r>
+              <a:rPr lang="en-US" sz="900" i="1" kern="1200" dirty="0" smtClean="0">
+                <a:solidFill>
+                  <a:schemeClr val="tx1"/>
+                </a:solidFill>
+                <a:effectLst/>
+                <a:latin typeface="+mn-lt"/>
+                <a:ea typeface="+mn-ea"/>
+                <a:cs typeface="+mn-cs"/>
+              </a:rPr>
+              <a:t>    </a:t>
+            </a:r>
+            <a:r>
+              <a:rPr lang="en-US" sz="900" kern="1200" dirty="0" err="1" smtClean="0">
+                <a:solidFill>
+                  <a:schemeClr val="tx1"/>
+                </a:solidFill>
+                <a:effectLst/>
+                <a:latin typeface="+mn-lt"/>
+                <a:ea typeface="+mn-ea"/>
+                <a:cs typeface="+mn-cs"/>
+              </a:rPr>
+              <a:t>clearTimeout</a:t>
+            </a:r>
+            <a:r>
+              <a:rPr lang="en-US" dirty="0" smtClean="0"/>
+              <a:t>(</a:t>
+            </a:r>
+            <a:r>
+              <a:rPr lang="en-US" sz="900" kern="1200" dirty="0" smtClean="0">
+                <a:solidFill>
+                  <a:schemeClr val="tx1"/>
+                </a:solidFill>
+                <a:effectLst/>
+                <a:latin typeface="+mn-lt"/>
+                <a:ea typeface="+mn-ea"/>
+                <a:cs typeface="+mn-cs"/>
+              </a:rPr>
+              <a:t>$</a:t>
+            </a:r>
+            <a:r>
+              <a:rPr lang="en-US" dirty="0" smtClean="0"/>
+              <a:t>(</a:t>
+            </a:r>
+            <a:r>
+              <a:rPr lang="en-US" sz="900" kern="1200" dirty="0" smtClean="0">
+                <a:solidFill>
+                  <a:schemeClr val="tx1"/>
+                </a:solidFill>
+                <a:effectLst/>
+                <a:latin typeface="+mn-lt"/>
+                <a:ea typeface="+mn-ea"/>
+                <a:cs typeface="+mn-cs"/>
+              </a:rPr>
+              <a:t>this</a:t>
+            </a:r>
+            <a:r>
+              <a:rPr lang="en-US" dirty="0" smtClean="0"/>
+              <a:t>).</a:t>
+            </a:r>
+            <a:r>
+              <a:rPr lang="en-US" sz="900" kern="1200" dirty="0" smtClean="0">
+                <a:solidFill>
+                  <a:schemeClr val="tx1"/>
+                </a:solidFill>
+                <a:effectLst/>
+                <a:latin typeface="+mn-lt"/>
+                <a:ea typeface="+mn-ea"/>
+                <a:cs typeface="+mn-cs"/>
+              </a:rPr>
+              <a:t>data</a:t>
+            </a:r>
+            <a:r>
+              <a:rPr lang="en-US" dirty="0" smtClean="0"/>
+              <a:t>(</a:t>
+            </a:r>
+            <a:r>
+              <a:rPr lang="en-US" sz="900" kern="1200" dirty="0" smtClean="0">
+                <a:solidFill>
+                  <a:schemeClr val="tx1"/>
+                </a:solidFill>
+                <a:effectLst/>
+                <a:latin typeface="+mn-lt"/>
+                <a:ea typeface="+mn-ea"/>
+                <a:cs typeface="+mn-cs"/>
+              </a:rPr>
+              <a:t>"timeout"</a:t>
+            </a:r>
+            <a:r>
+              <a:rPr lang="en-US" dirty="0" smtClean="0"/>
+              <a:t>))</a:t>
+            </a:r>
+            <a:r>
+              <a:rPr lang="en-US" sz="900" kern="1200" dirty="0" smtClean="0">
+                <a:solidFill>
+                  <a:schemeClr val="tx1"/>
+                </a:solidFill>
+                <a:effectLst/>
+                <a:latin typeface="+mn-lt"/>
+                <a:ea typeface="+mn-ea"/>
+                <a:cs typeface="+mn-cs"/>
+              </a:rPr>
+              <a:t>;</a:t>
+            </a:r>
+            <a:br>
+              <a:rPr lang="en-US" sz="900" kern="1200" dirty="0" smtClean="0">
+                <a:solidFill>
+                  <a:schemeClr val="tx1"/>
+                </a:solidFill>
+                <a:effectLst/>
+                <a:latin typeface="+mn-lt"/>
+                <a:ea typeface="+mn-ea"/>
+                <a:cs typeface="+mn-cs"/>
+              </a:rPr>
+            </a:br>
+            <a:r>
+              <a:rPr lang="en-US" sz="900" kern="1200" dirty="0" smtClean="0">
+                <a:solidFill>
+                  <a:schemeClr val="tx1"/>
+                </a:solidFill>
+                <a:effectLst/>
+                <a:latin typeface="+mn-lt"/>
+                <a:ea typeface="+mn-ea"/>
+                <a:cs typeface="+mn-cs"/>
+              </a:rPr>
+              <a:t>    $</a:t>
+            </a:r>
+            <a:r>
+              <a:rPr lang="en-US" dirty="0" smtClean="0"/>
+              <a:t>(</a:t>
+            </a:r>
+            <a:r>
+              <a:rPr lang="en-US" sz="900" kern="1200" dirty="0" smtClean="0">
+                <a:solidFill>
+                  <a:schemeClr val="tx1"/>
+                </a:solidFill>
+                <a:effectLst/>
+                <a:latin typeface="+mn-lt"/>
+                <a:ea typeface="+mn-ea"/>
+                <a:cs typeface="+mn-cs"/>
+              </a:rPr>
+              <a:t>this</a:t>
+            </a:r>
+            <a:r>
+              <a:rPr lang="en-US" dirty="0" smtClean="0"/>
+              <a:t>).</a:t>
+            </a:r>
+            <a:r>
+              <a:rPr lang="en-US" sz="900" kern="1200" dirty="0" smtClean="0">
+                <a:solidFill>
+                  <a:schemeClr val="tx1"/>
+                </a:solidFill>
+                <a:effectLst/>
+                <a:latin typeface="+mn-lt"/>
+                <a:ea typeface="+mn-ea"/>
+                <a:cs typeface="+mn-cs"/>
+              </a:rPr>
+              <a:t>data</a:t>
+            </a:r>
+            <a:r>
+              <a:rPr lang="en-US" dirty="0" smtClean="0"/>
+              <a:t>(</a:t>
+            </a:r>
+            <a:r>
+              <a:rPr lang="en-US" sz="900" kern="1200" dirty="0" smtClean="0">
+                <a:solidFill>
+                  <a:schemeClr val="tx1"/>
+                </a:solidFill>
+                <a:effectLst/>
+                <a:latin typeface="+mn-lt"/>
+                <a:ea typeface="+mn-ea"/>
+                <a:cs typeface="+mn-cs"/>
+              </a:rPr>
+              <a:t>"timeout", </a:t>
+            </a:r>
+            <a:r>
+              <a:rPr lang="en-US" sz="900" kern="1200" dirty="0" err="1" smtClean="0">
+                <a:solidFill>
+                  <a:schemeClr val="tx1"/>
+                </a:solidFill>
+                <a:effectLst/>
+                <a:latin typeface="+mn-lt"/>
+                <a:ea typeface="+mn-ea"/>
+                <a:cs typeface="+mn-cs"/>
+              </a:rPr>
+              <a:t>setTimeout</a:t>
+            </a:r>
+            <a:r>
+              <a:rPr lang="en-US" dirty="0" smtClean="0"/>
+              <a:t>(</a:t>
+            </a:r>
+            <a:r>
+              <a:rPr lang="en-US" sz="900" kern="1200" dirty="0" smtClean="0">
+                <a:solidFill>
+                  <a:schemeClr val="tx1"/>
+                </a:solidFill>
+                <a:effectLst/>
+                <a:latin typeface="+mn-lt"/>
+                <a:ea typeface="+mn-ea"/>
+                <a:cs typeface="+mn-cs"/>
+              </a:rPr>
+              <a:t>function </a:t>
+            </a:r>
+            <a:r>
+              <a:rPr lang="en-US" dirty="0" smtClean="0"/>
+              <a:t>() {</a:t>
+            </a:r>
+            <a:br>
+              <a:rPr lang="en-US" dirty="0" smtClean="0"/>
+            </a:br>
+            <a:r>
+              <a:rPr lang="en-US" dirty="0" smtClean="0"/>
+              <a:t>        </a:t>
+            </a:r>
+            <a:r>
+              <a:rPr lang="en-US" sz="900" i="1" kern="1200" dirty="0" err="1" smtClean="0">
+                <a:solidFill>
+                  <a:schemeClr val="tx1"/>
+                </a:solidFill>
+                <a:effectLst/>
+                <a:latin typeface="+mn-lt"/>
+                <a:ea typeface="+mn-ea"/>
+                <a:cs typeface="+mn-cs"/>
+              </a:rPr>
+              <a:t>searchString</a:t>
+            </a:r>
+            <a:r>
+              <a:rPr lang="en-US" sz="900" i="1" kern="1200" dirty="0" smtClean="0">
+                <a:solidFill>
+                  <a:schemeClr val="tx1"/>
+                </a:solidFill>
+                <a:effectLst/>
+                <a:latin typeface="+mn-lt"/>
+                <a:ea typeface="+mn-ea"/>
+                <a:cs typeface="+mn-cs"/>
+              </a:rPr>
+              <a:t> </a:t>
+            </a:r>
+            <a:r>
+              <a:rPr lang="en-US" sz="900" kern="1200" dirty="0" smtClean="0">
+                <a:solidFill>
+                  <a:schemeClr val="tx1"/>
+                </a:solidFill>
+                <a:effectLst/>
+                <a:latin typeface="+mn-lt"/>
+                <a:ea typeface="+mn-ea"/>
+                <a:cs typeface="+mn-cs"/>
+              </a:rPr>
+              <a:t>= </a:t>
+            </a:r>
+            <a:r>
+              <a:rPr lang="en-US" sz="900" kern="1200" dirty="0" err="1" smtClean="0">
+                <a:solidFill>
+                  <a:schemeClr val="tx1"/>
+                </a:solidFill>
+                <a:effectLst/>
+                <a:latin typeface="+mn-lt"/>
+                <a:ea typeface="+mn-ea"/>
+                <a:cs typeface="+mn-cs"/>
+              </a:rPr>
+              <a:t>searchValue</a:t>
+            </a:r>
+            <a:r>
+              <a:rPr lang="en-US" sz="900" kern="1200" dirty="0" smtClean="0">
+                <a:solidFill>
+                  <a:schemeClr val="tx1"/>
+                </a:solidFill>
+                <a:effectLst/>
+                <a:latin typeface="+mn-lt"/>
+                <a:ea typeface="+mn-ea"/>
+                <a:cs typeface="+mn-cs"/>
+              </a:rPr>
+              <a:t>;</a:t>
+            </a:r>
+            <a:br>
+              <a:rPr lang="en-US" sz="900" kern="1200" dirty="0" smtClean="0">
+                <a:solidFill>
+                  <a:schemeClr val="tx1"/>
+                </a:solidFill>
+                <a:effectLst/>
+                <a:latin typeface="+mn-lt"/>
+                <a:ea typeface="+mn-ea"/>
+                <a:cs typeface="+mn-cs"/>
+              </a:rPr>
+            </a:br>
+            <a:r>
+              <a:rPr lang="en-US" sz="900" kern="1200" dirty="0" smtClean="0">
+                <a:solidFill>
+                  <a:schemeClr val="tx1"/>
+                </a:solidFill>
+                <a:effectLst/>
+                <a:latin typeface="+mn-lt"/>
+                <a:ea typeface="+mn-ea"/>
+                <a:cs typeface="+mn-cs"/>
+              </a:rPr>
+              <a:t>        </a:t>
+            </a:r>
+            <a:r>
+              <a:rPr lang="en-US" sz="900" kern="1200" dirty="0" err="1" smtClean="0">
+                <a:solidFill>
+                  <a:schemeClr val="tx1"/>
+                </a:solidFill>
+                <a:effectLst/>
+                <a:latin typeface="+mn-lt"/>
+                <a:ea typeface="+mn-ea"/>
+                <a:cs typeface="+mn-cs"/>
+              </a:rPr>
+              <a:t>fetchTopics</a:t>
+            </a:r>
+            <a:r>
+              <a:rPr lang="en-US" dirty="0" smtClean="0"/>
+              <a:t>()</a:t>
+            </a:r>
+            <a:r>
+              <a:rPr lang="en-US" sz="900" kern="1200" dirty="0" smtClean="0">
+                <a:solidFill>
+                  <a:schemeClr val="tx1"/>
+                </a:solidFill>
+                <a:effectLst/>
+                <a:latin typeface="+mn-lt"/>
+                <a:ea typeface="+mn-ea"/>
+                <a:cs typeface="+mn-cs"/>
+              </a:rPr>
+              <a:t>;</a:t>
+            </a:r>
+            <a:br>
+              <a:rPr lang="en-US" sz="900" kern="1200" dirty="0" smtClean="0">
+                <a:solidFill>
+                  <a:schemeClr val="tx1"/>
+                </a:solidFill>
+                <a:effectLst/>
+                <a:latin typeface="+mn-lt"/>
+                <a:ea typeface="+mn-ea"/>
+                <a:cs typeface="+mn-cs"/>
+              </a:rPr>
+            </a:br>
+            <a:r>
+              <a:rPr lang="en-US" sz="900" kern="1200" dirty="0" smtClean="0">
+                <a:solidFill>
+                  <a:schemeClr val="tx1"/>
+                </a:solidFill>
+                <a:effectLst/>
+                <a:latin typeface="+mn-lt"/>
+                <a:ea typeface="+mn-ea"/>
+                <a:cs typeface="+mn-cs"/>
+              </a:rPr>
+              <a:t>    </a:t>
+            </a:r>
+            <a:r>
+              <a:rPr lang="en-US" dirty="0" smtClean="0"/>
+              <a:t>}</a:t>
+            </a:r>
+            <a:r>
+              <a:rPr lang="en-US" sz="900" kern="1200" dirty="0" smtClean="0">
+                <a:solidFill>
+                  <a:schemeClr val="tx1"/>
+                </a:solidFill>
+                <a:effectLst/>
+                <a:latin typeface="+mn-lt"/>
+                <a:ea typeface="+mn-ea"/>
+                <a:cs typeface="+mn-cs"/>
+              </a:rPr>
+              <a:t>, 300</a:t>
+            </a:r>
+            <a:r>
+              <a:rPr lang="en-US" dirty="0" smtClean="0"/>
+              <a:t>))</a:t>
+            </a:r>
+            <a:r>
+              <a:rPr lang="en-US" sz="900" kern="1200" dirty="0" smtClean="0">
+                <a:solidFill>
+                  <a:schemeClr val="tx1"/>
+                </a:solidFill>
+                <a:effectLst/>
+                <a:latin typeface="+mn-lt"/>
+                <a:ea typeface="+mn-ea"/>
+                <a:cs typeface="+mn-cs"/>
+              </a:rPr>
+              <a:t>;</a:t>
+            </a:r>
+            <a:br>
+              <a:rPr lang="en-US" sz="900" kern="1200" dirty="0" smtClean="0">
+                <a:solidFill>
+                  <a:schemeClr val="tx1"/>
+                </a:solidFill>
+                <a:effectLst/>
+                <a:latin typeface="+mn-lt"/>
+                <a:ea typeface="+mn-ea"/>
+                <a:cs typeface="+mn-cs"/>
+              </a:rPr>
+            </a:br>
+            <a:r>
+              <a:rPr lang="en-US" sz="900" kern="1200" dirty="0" smtClean="0">
+                <a:solidFill>
+                  <a:schemeClr val="tx1"/>
+                </a:solidFill>
+                <a:effectLst/>
+                <a:latin typeface="+mn-lt"/>
+                <a:ea typeface="+mn-ea"/>
+                <a:cs typeface="+mn-cs"/>
+              </a:rPr>
+              <a:t/>
+            </a:r>
+            <a:br>
+              <a:rPr lang="en-US" sz="900" kern="1200" dirty="0" smtClean="0">
+                <a:solidFill>
+                  <a:schemeClr val="tx1"/>
+                </a:solidFill>
+                <a:effectLst/>
+                <a:latin typeface="+mn-lt"/>
+                <a:ea typeface="+mn-ea"/>
+                <a:cs typeface="+mn-cs"/>
+              </a:rPr>
+            </a:br>
+            <a:r>
+              <a:rPr lang="en-US" sz="900" kern="1200" dirty="0" smtClean="0">
+                <a:solidFill>
+                  <a:schemeClr val="tx1"/>
+                </a:solidFill>
+                <a:effectLst/>
+                <a:latin typeface="+mn-lt"/>
+                <a:ea typeface="+mn-ea"/>
+                <a:cs typeface="+mn-cs"/>
+              </a:rPr>
+              <a:t>    </a:t>
+            </a:r>
+            <a:r>
+              <a:rPr lang="en-US" dirty="0" err="1" smtClean="0"/>
+              <a:t>e.</a:t>
+            </a:r>
+            <a:r>
+              <a:rPr lang="en-US" sz="900" kern="1200" dirty="0" err="1" smtClean="0">
+                <a:solidFill>
+                  <a:schemeClr val="tx1"/>
+                </a:solidFill>
+                <a:effectLst/>
+                <a:latin typeface="+mn-lt"/>
+                <a:ea typeface="+mn-ea"/>
+                <a:cs typeface="+mn-cs"/>
+              </a:rPr>
+              <a:t>preventDefault</a:t>
+            </a:r>
+            <a:r>
+              <a:rPr lang="en-US" dirty="0" smtClean="0"/>
+              <a:t>()</a:t>
+            </a:r>
+            <a:r>
+              <a:rPr lang="en-US" sz="900" kern="1200" dirty="0" smtClean="0">
+                <a:solidFill>
+                  <a:schemeClr val="tx1"/>
+                </a:solidFill>
+                <a:effectLst/>
+                <a:latin typeface="+mn-lt"/>
+                <a:ea typeface="+mn-ea"/>
+                <a:cs typeface="+mn-cs"/>
+              </a:rPr>
+              <a:t>;</a:t>
+            </a:r>
+            <a:br>
+              <a:rPr lang="en-US" sz="900" kern="1200" dirty="0" smtClean="0">
+                <a:solidFill>
+                  <a:schemeClr val="tx1"/>
+                </a:solidFill>
+                <a:effectLst/>
+                <a:latin typeface="+mn-lt"/>
+                <a:ea typeface="+mn-ea"/>
+                <a:cs typeface="+mn-cs"/>
+              </a:rPr>
+            </a:br>
+            <a:r>
+              <a:rPr lang="en-US" dirty="0" smtClean="0"/>
+              <a:t>})</a:t>
+            </a:r>
+            <a:r>
+              <a:rPr lang="en-US" sz="900" kern="1200" dirty="0" smtClean="0">
+                <a:solidFill>
+                  <a:schemeClr val="tx1"/>
+                </a:solidFill>
+                <a:effectLst/>
+                <a:latin typeface="+mn-lt"/>
+                <a:ea typeface="+mn-ea"/>
+                <a:cs typeface="+mn-cs"/>
+              </a:rPr>
+              <a:t>;</a:t>
+            </a:r>
+            <a:endParaRPr lang="hu-HU" altLang="hu-HU" sz="900" kern="1200" dirty="0" smtClean="0">
+              <a:solidFill>
+                <a:schemeClr val="tx1"/>
+              </a:solidFill>
+              <a:effectLst/>
+              <a:latin typeface="+mn-lt"/>
+              <a:ea typeface="+mn-ea"/>
+              <a:cs typeface="+mn-cs"/>
+            </a:endParaRPr>
+          </a:p>
+          <a:p>
+            <a:pPr marL="0" marR="0" indent="0" algn="l" defTabSz="914400" rtl="0" eaLnBrk="1" latinLnBrk="0" hangingPunct="1">
+              <a:lnSpc>
+                <a:spcPct val="100000"/>
+              </a:lnSpc>
+              <a:spcBef>
+                <a:spcPts val="0"/>
+              </a:spcBef>
+              <a:spcAft>
+                <a:spcPts val="0"/>
+              </a:spcAft>
+              <a:buClrTx/>
+              <a:buSzTx/>
+              <a:buFontTx/>
+              <a:buNone/>
+              <a:tabLst/>
+              <a:defRPr/>
+            </a:pPr>
+            <a:endParaRPr lang="hu-HU" altLang="hu-HU" sz="900" kern="1200" dirty="0" smtClean="0">
+              <a:solidFill>
+                <a:schemeClr val="tx1"/>
+              </a:solidFill>
+              <a:effectLst/>
+              <a:latin typeface="+mn-lt"/>
+              <a:ea typeface="+mn-ea"/>
+              <a:cs typeface="+mn-cs"/>
+            </a:endParaRPr>
+          </a:p>
+          <a:p>
+            <a:pPr marL="0" marR="0" indent="0" algn="l" defTabSz="914400" rtl="0" eaLnBrk="1" latinLnBrk="0" hangingPunct="1">
+              <a:lnSpc>
+                <a:spcPct val="100000"/>
+              </a:lnSpc>
+              <a:spcBef>
+                <a:spcPts val="0"/>
+              </a:spcBef>
+              <a:spcAft>
+                <a:spcPts val="0"/>
+              </a:spcAft>
+              <a:buClrTx/>
+              <a:buSzTx/>
+              <a:buFontTx/>
+              <a:buNone/>
+              <a:tabLst/>
+              <a:defRPr/>
+            </a:pPr>
+            <a:endParaRPr lang="hu-HU" altLang="hu-HU" sz="900" kern="1200" dirty="0" smtClean="0">
+              <a:solidFill>
+                <a:schemeClr val="tx1"/>
+              </a:solidFill>
+              <a:effectLst/>
+              <a:latin typeface="+mn-lt"/>
+              <a:ea typeface="+mn-ea"/>
+              <a:cs typeface="+mn-cs"/>
+            </a:endParaRPr>
+          </a:p>
+          <a:p>
+            <a:pPr marL="0" marR="0" indent="0" algn="l" defTabSz="914400" rtl="0" eaLnBrk="1" latinLnBrk="0" hangingPunct="1">
+              <a:lnSpc>
+                <a:spcPct val="100000"/>
+              </a:lnSpc>
+              <a:spcBef>
+                <a:spcPts val="0"/>
+              </a:spcBef>
+              <a:spcAft>
+                <a:spcPts val="0"/>
+              </a:spcAft>
+              <a:buClrTx/>
+              <a:buSzTx/>
+              <a:buFontTx/>
+              <a:buNone/>
+              <a:tabLst/>
+              <a:defRPr/>
+            </a:pPr>
+            <a:endParaRPr lang="hu-HU" altLang="hu-HU" sz="900" kern="1200" dirty="0" smtClean="0">
+              <a:solidFill>
+                <a:schemeClr val="tx1"/>
+              </a:solidFill>
+              <a:effectLst/>
+              <a:latin typeface="+mn-lt"/>
+              <a:ea typeface="+mn-ea"/>
+              <a:cs typeface="+mn-cs"/>
+            </a:endParaRPr>
+          </a:p>
+          <a:p>
+            <a:pPr marL="0" marR="0" indent="0" algn="l" defTabSz="914400" rtl="0" eaLnBrk="1" latinLnBrk="0" hangingPunct="1">
+              <a:lnSpc>
+                <a:spcPct val="100000"/>
+              </a:lnSpc>
+              <a:spcBef>
+                <a:spcPts val="0"/>
+              </a:spcBef>
+              <a:spcAft>
+                <a:spcPts val="0"/>
+              </a:spcAft>
+              <a:buClrTx/>
+              <a:buSzTx/>
+              <a:buFontTx/>
+              <a:buNone/>
+              <a:tabLst/>
+              <a:defRPr/>
+            </a:pPr>
+            <a:r>
+              <a:rPr lang="en-US" dirty="0" smtClean="0"/>
+              <a:t>/**</a:t>
+            </a:r>
+          </a:p>
+          <a:p>
+            <a:pPr marL="0" marR="0" indent="0" algn="l" defTabSz="914400" rtl="0" eaLnBrk="1" latinLnBrk="0" hangingPunct="1">
+              <a:lnSpc>
+                <a:spcPct val="100000"/>
+              </a:lnSpc>
+              <a:spcBef>
+                <a:spcPts val="0"/>
+              </a:spcBef>
+              <a:spcAft>
+                <a:spcPts val="0"/>
+              </a:spcAft>
+              <a:buClrTx/>
+              <a:buSzTx/>
+              <a:buFontTx/>
+              <a:buNone/>
+              <a:tabLst/>
+              <a:defRPr/>
+            </a:pPr>
+            <a:r>
+              <a:rPr lang="en-US" dirty="0" smtClean="0"/>
+              <a:t> * Creates new topic element.</a:t>
+            </a:r>
+          </a:p>
+          <a:p>
+            <a:pPr marL="0" marR="0" indent="0" algn="l" defTabSz="914400" rtl="0" eaLnBrk="1" latinLnBrk="0" hangingPunct="1">
+              <a:lnSpc>
+                <a:spcPct val="100000"/>
+              </a:lnSpc>
+              <a:spcBef>
+                <a:spcPts val="0"/>
+              </a:spcBef>
+              <a:spcAft>
+                <a:spcPts val="0"/>
+              </a:spcAft>
+              <a:buClrTx/>
+              <a:buSzTx/>
+              <a:buFontTx/>
+              <a:buNone/>
+              <a:tabLst/>
+              <a:defRPr/>
+            </a:pPr>
+            <a:r>
+              <a:rPr lang="en-US" dirty="0" smtClean="0"/>
+              <a:t> *</a:t>
+            </a:r>
+          </a:p>
+          <a:p>
+            <a:pPr marL="0" marR="0" indent="0" algn="l" defTabSz="914400" rtl="0" eaLnBrk="1" latinLnBrk="0" hangingPunct="1">
+              <a:lnSpc>
+                <a:spcPct val="100000"/>
+              </a:lnSpc>
+              <a:spcBef>
+                <a:spcPts val="0"/>
+              </a:spcBef>
+              <a:spcAft>
+                <a:spcPts val="0"/>
+              </a:spcAft>
+              <a:buClrTx/>
+              <a:buSzTx/>
+              <a:buFontTx/>
+              <a:buNone/>
+              <a:tabLst/>
+              <a:defRPr/>
+            </a:pPr>
+            <a:r>
+              <a:rPr lang="en-US" dirty="0" smtClean="0"/>
+              <a:t> * @private</a:t>
+            </a:r>
+          </a:p>
+          <a:p>
+            <a:pPr marL="0" marR="0" indent="0" algn="l" defTabSz="914400" rtl="0" eaLnBrk="1" latinLnBrk="0" hangingPunct="1">
+              <a:lnSpc>
+                <a:spcPct val="100000"/>
+              </a:lnSpc>
+              <a:spcBef>
+                <a:spcPts val="0"/>
+              </a:spcBef>
+              <a:spcAft>
+                <a:spcPts val="0"/>
+              </a:spcAft>
+              <a:buClrTx/>
+              <a:buSzTx/>
+              <a:buFontTx/>
+              <a:buNone/>
+              <a:tabLst/>
+              <a:defRPr/>
+            </a:pPr>
+            <a:r>
+              <a:rPr lang="en-US" dirty="0" smtClean="0"/>
+              <a:t> * @</a:t>
+            </a:r>
+            <a:r>
+              <a:rPr lang="en-US" dirty="0" err="1" smtClean="0"/>
+              <a:t>param</a:t>
+            </a:r>
+            <a:r>
+              <a:rPr lang="en-US" dirty="0" smtClean="0"/>
+              <a:t> {</a:t>
+            </a:r>
+            <a:r>
+              <a:rPr lang="en-US" dirty="0" err="1" smtClean="0"/>
+              <a:t>Topic|Object</a:t>
+            </a:r>
+            <a:r>
+              <a:rPr lang="en-US" dirty="0" smtClean="0"/>
+              <a:t>} topic</a:t>
+            </a:r>
+          </a:p>
+          <a:p>
+            <a:pPr marL="0" marR="0" indent="0" algn="l" defTabSz="914400" rtl="0" eaLnBrk="1" latinLnBrk="0" hangingPunct="1">
+              <a:lnSpc>
+                <a:spcPct val="100000"/>
+              </a:lnSpc>
+              <a:spcBef>
+                <a:spcPts val="0"/>
+              </a:spcBef>
+              <a:spcAft>
+                <a:spcPts val="0"/>
+              </a:spcAft>
+              <a:buClrTx/>
+              <a:buSzTx/>
+              <a:buFontTx/>
+              <a:buNone/>
+              <a:tabLst/>
+              <a:defRPr/>
+            </a:pPr>
+            <a:r>
+              <a:rPr lang="en-US" dirty="0" smtClean="0"/>
+              <a:t> * @returns {jQuery}</a:t>
+            </a:r>
+          </a:p>
+          <a:p>
+            <a:pPr marL="0" marR="0" indent="0" algn="l" defTabSz="914400" rtl="0" eaLnBrk="1" latinLnBrk="0" hangingPunct="1">
+              <a:lnSpc>
+                <a:spcPct val="100000"/>
+              </a:lnSpc>
+              <a:spcBef>
+                <a:spcPts val="0"/>
+              </a:spcBef>
+              <a:spcAft>
+                <a:spcPts val="0"/>
+              </a:spcAft>
+              <a:buClrTx/>
+              <a:buSzTx/>
+              <a:buFontTx/>
+              <a:buNone/>
+              <a:tabLst/>
+              <a:defRPr/>
+            </a:pPr>
+            <a:r>
+              <a:rPr lang="en-US" dirty="0" smtClean="0"/>
+              <a:t> */</a:t>
+            </a:r>
+          </a:p>
+          <a:p>
+            <a:pPr marL="0" marR="0" indent="0" algn="l" defTabSz="914400" rtl="0" eaLnBrk="1" latinLnBrk="0" hangingPunct="1">
+              <a:lnSpc>
+                <a:spcPct val="100000"/>
+              </a:lnSpc>
+              <a:spcBef>
+                <a:spcPts val="0"/>
+              </a:spcBef>
+              <a:spcAft>
+                <a:spcPts val="0"/>
+              </a:spcAft>
+              <a:buClrTx/>
+              <a:buSzTx/>
+              <a:buFontTx/>
+              <a:buNone/>
+              <a:tabLst/>
+              <a:defRPr/>
+            </a:pPr>
+            <a:r>
+              <a:rPr lang="en-US" dirty="0" err="1" smtClean="0"/>
+              <a:t>getTopicElement</a:t>
+            </a:r>
+            <a:r>
+              <a:rPr lang="en-US" dirty="0" smtClean="0"/>
+              <a:t> = function(topic) {</a:t>
+            </a:r>
+          </a:p>
+          <a:p>
+            <a:pPr marL="0" marR="0" indent="0" algn="l" defTabSz="914400" rtl="0" eaLnBrk="1" latinLnBrk="0" hangingPunct="1">
+              <a:lnSpc>
+                <a:spcPct val="100000"/>
+              </a:lnSpc>
+              <a:spcBef>
+                <a:spcPts val="0"/>
+              </a:spcBef>
+              <a:spcAft>
+                <a:spcPts val="0"/>
+              </a:spcAft>
+              <a:buClrTx/>
+              <a:buSzTx/>
+              <a:buFontTx/>
+              <a:buNone/>
+              <a:tabLst/>
+              <a:defRPr/>
+            </a:pPr>
+            <a:r>
+              <a:rPr lang="en-US" dirty="0" smtClean="0"/>
+              <a:t>    return $('&lt;article class="tile topic"&gt;')</a:t>
+            </a:r>
+          </a:p>
+          <a:p>
+            <a:pPr marL="0" marR="0" indent="0" algn="l" defTabSz="914400" rtl="0" eaLnBrk="1" latinLnBrk="0" hangingPunct="1">
+              <a:lnSpc>
+                <a:spcPct val="100000"/>
+              </a:lnSpc>
+              <a:spcBef>
+                <a:spcPts val="0"/>
+              </a:spcBef>
+              <a:spcAft>
+                <a:spcPts val="0"/>
+              </a:spcAft>
+              <a:buClrTx/>
+              <a:buSzTx/>
+              <a:buFontTx/>
+              <a:buNone/>
+              <a:tabLst/>
+              <a:defRPr/>
+            </a:pPr>
+            <a:r>
+              <a:rPr lang="en-US" dirty="0" smtClean="0"/>
+              <a:t>        .append(</a:t>
+            </a:r>
+          </a:p>
+          <a:p>
+            <a:pPr marL="0" marR="0" indent="0" algn="l" defTabSz="914400" rtl="0" eaLnBrk="1" latinLnBrk="0" hangingPunct="1">
+              <a:lnSpc>
+                <a:spcPct val="100000"/>
+              </a:lnSpc>
+              <a:spcBef>
+                <a:spcPts val="0"/>
+              </a:spcBef>
+              <a:spcAft>
+                <a:spcPts val="0"/>
+              </a:spcAft>
+              <a:buClrTx/>
+              <a:buSzTx/>
+              <a:buFontTx/>
+              <a:buNone/>
+              <a:tabLst/>
+              <a:defRPr/>
+            </a:pPr>
+            <a:r>
+              <a:rPr lang="en-US" dirty="0" smtClean="0"/>
+              <a:t>        $('&lt;a&gt;').</a:t>
+            </a:r>
+            <a:r>
+              <a:rPr lang="en-US" dirty="0" err="1" smtClean="0"/>
+              <a:t>attr</a:t>
+            </a:r>
+            <a:r>
+              <a:rPr lang="en-US" dirty="0" smtClean="0"/>
+              <a:t>('</a:t>
+            </a:r>
+            <a:r>
+              <a:rPr lang="en-US" dirty="0" err="1" smtClean="0"/>
+              <a:t>href</a:t>
+            </a:r>
+            <a:r>
+              <a:rPr lang="en-US" dirty="0" smtClean="0"/>
+              <a:t>', '#/topics/' + topic.id).append(</a:t>
+            </a:r>
+          </a:p>
+          <a:p>
+            <a:pPr marL="0" marR="0" indent="0" algn="l" defTabSz="914400" rtl="0" eaLnBrk="1" latinLnBrk="0" hangingPunct="1">
+              <a:lnSpc>
+                <a:spcPct val="100000"/>
+              </a:lnSpc>
+              <a:spcBef>
+                <a:spcPts val="0"/>
+              </a:spcBef>
+              <a:spcAft>
+                <a:spcPts val="0"/>
+              </a:spcAft>
+              <a:buClrTx/>
+              <a:buSzTx/>
+              <a:buFontTx/>
+              <a:buNone/>
+              <a:tabLst/>
+              <a:defRPr/>
+            </a:pPr>
+            <a:r>
+              <a:rPr lang="en-US" dirty="0" smtClean="0"/>
+              <a:t>            $('&lt;div class="content"&gt;').html(</a:t>
+            </a:r>
+            <a:r>
+              <a:rPr lang="en-US" dirty="0" err="1" smtClean="0"/>
+              <a:t>topic.title</a:t>
+            </a:r>
+            <a:r>
+              <a:rPr lang="en-US" dirty="0" smtClean="0"/>
+              <a:t>)</a:t>
+            </a:r>
+          </a:p>
+          <a:p>
+            <a:pPr marL="0" marR="0" indent="0" algn="l" defTabSz="914400" rtl="0" eaLnBrk="1" latinLnBrk="0" hangingPunct="1">
+              <a:lnSpc>
+                <a:spcPct val="100000"/>
+              </a:lnSpc>
+              <a:spcBef>
+                <a:spcPts val="0"/>
+              </a:spcBef>
+              <a:spcAft>
+                <a:spcPts val="0"/>
+              </a:spcAft>
+              <a:buClrTx/>
+              <a:buSzTx/>
+              <a:buFontTx/>
+              <a:buNone/>
+              <a:tabLst/>
+              <a:defRPr/>
+            </a:pPr>
+            <a:r>
+              <a:rPr lang="en-US" dirty="0" smtClean="0"/>
+              <a:t>        )</a:t>
+            </a:r>
+          </a:p>
+          <a:p>
+            <a:pPr marL="0" marR="0" indent="0" algn="l" defTabSz="914400" rtl="0" eaLnBrk="1" latinLnBrk="0" hangingPunct="1">
+              <a:lnSpc>
+                <a:spcPct val="100000"/>
+              </a:lnSpc>
+              <a:spcBef>
+                <a:spcPts val="0"/>
+              </a:spcBef>
+              <a:spcAft>
+                <a:spcPts val="0"/>
+              </a:spcAft>
+              <a:buClrTx/>
+              <a:buSzTx/>
+              <a:buFontTx/>
+              <a:buNone/>
+              <a:tabLst/>
+              <a:defRPr/>
+            </a:pPr>
+            <a:r>
+              <a:rPr lang="en-US" dirty="0" smtClean="0"/>
+              <a:t>    ).append(</a:t>
+            </a:r>
+          </a:p>
+          <a:p>
+            <a:pPr marL="0" marR="0" indent="0" algn="l" defTabSz="914400" rtl="0" eaLnBrk="1" latinLnBrk="0" hangingPunct="1">
+              <a:lnSpc>
+                <a:spcPct val="100000"/>
+              </a:lnSpc>
+              <a:spcBef>
+                <a:spcPts val="0"/>
+              </a:spcBef>
+              <a:spcAft>
+                <a:spcPts val="0"/>
+              </a:spcAft>
+              <a:buClrTx/>
+              <a:buSzTx/>
+              <a:buFontTx/>
+              <a:buNone/>
+              <a:tabLst/>
+              <a:defRPr/>
+            </a:pPr>
+            <a:r>
+              <a:rPr lang="en-US" dirty="0" smtClean="0"/>
+              <a:t>        </a:t>
+            </a:r>
+            <a:r>
+              <a:rPr lang="en-US" dirty="0" err="1" smtClean="0"/>
+              <a:t>View.tileInfo</a:t>
+            </a:r>
+            <a:r>
+              <a:rPr lang="en-US" dirty="0" smtClean="0"/>
+              <a:t>(</a:t>
+            </a:r>
+            <a:r>
+              <a:rPr lang="en-US" dirty="0" err="1" smtClean="0"/>
+              <a:t>topic.creationDate</a:t>
+            </a:r>
+            <a:r>
+              <a:rPr lang="en-US" dirty="0" smtClean="0"/>
+              <a:t>, </a:t>
+            </a:r>
+            <a:r>
+              <a:rPr lang="en-US" dirty="0" err="1" smtClean="0"/>
+              <a:t>topic.creationTime</a:t>
+            </a:r>
+            <a:r>
+              <a:rPr lang="en-US" dirty="0" smtClean="0"/>
+              <a:t>, </a:t>
+            </a:r>
+            <a:r>
+              <a:rPr lang="en-US" dirty="0" err="1" smtClean="0"/>
+              <a:t>topic.email</a:t>
+            </a:r>
+            <a:r>
+              <a:rPr lang="en-US" dirty="0" smtClean="0"/>
+              <a:t>)</a:t>
+            </a:r>
+          </a:p>
+          <a:p>
+            <a:pPr marL="0" marR="0" indent="0" algn="l" defTabSz="914400" rtl="0" eaLnBrk="1" latinLnBrk="0" hangingPunct="1">
+              <a:lnSpc>
+                <a:spcPct val="100000"/>
+              </a:lnSpc>
+              <a:spcBef>
+                <a:spcPts val="0"/>
+              </a:spcBef>
+              <a:spcAft>
+                <a:spcPts val="0"/>
+              </a:spcAft>
+              <a:buClrTx/>
+              <a:buSzTx/>
+              <a:buFontTx/>
+              <a:buNone/>
+              <a:tabLst/>
+              <a:defRPr/>
+            </a:pPr>
+            <a:r>
+              <a:rPr lang="en-US" dirty="0" smtClean="0"/>
+              <a:t>    );</a:t>
+            </a:r>
+          </a:p>
+          <a:p>
+            <a:pPr marL="0" marR="0" indent="0" algn="l" defTabSz="914400" rtl="0" eaLnBrk="1" latinLnBrk="0" hangingPunct="1">
+              <a:lnSpc>
+                <a:spcPct val="100000"/>
+              </a:lnSpc>
+              <a:spcBef>
+                <a:spcPts val="0"/>
+              </a:spcBef>
+              <a:spcAft>
+                <a:spcPts val="0"/>
+              </a:spcAft>
+              <a:buClrTx/>
+              <a:buSzTx/>
+              <a:buFontTx/>
+              <a:buNone/>
+              <a:tabLst/>
+              <a:defRPr/>
+            </a:pPr>
+            <a:r>
+              <a:rPr lang="en-US" dirty="0" smtClean="0"/>
+              <a:t>};</a:t>
+            </a:r>
+            <a:endParaRPr lang="hu-HU" altLang="hu-HU" dirty="0" smtClean="0"/>
+          </a:p>
+          <a:p>
+            <a:pPr marL="0" marR="0" indent="0" algn="l" defTabSz="914400" rtl="0" eaLnBrk="1" latinLnBrk="0" hangingPunct="1">
+              <a:lnSpc>
+                <a:spcPct val="100000"/>
+              </a:lnSpc>
+              <a:spcBef>
+                <a:spcPts val="0"/>
+              </a:spcBef>
+              <a:spcAft>
+                <a:spcPts val="0"/>
+              </a:spcAft>
+              <a:buClrTx/>
+              <a:buSzTx/>
+              <a:buFontTx/>
+              <a:buNone/>
+              <a:tabLst/>
+              <a:defRPr/>
+            </a:pPr>
+            <a:endParaRPr lang="hu-HU" altLang="hu-HU" dirty="0" smtClean="0"/>
+          </a:p>
+          <a:p>
+            <a:pPr marL="0" marR="0" indent="0" algn="l" defTabSz="914400" rtl="0" eaLnBrk="1" latinLnBrk="0" hangingPunct="1">
+              <a:lnSpc>
+                <a:spcPct val="100000"/>
+              </a:lnSpc>
+              <a:spcBef>
+                <a:spcPts val="0"/>
+              </a:spcBef>
+              <a:spcAft>
+                <a:spcPts val="0"/>
+              </a:spcAft>
+              <a:buClrTx/>
+              <a:buSzTx/>
+              <a:buFontTx/>
+              <a:buNone/>
+              <a:tabLst/>
+              <a:defRPr/>
+            </a:pPr>
+            <a:endParaRPr lang="hu-HU" altLang="hu-HU" dirty="0" smtClean="0"/>
+          </a:p>
+          <a:p>
+            <a:pPr marL="0" marR="0" indent="0" algn="l" defTabSz="914400" rtl="0" eaLnBrk="1" latinLnBrk="0" hangingPunct="1">
+              <a:lnSpc>
+                <a:spcPct val="100000"/>
+              </a:lnSpc>
+              <a:spcBef>
+                <a:spcPts val="0"/>
+              </a:spcBef>
+              <a:spcAft>
+                <a:spcPts val="0"/>
+              </a:spcAft>
+              <a:buClrTx/>
+              <a:buSzTx/>
+              <a:buFontTx/>
+              <a:buNone/>
+              <a:tabLst/>
+              <a:defRPr/>
+            </a:pPr>
+            <a:endParaRPr lang="hu-HU" altLang="hu-HU" dirty="0" smtClean="0"/>
+          </a:p>
+          <a:p>
+            <a:pPr marL="0" marR="0" indent="0" algn="l" defTabSz="914400" rtl="0" eaLnBrk="1" latinLnBrk="0" hangingPunct="1">
+              <a:lnSpc>
+                <a:spcPct val="100000"/>
+              </a:lnSpc>
+              <a:spcBef>
+                <a:spcPts val="0"/>
+              </a:spcBef>
+              <a:spcAft>
+                <a:spcPts val="0"/>
+              </a:spcAft>
+              <a:buClrTx/>
+              <a:buSzTx/>
+              <a:buFontTx/>
+              <a:buNone/>
+              <a:tabLst/>
+              <a:defRPr/>
+            </a:pPr>
+            <a:r>
+              <a:rPr lang="en-US" dirty="0" err="1" smtClean="0"/>
+              <a:t>TopicView.clearAndRenderTopics</a:t>
+            </a:r>
+            <a:r>
+              <a:rPr lang="en-US" dirty="0" smtClean="0"/>
+              <a:t> = function (topics) {</a:t>
+            </a:r>
+          </a:p>
+          <a:p>
+            <a:pPr marL="0" marR="0" indent="0" algn="l" defTabSz="914400" rtl="0" eaLnBrk="1" latinLnBrk="0" hangingPunct="1">
+              <a:lnSpc>
+                <a:spcPct val="100000"/>
+              </a:lnSpc>
+              <a:spcBef>
+                <a:spcPts val="0"/>
+              </a:spcBef>
+              <a:spcAft>
+                <a:spcPts val="0"/>
+              </a:spcAft>
+              <a:buClrTx/>
+              <a:buSzTx/>
+              <a:buFontTx/>
+              <a:buNone/>
+              <a:tabLst/>
+              <a:defRPr/>
+            </a:pPr>
+            <a:r>
+              <a:rPr lang="en-US" dirty="0" smtClean="0"/>
+              <a:t>    </a:t>
+            </a:r>
+            <a:r>
+              <a:rPr lang="en-US" dirty="0" err="1" smtClean="0"/>
+              <a:t>var</a:t>
+            </a:r>
+            <a:r>
+              <a:rPr lang="en-US" dirty="0" smtClean="0"/>
+              <a:t> </a:t>
+            </a:r>
+            <a:r>
+              <a:rPr lang="en-US" dirty="0" err="1" smtClean="0"/>
+              <a:t>topicsEl</a:t>
+            </a:r>
+            <a:r>
+              <a:rPr lang="en-US" dirty="0" smtClean="0"/>
+              <a:t> = $('#topics');</a:t>
+            </a:r>
+          </a:p>
+          <a:p>
+            <a:pPr marL="0" marR="0" indent="0" algn="l" defTabSz="914400" rtl="0" eaLnBrk="1" latinLnBrk="0" hangingPunct="1">
+              <a:lnSpc>
+                <a:spcPct val="100000"/>
+              </a:lnSpc>
+              <a:spcBef>
+                <a:spcPts val="0"/>
+              </a:spcBef>
+              <a:spcAft>
+                <a:spcPts val="0"/>
+              </a:spcAft>
+              <a:buClrTx/>
+              <a:buSzTx/>
+              <a:buFontTx/>
+              <a:buNone/>
+              <a:tabLst/>
+              <a:defRPr/>
+            </a:pPr>
+            <a:r>
+              <a:rPr lang="en-US" dirty="0" smtClean="0"/>
+              <a:t>    </a:t>
+            </a:r>
+            <a:r>
+              <a:rPr lang="en-US" dirty="0" err="1" smtClean="0"/>
+              <a:t>topicsEl.find</a:t>
+            </a:r>
+            <a:r>
+              <a:rPr lang="en-US" dirty="0" smtClean="0"/>
+              <a:t>('</a:t>
+            </a:r>
+            <a:r>
+              <a:rPr lang="en-US" dirty="0" err="1" smtClean="0"/>
+              <a:t>article:not</a:t>
+            </a:r>
+            <a:r>
+              <a:rPr lang="en-US" dirty="0" smtClean="0"/>
+              <a:t>(:first)').remove();</a:t>
+            </a:r>
+          </a:p>
+          <a:p>
+            <a:pPr marL="0" marR="0" indent="0" algn="l" defTabSz="914400" rtl="0" eaLnBrk="1" latinLnBrk="0" hangingPunct="1">
+              <a:lnSpc>
+                <a:spcPct val="100000"/>
+              </a:lnSpc>
+              <a:spcBef>
+                <a:spcPts val="0"/>
+              </a:spcBef>
+              <a:spcAft>
+                <a:spcPts val="0"/>
+              </a:spcAft>
+              <a:buClrTx/>
+              <a:buSzTx/>
+              <a:buFontTx/>
+              <a:buNone/>
+              <a:tabLst/>
+              <a:defRPr/>
+            </a:pPr>
+            <a:r>
+              <a:rPr lang="en-US" dirty="0" smtClean="0"/>
+              <a:t>    </a:t>
+            </a:r>
+            <a:r>
+              <a:rPr lang="en-US" dirty="0" err="1" smtClean="0"/>
+              <a:t>TopicView.renderTopics</a:t>
+            </a:r>
+            <a:r>
+              <a:rPr lang="en-US" dirty="0" smtClean="0"/>
+              <a:t>(topics, </a:t>
+            </a:r>
+            <a:r>
+              <a:rPr lang="en-US" dirty="0" err="1" smtClean="0"/>
+              <a:t>topicsEl</a:t>
+            </a:r>
+            <a:r>
+              <a:rPr lang="en-US" dirty="0" smtClean="0"/>
+              <a:t>);</a:t>
+            </a:r>
+          </a:p>
+          <a:p>
+            <a:pPr marL="0" marR="0" indent="0" algn="l" defTabSz="914400" rtl="0" eaLnBrk="1" latinLnBrk="0" hangingPunct="1">
+              <a:lnSpc>
+                <a:spcPct val="100000"/>
+              </a:lnSpc>
+              <a:spcBef>
+                <a:spcPts val="0"/>
+              </a:spcBef>
+              <a:spcAft>
+                <a:spcPts val="0"/>
+              </a:spcAft>
+              <a:buClrTx/>
+              <a:buSzTx/>
+              <a:buFontTx/>
+              <a:buNone/>
+              <a:tabLst/>
+              <a:defRPr/>
+            </a:pPr>
+            <a:r>
+              <a:rPr lang="en-US" dirty="0" smtClean="0"/>
+              <a:t>};</a:t>
+            </a:r>
+            <a:endParaRPr lang="hu-HU" altLang="hu-HU" dirty="0" smtClean="0"/>
+          </a:p>
+          <a:p>
+            <a:pPr marL="0" marR="0" indent="0" algn="l" defTabSz="914400" rtl="0" eaLnBrk="1" latinLnBrk="0" hangingPunct="1">
+              <a:lnSpc>
+                <a:spcPct val="100000"/>
+              </a:lnSpc>
+              <a:spcBef>
+                <a:spcPts val="0"/>
+              </a:spcBef>
+              <a:spcAft>
+                <a:spcPts val="0"/>
+              </a:spcAft>
+              <a:buClrTx/>
+              <a:buSzTx/>
+              <a:buFontTx/>
+              <a:buNone/>
+              <a:tabLst/>
+              <a:defRPr/>
+            </a:pPr>
+            <a:endParaRPr lang="hu-HU" altLang="hu-HU" dirty="0" smtClean="0"/>
+          </a:p>
+          <a:p>
+            <a:pPr marL="0" marR="0" indent="0" algn="l" defTabSz="914400" rtl="0" eaLnBrk="1" latinLnBrk="0" hangingPunct="1">
+              <a:lnSpc>
+                <a:spcPct val="100000"/>
+              </a:lnSpc>
+              <a:spcBef>
+                <a:spcPts val="0"/>
+              </a:spcBef>
+              <a:spcAft>
+                <a:spcPts val="0"/>
+              </a:spcAft>
+              <a:buClrTx/>
+              <a:buSzTx/>
+              <a:buFontTx/>
+              <a:buNone/>
+              <a:tabLst/>
+              <a:defRPr/>
+            </a:pPr>
+            <a:endParaRPr lang="hu-HU" altLang="hu-HU" dirty="0" smtClean="0"/>
+          </a:p>
+          <a:p>
+            <a:pPr marL="0" marR="0" indent="0" algn="l" defTabSz="914400" rtl="0" eaLnBrk="1" latinLnBrk="0" hangingPunct="1">
+              <a:lnSpc>
+                <a:spcPct val="100000"/>
+              </a:lnSpc>
+              <a:spcBef>
+                <a:spcPts val="0"/>
+              </a:spcBef>
+              <a:spcAft>
+                <a:spcPts val="0"/>
+              </a:spcAft>
+              <a:buClrTx/>
+              <a:buSzTx/>
+              <a:buFontTx/>
+              <a:buNone/>
+              <a:tabLst/>
+              <a:defRPr/>
+            </a:pPr>
+            <a:endParaRPr lang="hu-HU" altLang="hu-HU" dirty="0" smtClean="0"/>
+          </a:p>
+          <a:p>
+            <a:pPr marL="0" marR="0" indent="0" algn="l" defTabSz="914400" rtl="0" eaLnBrk="1" latinLnBrk="0" hangingPunct="1">
+              <a:lnSpc>
+                <a:spcPct val="100000"/>
+              </a:lnSpc>
+              <a:spcBef>
+                <a:spcPts val="0"/>
+              </a:spcBef>
+              <a:spcAft>
+                <a:spcPts val="0"/>
+              </a:spcAft>
+              <a:buClrTx/>
+              <a:buSzTx/>
+              <a:buFontTx/>
+              <a:buNone/>
+              <a:tabLst/>
+              <a:defRPr/>
+            </a:pPr>
+            <a:endParaRPr lang="hu-HU" altLang="hu-HU" dirty="0" smtClean="0"/>
+          </a:p>
+          <a:p>
+            <a:pPr marL="0" marR="0" indent="0" algn="l" defTabSz="914400" rtl="0" eaLnBrk="1" latinLnBrk="0" hangingPunct="1">
+              <a:lnSpc>
+                <a:spcPct val="100000"/>
+              </a:lnSpc>
+              <a:spcBef>
+                <a:spcPts val="0"/>
+              </a:spcBef>
+              <a:spcAft>
+                <a:spcPts val="0"/>
+              </a:spcAft>
+              <a:buClrTx/>
+              <a:buSzTx/>
+              <a:buFontTx/>
+              <a:buNone/>
+              <a:tabLst/>
+              <a:defRPr/>
+            </a:pPr>
+            <a:r>
+              <a:rPr lang="en-US" dirty="0" smtClean="0"/>
+              <a:t>/**</a:t>
+            </a:r>
+          </a:p>
+          <a:p>
+            <a:pPr marL="0" marR="0" indent="0" algn="l" defTabSz="914400" rtl="0" eaLnBrk="1" latinLnBrk="0" hangingPunct="1">
+              <a:lnSpc>
+                <a:spcPct val="100000"/>
+              </a:lnSpc>
+              <a:spcBef>
+                <a:spcPts val="0"/>
+              </a:spcBef>
+              <a:spcAft>
+                <a:spcPts val="0"/>
+              </a:spcAft>
+              <a:buClrTx/>
+              <a:buSzTx/>
+              <a:buFontTx/>
+              <a:buNone/>
+              <a:tabLst/>
+              <a:defRPr/>
+            </a:pPr>
+            <a:r>
+              <a:rPr lang="en-US" dirty="0" smtClean="0"/>
+              <a:t> * Appends all topics to the root message element.</a:t>
+            </a:r>
+          </a:p>
+          <a:p>
+            <a:pPr marL="0" marR="0" indent="0" algn="l" defTabSz="914400" rtl="0" eaLnBrk="1" latinLnBrk="0" hangingPunct="1">
+              <a:lnSpc>
+                <a:spcPct val="100000"/>
+              </a:lnSpc>
+              <a:spcBef>
+                <a:spcPts val="0"/>
+              </a:spcBef>
+              <a:spcAft>
+                <a:spcPts val="0"/>
+              </a:spcAft>
+              <a:buClrTx/>
+              <a:buSzTx/>
+              <a:buFontTx/>
+              <a:buNone/>
+              <a:tabLst/>
+              <a:defRPr/>
+            </a:pPr>
+            <a:r>
+              <a:rPr lang="en-US" dirty="0" smtClean="0"/>
+              <a:t> *</a:t>
+            </a:r>
+          </a:p>
+          <a:p>
+            <a:pPr marL="0" marR="0" indent="0" algn="l" defTabSz="914400" rtl="0" eaLnBrk="1" latinLnBrk="0" hangingPunct="1">
+              <a:lnSpc>
+                <a:spcPct val="100000"/>
+              </a:lnSpc>
+              <a:spcBef>
+                <a:spcPts val="0"/>
+              </a:spcBef>
+              <a:spcAft>
+                <a:spcPts val="0"/>
+              </a:spcAft>
+              <a:buClrTx/>
+              <a:buSzTx/>
+              <a:buFontTx/>
+              <a:buNone/>
+              <a:tabLst/>
+              <a:defRPr/>
+            </a:pPr>
+            <a:r>
+              <a:rPr lang="en-US" dirty="0" smtClean="0"/>
+              <a:t> * @private</a:t>
+            </a:r>
+          </a:p>
+          <a:p>
+            <a:pPr marL="0" marR="0" indent="0" algn="l" defTabSz="914400" rtl="0" eaLnBrk="1" latinLnBrk="0" hangingPunct="1">
+              <a:lnSpc>
+                <a:spcPct val="100000"/>
+              </a:lnSpc>
+              <a:spcBef>
+                <a:spcPts val="0"/>
+              </a:spcBef>
+              <a:spcAft>
+                <a:spcPts val="0"/>
+              </a:spcAft>
+              <a:buClrTx/>
+              <a:buSzTx/>
+              <a:buFontTx/>
+              <a:buNone/>
+              <a:tabLst/>
+              <a:defRPr/>
+            </a:pPr>
+            <a:r>
+              <a:rPr lang="en-US" dirty="0" smtClean="0"/>
+              <a:t> * @</a:t>
+            </a:r>
+            <a:r>
+              <a:rPr lang="en-US" dirty="0" err="1" smtClean="0"/>
+              <a:t>param</a:t>
+            </a:r>
+            <a:r>
+              <a:rPr lang="en-US" dirty="0" smtClean="0"/>
+              <a:t> {Array.&lt;</a:t>
+            </a:r>
+            <a:r>
+              <a:rPr lang="en-US" dirty="0" err="1" smtClean="0"/>
+              <a:t>Topic|Object</a:t>
+            </a:r>
+            <a:r>
+              <a:rPr lang="en-US" dirty="0" smtClean="0"/>
+              <a:t>&gt;} topics</a:t>
+            </a:r>
+          </a:p>
+          <a:p>
+            <a:pPr marL="0" marR="0" indent="0" algn="l" defTabSz="914400" rtl="0" eaLnBrk="1" latinLnBrk="0" hangingPunct="1">
+              <a:lnSpc>
+                <a:spcPct val="100000"/>
+              </a:lnSpc>
+              <a:spcBef>
+                <a:spcPts val="0"/>
+              </a:spcBef>
+              <a:spcAft>
+                <a:spcPts val="0"/>
+              </a:spcAft>
+              <a:buClrTx/>
+              <a:buSzTx/>
+              <a:buFontTx/>
+              <a:buNone/>
+              <a:tabLst/>
+              <a:defRPr/>
+            </a:pPr>
+            <a:r>
+              <a:rPr lang="en-US" dirty="0" smtClean="0"/>
+              <a:t> * @</a:t>
+            </a:r>
+            <a:r>
+              <a:rPr lang="en-US" dirty="0" err="1" smtClean="0"/>
+              <a:t>param</a:t>
+            </a:r>
+            <a:r>
+              <a:rPr lang="en-US" dirty="0" smtClean="0"/>
+              <a:t> {jQuery} </a:t>
+            </a:r>
+            <a:r>
+              <a:rPr lang="en-US" dirty="0" err="1" smtClean="0"/>
+              <a:t>topicsEl</a:t>
+            </a:r>
+            <a:endParaRPr lang="en-US" dirty="0" smtClean="0"/>
+          </a:p>
+          <a:p>
+            <a:pPr marL="0" marR="0" indent="0" algn="l" defTabSz="914400" rtl="0" eaLnBrk="1" latinLnBrk="0" hangingPunct="1">
+              <a:lnSpc>
+                <a:spcPct val="100000"/>
+              </a:lnSpc>
+              <a:spcBef>
+                <a:spcPts val="0"/>
+              </a:spcBef>
+              <a:spcAft>
+                <a:spcPts val="0"/>
+              </a:spcAft>
+              <a:buClrTx/>
+              <a:buSzTx/>
+              <a:buFontTx/>
+              <a:buNone/>
+              <a:tabLst/>
+              <a:defRPr/>
+            </a:pPr>
+            <a:r>
+              <a:rPr lang="en-US" dirty="0" smtClean="0"/>
+              <a:t> */</a:t>
+            </a:r>
+          </a:p>
+          <a:p>
+            <a:pPr marL="0" marR="0" indent="0" algn="l" defTabSz="914400" rtl="0" eaLnBrk="1" latinLnBrk="0" hangingPunct="1">
+              <a:lnSpc>
+                <a:spcPct val="100000"/>
+              </a:lnSpc>
+              <a:spcBef>
+                <a:spcPts val="0"/>
+              </a:spcBef>
+              <a:spcAft>
+                <a:spcPts val="0"/>
+              </a:spcAft>
+              <a:buClrTx/>
+              <a:buSzTx/>
+              <a:buFontTx/>
+              <a:buNone/>
+              <a:tabLst/>
+              <a:defRPr/>
+            </a:pPr>
+            <a:r>
+              <a:rPr lang="en-US" dirty="0" err="1" smtClean="0"/>
+              <a:t>TopicView.renderTopics</a:t>
+            </a:r>
+            <a:r>
+              <a:rPr lang="en-US" dirty="0" smtClean="0"/>
+              <a:t> = function(topics, </a:t>
+            </a:r>
+            <a:r>
+              <a:rPr lang="en-US" dirty="0" err="1" smtClean="0"/>
+              <a:t>topicsEl</a:t>
+            </a:r>
+            <a:r>
+              <a:rPr lang="en-US" dirty="0" smtClean="0"/>
+              <a:t>) {</a:t>
+            </a:r>
+          </a:p>
+          <a:p>
+            <a:pPr marL="0" marR="0" indent="0" algn="l" defTabSz="914400" rtl="0" eaLnBrk="1" latinLnBrk="0" hangingPunct="1">
+              <a:lnSpc>
+                <a:spcPct val="100000"/>
+              </a:lnSpc>
+              <a:spcBef>
+                <a:spcPts val="0"/>
+              </a:spcBef>
+              <a:spcAft>
+                <a:spcPts val="0"/>
+              </a:spcAft>
+              <a:buClrTx/>
+              <a:buSzTx/>
+              <a:buFontTx/>
+              <a:buNone/>
+              <a:tabLst/>
+              <a:defRPr/>
+            </a:pPr>
+            <a:r>
+              <a:rPr lang="en-US" dirty="0" smtClean="0"/>
+              <a:t>    </a:t>
+            </a:r>
+            <a:r>
+              <a:rPr lang="en-US" dirty="0" err="1" smtClean="0"/>
+              <a:t>topics.forEach</a:t>
+            </a:r>
+            <a:r>
+              <a:rPr lang="en-US" dirty="0" smtClean="0"/>
+              <a:t>(function (topic) {</a:t>
+            </a:r>
+          </a:p>
+          <a:p>
+            <a:pPr marL="0" marR="0" indent="0" algn="l" defTabSz="914400" rtl="0" eaLnBrk="1" latinLnBrk="0" hangingPunct="1">
+              <a:lnSpc>
+                <a:spcPct val="100000"/>
+              </a:lnSpc>
+              <a:spcBef>
+                <a:spcPts val="0"/>
+              </a:spcBef>
+              <a:spcAft>
+                <a:spcPts val="0"/>
+              </a:spcAft>
+              <a:buClrTx/>
+              <a:buSzTx/>
+              <a:buFontTx/>
+              <a:buNone/>
+              <a:tabLst/>
+              <a:defRPr/>
+            </a:pPr>
+            <a:r>
+              <a:rPr lang="en-US" dirty="0" smtClean="0"/>
+              <a:t>        </a:t>
+            </a:r>
+            <a:r>
+              <a:rPr lang="en-US" dirty="0" err="1" smtClean="0"/>
+              <a:t>var</a:t>
+            </a:r>
+            <a:r>
+              <a:rPr lang="en-US" dirty="0" smtClean="0"/>
+              <a:t> </a:t>
+            </a:r>
+            <a:r>
+              <a:rPr lang="en-US" dirty="0" err="1" smtClean="0"/>
+              <a:t>newTopicEl</a:t>
+            </a:r>
+            <a:r>
+              <a:rPr lang="en-US" dirty="0" smtClean="0"/>
+              <a:t> = </a:t>
+            </a:r>
+            <a:r>
+              <a:rPr lang="en-US" dirty="0" err="1" smtClean="0"/>
+              <a:t>getTopicElement</a:t>
+            </a:r>
+            <a:r>
+              <a:rPr lang="en-US" dirty="0" smtClean="0"/>
+              <a:t>(topic);</a:t>
+            </a:r>
+          </a:p>
+          <a:p>
+            <a:pPr marL="0" marR="0" indent="0" algn="l" defTabSz="914400" rtl="0" eaLnBrk="1" latinLnBrk="0" hangingPunct="1">
+              <a:lnSpc>
+                <a:spcPct val="100000"/>
+              </a:lnSpc>
+              <a:spcBef>
+                <a:spcPts val="0"/>
+              </a:spcBef>
+              <a:spcAft>
+                <a:spcPts val="0"/>
+              </a:spcAft>
+              <a:buClrTx/>
+              <a:buSzTx/>
+              <a:buFontTx/>
+              <a:buNone/>
+              <a:tabLst/>
+              <a:defRPr/>
+            </a:pPr>
+            <a:r>
+              <a:rPr lang="en-US" dirty="0" smtClean="0"/>
+              <a:t>        </a:t>
+            </a:r>
+            <a:r>
+              <a:rPr lang="en-US" dirty="0" err="1" smtClean="0"/>
+              <a:t>topicsEl.find</a:t>
+            </a:r>
+            <a:r>
+              <a:rPr lang="en-US" dirty="0" smtClean="0"/>
+              <a:t>('</a:t>
+            </a:r>
+            <a:r>
+              <a:rPr lang="en-US" dirty="0" err="1" smtClean="0"/>
+              <a:t>article:last</a:t>
+            </a:r>
+            <a:r>
+              <a:rPr lang="en-US" dirty="0" smtClean="0"/>
+              <a:t>').after(</a:t>
+            </a:r>
+            <a:r>
+              <a:rPr lang="en-US" dirty="0" err="1" smtClean="0"/>
+              <a:t>newTopicEl</a:t>
+            </a:r>
+            <a:r>
+              <a:rPr lang="en-US" dirty="0" smtClean="0"/>
+              <a:t>);</a:t>
+            </a:r>
+          </a:p>
+          <a:p>
+            <a:pPr marL="0" marR="0" indent="0" algn="l" defTabSz="914400" rtl="0" eaLnBrk="1" latinLnBrk="0" hangingPunct="1">
+              <a:lnSpc>
+                <a:spcPct val="100000"/>
+              </a:lnSpc>
+              <a:spcBef>
+                <a:spcPts val="0"/>
+              </a:spcBef>
+              <a:spcAft>
+                <a:spcPts val="0"/>
+              </a:spcAft>
+              <a:buClrTx/>
+              <a:buSzTx/>
+              <a:buFontTx/>
+              <a:buNone/>
+              <a:tabLst/>
+              <a:defRPr/>
+            </a:pPr>
+            <a:r>
+              <a:rPr lang="en-US" dirty="0" smtClean="0"/>
+              <a:t>    });</a:t>
+            </a:r>
+          </a:p>
+          <a:p>
+            <a:pPr marL="0" marR="0" indent="0" algn="l" defTabSz="914400" rtl="0" eaLnBrk="1" latinLnBrk="0" hangingPunct="1">
+              <a:lnSpc>
+                <a:spcPct val="100000"/>
+              </a:lnSpc>
+              <a:spcBef>
+                <a:spcPts val="0"/>
+              </a:spcBef>
+              <a:spcAft>
+                <a:spcPts val="0"/>
+              </a:spcAft>
+              <a:buClrTx/>
+              <a:buSzTx/>
+              <a:buFontTx/>
+              <a:buNone/>
+              <a:tabLst/>
+              <a:defRPr/>
+            </a:pPr>
+            <a:r>
+              <a:rPr lang="en-US" dirty="0" smtClean="0"/>
+              <a:t>};</a:t>
+            </a:r>
             <a:endParaRPr lang="en-US" dirty="0"/>
           </a:p>
         </p:txBody>
@@ -4320,6 +11865,1021 @@
               <a:tabLst/>
               <a:defRPr/>
             </a:pPr>
+            <a:r>
+              <a:rPr lang="en-US" dirty="0" err="1" smtClean="0"/>
+              <a:t>var</a:t>
+            </a:r>
+            <a:r>
+              <a:rPr lang="en-US" dirty="0" smtClean="0"/>
+              <a:t> View = { };</a:t>
+            </a:r>
+          </a:p>
+          <a:p>
+            <a:pPr marL="0" marR="0" indent="0" algn="l" defTabSz="914400" rtl="0" eaLnBrk="1" latinLnBrk="0" hangingPunct="1">
+              <a:lnSpc>
+                <a:spcPct val="100000"/>
+              </a:lnSpc>
+              <a:spcBef>
+                <a:spcPts val="0"/>
+              </a:spcBef>
+              <a:spcAft>
+                <a:spcPts val="0"/>
+              </a:spcAft>
+              <a:buClrTx/>
+              <a:buSzTx/>
+              <a:buFontTx/>
+              <a:buNone/>
+              <a:tabLst/>
+              <a:defRPr/>
+            </a:pPr>
+            <a:endParaRPr lang="en-US" dirty="0" smtClean="0"/>
+          </a:p>
+          <a:p>
+            <a:pPr marL="0" marR="0" indent="0" algn="l" defTabSz="914400" rtl="0" eaLnBrk="1" latinLnBrk="0" hangingPunct="1">
+              <a:lnSpc>
+                <a:spcPct val="100000"/>
+              </a:lnSpc>
+              <a:spcBef>
+                <a:spcPts val="0"/>
+              </a:spcBef>
+              <a:spcAft>
+                <a:spcPts val="0"/>
+              </a:spcAft>
+              <a:buClrTx/>
+              <a:buSzTx/>
+              <a:buFontTx/>
+              <a:buNone/>
+              <a:tabLst/>
+              <a:defRPr/>
+            </a:pPr>
+            <a:r>
+              <a:rPr lang="en-US" dirty="0" smtClean="0"/>
+              <a:t>/**</a:t>
+            </a:r>
+          </a:p>
+          <a:p>
+            <a:pPr marL="0" marR="0" indent="0" algn="l" defTabSz="914400" rtl="0" eaLnBrk="1" latinLnBrk="0" hangingPunct="1">
+              <a:lnSpc>
+                <a:spcPct val="100000"/>
+              </a:lnSpc>
+              <a:spcBef>
+                <a:spcPts val="0"/>
+              </a:spcBef>
+              <a:spcAft>
+                <a:spcPts val="0"/>
+              </a:spcAft>
+              <a:buClrTx/>
+              <a:buSzTx/>
+              <a:buFontTx/>
+              <a:buNone/>
+              <a:tabLst/>
+              <a:defRPr/>
+            </a:pPr>
+            <a:r>
+              <a:rPr lang="en-US" dirty="0" smtClean="0"/>
+              <a:t> * Returns a tile info element with given data.</a:t>
+            </a:r>
+          </a:p>
+          <a:p>
+            <a:pPr marL="0" marR="0" indent="0" algn="l" defTabSz="914400" rtl="0" eaLnBrk="1" latinLnBrk="0" hangingPunct="1">
+              <a:lnSpc>
+                <a:spcPct val="100000"/>
+              </a:lnSpc>
+              <a:spcBef>
+                <a:spcPts val="0"/>
+              </a:spcBef>
+              <a:spcAft>
+                <a:spcPts val="0"/>
+              </a:spcAft>
+              <a:buClrTx/>
+              <a:buSzTx/>
+              <a:buFontTx/>
+              <a:buNone/>
+              <a:tabLst/>
+              <a:defRPr/>
+            </a:pPr>
+            <a:r>
+              <a:rPr lang="en-US" dirty="0" smtClean="0"/>
+              <a:t> *</a:t>
+            </a:r>
+          </a:p>
+          <a:p>
+            <a:pPr marL="0" marR="0" indent="0" algn="l" defTabSz="914400" rtl="0" eaLnBrk="1" latinLnBrk="0" hangingPunct="1">
+              <a:lnSpc>
+                <a:spcPct val="100000"/>
+              </a:lnSpc>
+              <a:spcBef>
+                <a:spcPts val="0"/>
+              </a:spcBef>
+              <a:spcAft>
+                <a:spcPts val="0"/>
+              </a:spcAft>
+              <a:buClrTx/>
+              <a:buSzTx/>
+              <a:buFontTx/>
+              <a:buNone/>
+              <a:tabLst/>
+              <a:defRPr/>
+            </a:pPr>
+            <a:r>
+              <a:rPr lang="en-US" dirty="0" smtClean="0"/>
+              <a:t> * @</a:t>
+            </a:r>
+            <a:r>
+              <a:rPr lang="en-US" dirty="0" err="1" smtClean="0"/>
+              <a:t>param</a:t>
+            </a:r>
+            <a:r>
+              <a:rPr lang="en-US" dirty="0" smtClean="0"/>
+              <a:t> {string} date</a:t>
+            </a:r>
+          </a:p>
+          <a:p>
+            <a:pPr marL="0" marR="0" indent="0" algn="l" defTabSz="914400" rtl="0" eaLnBrk="1" latinLnBrk="0" hangingPunct="1">
+              <a:lnSpc>
+                <a:spcPct val="100000"/>
+              </a:lnSpc>
+              <a:spcBef>
+                <a:spcPts val="0"/>
+              </a:spcBef>
+              <a:spcAft>
+                <a:spcPts val="0"/>
+              </a:spcAft>
+              <a:buClrTx/>
+              <a:buSzTx/>
+              <a:buFontTx/>
+              <a:buNone/>
+              <a:tabLst/>
+              <a:defRPr/>
+            </a:pPr>
+            <a:r>
+              <a:rPr lang="en-US" dirty="0" smtClean="0"/>
+              <a:t> * @</a:t>
+            </a:r>
+            <a:r>
+              <a:rPr lang="en-US" dirty="0" err="1" smtClean="0"/>
+              <a:t>param</a:t>
+            </a:r>
+            <a:r>
+              <a:rPr lang="en-US" dirty="0" smtClean="0"/>
+              <a:t> {string} time</a:t>
+            </a:r>
+          </a:p>
+          <a:p>
+            <a:pPr marL="0" marR="0" indent="0" algn="l" defTabSz="914400" rtl="0" eaLnBrk="1" latinLnBrk="0" hangingPunct="1">
+              <a:lnSpc>
+                <a:spcPct val="100000"/>
+              </a:lnSpc>
+              <a:spcBef>
+                <a:spcPts val="0"/>
+              </a:spcBef>
+              <a:spcAft>
+                <a:spcPts val="0"/>
+              </a:spcAft>
+              <a:buClrTx/>
+              <a:buSzTx/>
+              <a:buFontTx/>
+              <a:buNone/>
+              <a:tabLst/>
+              <a:defRPr/>
+            </a:pPr>
+            <a:r>
+              <a:rPr lang="en-US" dirty="0" smtClean="0"/>
+              <a:t> * @</a:t>
+            </a:r>
+            <a:r>
+              <a:rPr lang="en-US" dirty="0" err="1" smtClean="0"/>
+              <a:t>param</a:t>
+            </a:r>
+            <a:r>
+              <a:rPr lang="en-US" dirty="0" smtClean="0"/>
+              <a:t> {string} email</a:t>
+            </a:r>
+          </a:p>
+          <a:p>
+            <a:pPr marL="0" marR="0" indent="0" algn="l" defTabSz="914400" rtl="0" eaLnBrk="1" latinLnBrk="0" hangingPunct="1">
+              <a:lnSpc>
+                <a:spcPct val="100000"/>
+              </a:lnSpc>
+              <a:spcBef>
+                <a:spcPts val="0"/>
+              </a:spcBef>
+              <a:spcAft>
+                <a:spcPts val="0"/>
+              </a:spcAft>
+              <a:buClrTx/>
+              <a:buSzTx/>
+              <a:buFontTx/>
+              <a:buNone/>
+              <a:tabLst/>
+              <a:defRPr/>
+            </a:pPr>
+            <a:r>
+              <a:rPr lang="en-US" dirty="0" smtClean="0"/>
+              <a:t> * @returns {jQuery}</a:t>
+            </a:r>
+          </a:p>
+          <a:p>
+            <a:pPr marL="0" marR="0" indent="0" algn="l" defTabSz="914400" rtl="0" eaLnBrk="1" latinLnBrk="0" hangingPunct="1">
+              <a:lnSpc>
+                <a:spcPct val="100000"/>
+              </a:lnSpc>
+              <a:spcBef>
+                <a:spcPts val="0"/>
+              </a:spcBef>
+              <a:spcAft>
+                <a:spcPts val="0"/>
+              </a:spcAft>
+              <a:buClrTx/>
+              <a:buSzTx/>
+              <a:buFontTx/>
+              <a:buNone/>
+              <a:tabLst/>
+              <a:defRPr/>
+            </a:pPr>
+            <a:r>
+              <a:rPr lang="en-US" dirty="0" smtClean="0"/>
+              <a:t> */</a:t>
+            </a:r>
+          </a:p>
+          <a:p>
+            <a:pPr marL="0" marR="0" indent="0" algn="l" defTabSz="914400" rtl="0" eaLnBrk="1" latinLnBrk="0" hangingPunct="1">
+              <a:lnSpc>
+                <a:spcPct val="100000"/>
+              </a:lnSpc>
+              <a:spcBef>
+                <a:spcPts val="0"/>
+              </a:spcBef>
+              <a:spcAft>
+                <a:spcPts val="0"/>
+              </a:spcAft>
+              <a:buClrTx/>
+              <a:buSzTx/>
+              <a:buFontTx/>
+              <a:buNone/>
+              <a:tabLst/>
+              <a:defRPr/>
+            </a:pPr>
+            <a:r>
+              <a:rPr lang="en-US" dirty="0" err="1" smtClean="0"/>
+              <a:t>View.tileInfo</a:t>
+            </a:r>
+            <a:r>
+              <a:rPr lang="en-US" dirty="0" smtClean="0"/>
+              <a:t> = function (date, time, email) {</a:t>
+            </a:r>
+          </a:p>
+          <a:p>
+            <a:pPr marL="0" marR="0" indent="0" algn="l" defTabSz="914400" rtl="0" eaLnBrk="1" latinLnBrk="0" hangingPunct="1">
+              <a:lnSpc>
+                <a:spcPct val="100000"/>
+              </a:lnSpc>
+              <a:spcBef>
+                <a:spcPts val="0"/>
+              </a:spcBef>
+              <a:spcAft>
+                <a:spcPts val="0"/>
+              </a:spcAft>
+              <a:buClrTx/>
+              <a:buSzTx/>
+              <a:buFontTx/>
+              <a:buNone/>
+              <a:tabLst/>
+              <a:defRPr/>
+            </a:pPr>
+            <a:r>
+              <a:rPr lang="en-US" dirty="0" smtClean="0"/>
+              <a:t>    </a:t>
+            </a:r>
+            <a:r>
+              <a:rPr lang="en-US" dirty="0" err="1" smtClean="0"/>
+              <a:t>var</a:t>
+            </a:r>
+            <a:r>
+              <a:rPr lang="en-US" dirty="0" smtClean="0"/>
+              <a:t> $info = $('&lt;div class="info"&gt;');</a:t>
+            </a:r>
+          </a:p>
+          <a:p>
+            <a:pPr marL="0" marR="0" indent="0" algn="l" defTabSz="914400" rtl="0" eaLnBrk="1" latinLnBrk="0" hangingPunct="1">
+              <a:lnSpc>
+                <a:spcPct val="100000"/>
+              </a:lnSpc>
+              <a:spcBef>
+                <a:spcPts val="0"/>
+              </a:spcBef>
+              <a:spcAft>
+                <a:spcPts val="0"/>
+              </a:spcAft>
+              <a:buClrTx/>
+              <a:buSzTx/>
+              <a:buFontTx/>
+              <a:buNone/>
+              <a:tabLst/>
+              <a:defRPr/>
+            </a:pPr>
+            <a:endParaRPr lang="en-US" dirty="0" smtClean="0"/>
+          </a:p>
+          <a:p>
+            <a:pPr marL="0" marR="0" indent="0" algn="l" defTabSz="914400" rtl="0" eaLnBrk="1" latinLnBrk="0" hangingPunct="1">
+              <a:lnSpc>
+                <a:spcPct val="100000"/>
+              </a:lnSpc>
+              <a:spcBef>
+                <a:spcPts val="0"/>
+              </a:spcBef>
+              <a:spcAft>
+                <a:spcPts val="0"/>
+              </a:spcAft>
+              <a:buClrTx/>
+              <a:buSzTx/>
+              <a:buFontTx/>
+              <a:buNone/>
+              <a:tabLst/>
+              <a:defRPr/>
+            </a:pPr>
+            <a:r>
+              <a:rPr lang="en-US" dirty="0" smtClean="0"/>
+              <a:t>    $</a:t>
+            </a:r>
+            <a:r>
+              <a:rPr lang="en-US" dirty="0" err="1" smtClean="0"/>
+              <a:t>info.append</a:t>
+            </a:r>
+            <a:r>
+              <a:rPr lang="en-US" dirty="0" smtClean="0"/>
+              <a:t>(</a:t>
+            </a:r>
+          </a:p>
+          <a:p>
+            <a:pPr marL="0" marR="0" indent="0" algn="l" defTabSz="914400" rtl="0" eaLnBrk="1" latinLnBrk="0" hangingPunct="1">
+              <a:lnSpc>
+                <a:spcPct val="100000"/>
+              </a:lnSpc>
+              <a:spcBef>
+                <a:spcPts val="0"/>
+              </a:spcBef>
+              <a:spcAft>
+                <a:spcPts val="0"/>
+              </a:spcAft>
+              <a:buClrTx/>
+              <a:buSzTx/>
+              <a:buFontTx/>
+              <a:buNone/>
+              <a:tabLst/>
+              <a:defRPr/>
+            </a:pPr>
+            <a:r>
+              <a:rPr lang="en-US" dirty="0" smtClean="0"/>
+              <a:t>        $('&lt;div class="date-time"&gt;').append(</a:t>
+            </a:r>
+          </a:p>
+          <a:p>
+            <a:pPr marL="0" marR="0" indent="0" algn="l" defTabSz="914400" rtl="0" eaLnBrk="1" latinLnBrk="0" hangingPunct="1">
+              <a:lnSpc>
+                <a:spcPct val="100000"/>
+              </a:lnSpc>
+              <a:spcBef>
+                <a:spcPts val="0"/>
+              </a:spcBef>
+              <a:spcAft>
+                <a:spcPts val="0"/>
+              </a:spcAft>
+              <a:buClrTx/>
+              <a:buSzTx/>
+              <a:buFontTx/>
+              <a:buNone/>
+              <a:tabLst/>
+              <a:defRPr/>
+            </a:pPr>
+            <a:r>
+              <a:rPr lang="en-US" dirty="0" smtClean="0"/>
+              <a:t>            $('&lt;div class="date"&gt;')</a:t>
+            </a:r>
+          </a:p>
+          <a:p>
+            <a:pPr marL="0" marR="0" indent="0" algn="l" defTabSz="914400" rtl="0" eaLnBrk="1" latinLnBrk="0" hangingPunct="1">
+              <a:lnSpc>
+                <a:spcPct val="100000"/>
+              </a:lnSpc>
+              <a:spcBef>
+                <a:spcPts val="0"/>
+              </a:spcBef>
+              <a:spcAft>
+                <a:spcPts val="0"/>
+              </a:spcAft>
+              <a:buClrTx/>
+              <a:buSzTx/>
+              <a:buFontTx/>
+              <a:buNone/>
+              <a:tabLst/>
+              <a:defRPr/>
+            </a:pPr>
+            <a:r>
+              <a:rPr lang="en-US" dirty="0" smtClean="0"/>
+              <a:t>                .html(date)</a:t>
+            </a:r>
+          </a:p>
+          <a:p>
+            <a:pPr marL="0" marR="0" indent="0" algn="l" defTabSz="914400" rtl="0" eaLnBrk="1" latinLnBrk="0" hangingPunct="1">
+              <a:lnSpc>
+                <a:spcPct val="100000"/>
+              </a:lnSpc>
+              <a:spcBef>
+                <a:spcPts val="0"/>
+              </a:spcBef>
+              <a:spcAft>
+                <a:spcPts val="0"/>
+              </a:spcAft>
+              <a:buClrTx/>
+              <a:buSzTx/>
+              <a:buFontTx/>
+              <a:buNone/>
+              <a:tabLst/>
+              <a:defRPr/>
+            </a:pPr>
+            <a:r>
+              <a:rPr lang="en-US" dirty="0" smtClean="0"/>
+              <a:t>                .prepend(</a:t>
+            </a:r>
+            <a:r>
+              <a:rPr lang="en-US" dirty="0" err="1" smtClean="0"/>
+              <a:t>View.sprite</a:t>
+            </a:r>
+            <a:r>
+              <a:rPr lang="en-US" dirty="0" smtClean="0"/>
+              <a:t>('calendar'))</a:t>
+            </a:r>
+          </a:p>
+          <a:p>
+            <a:pPr marL="0" marR="0" indent="0" algn="l" defTabSz="914400" rtl="0" eaLnBrk="1" latinLnBrk="0" hangingPunct="1">
+              <a:lnSpc>
+                <a:spcPct val="100000"/>
+              </a:lnSpc>
+              <a:spcBef>
+                <a:spcPts val="0"/>
+              </a:spcBef>
+              <a:spcAft>
+                <a:spcPts val="0"/>
+              </a:spcAft>
+              <a:buClrTx/>
+              <a:buSzTx/>
+              <a:buFontTx/>
+              <a:buNone/>
+              <a:tabLst/>
+              <a:defRPr/>
+            </a:pPr>
+            <a:r>
+              <a:rPr lang="en-US" dirty="0" smtClean="0"/>
+              <a:t>        ).append(</a:t>
+            </a:r>
+          </a:p>
+          <a:p>
+            <a:pPr marL="0" marR="0" indent="0" algn="l" defTabSz="914400" rtl="0" eaLnBrk="1" latinLnBrk="0" hangingPunct="1">
+              <a:lnSpc>
+                <a:spcPct val="100000"/>
+              </a:lnSpc>
+              <a:spcBef>
+                <a:spcPts val="0"/>
+              </a:spcBef>
+              <a:spcAft>
+                <a:spcPts val="0"/>
+              </a:spcAft>
+              <a:buClrTx/>
+              <a:buSzTx/>
+              <a:buFontTx/>
+              <a:buNone/>
+              <a:tabLst/>
+              <a:defRPr/>
+            </a:pPr>
+            <a:r>
+              <a:rPr lang="en-US" dirty="0" smtClean="0"/>
+              <a:t>            $('&lt;div class="time"&gt;')</a:t>
+            </a:r>
+          </a:p>
+          <a:p>
+            <a:pPr marL="0" marR="0" indent="0" algn="l" defTabSz="914400" rtl="0" eaLnBrk="1" latinLnBrk="0" hangingPunct="1">
+              <a:lnSpc>
+                <a:spcPct val="100000"/>
+              </a:lnSpc>
+              <a:spcBef>
+                <a:spcPts val="0"/>
+              </a:spcBef>
+              <a:spcAft>
+                <a:spcPts val="0"/>
+              </a:spcAft>
+              <a:buClrTx/>
+              <a:buSzTx/>
+              <a:buFontTx/>
+              <a:buNone/>
+              <a:tabLst/>
+              <a:defRPr/>
+            </a:pPr>
+            <a:r>
+              <a:rPr lang="en-US" dirty="0" smtClean="0"/>
+              <a:t>                .html(time)</a:t>
+            </a:r>
+          </a:p>
+          <a:p>
+            <a:pPr marL="0" marR="0" indent="0" algn="l" defTabSz="914400" rtl="0" eaLnBrk="1" latinLnBrk="0" hangingPunct="1">
+              <a:lnSpc>
+                <a:spcPct val="100000"/>
+              </a:lnSpc>
+              <a:spcBef>
+                <a:spcPts val="0"/>
+              </a:spcBef>
+              <a:spcAft>
+                <a:spcPts val="0"/>
+              </a:spcAft>
+              <a:buClrTx/>
+              <a:buSzTx/>
+              <a:buFontTx/>
+              <a:buNone/>
+              <a:tabLst/>
+              <a:defRPr/>
+            </a:pPr>
+            <a:r>
+              <a:rPr lang="en-US" dirty="0" smtClean="0"/>
+              <a:t>                .prepend(</a:t>
+            </a:r>
+            <a:r>
+              <a:rPr lang="en-US" dirty="0" err="1" smtClean="0"/>
+              <a:t>View.sprite</a:t>
+            </a:r>
+            <a:r>
+              <a:rPr lang="en-US" dirty="0" smtClean="0"/>
+              <a:t>('clock'))</a:t>
+            </a:r>
+          </a:p>
+          <a:p>
+            <a:pPr marL="0" marR="0" indent="0" algn="l" defTabSz="914400" rtl="0" eaLnBrk="1" latinLnBrk="0" hangingPunct="1">
+              <a:lnSpc>
+                <a:spcPct val="100000"/>
+              </a:lnSpc>
+              <a:spcBef>
+                <a:spcPts val="0"/>
+              </a:spcBef>
+              <a:spcAft>
+                <a:spcPts val="0"/>
+              </a:spcAft>
+              <a:buClrTx/>
+              <a:buSzTx/>
+              <a:buFontTx/>
+              <a:buNone/>
+              <a:tabLst/>
+              <a:defRPr/>
+            </a:pPr>
+            <a:r>
+              <a:rPr lang="en-US" dirty="0" smtClean="0"/>
+              <a:t>        )</a:t>
+            </a:r>
+          </a:p>
+          <a:p>
+            <a:pPr marL="0" marR="0" indent="0" algn="l" defTabSz="914400" rtl="0" eaLnBrk="1" latinLnBrk="0" hangingPunct="1">
+              <a:lnSpc>
+                <a:spcPct val="100000"/>
+              </a:lnSpc>
+              <a:spcBef>
+                <a:spcPts val="0"/>
+              </a:spcBef>
+              <a:spcAft>
+                <a:spcPts val="0"/>
+              </a:spcAft>
+              <a:buClrTx/>
+              <a:buSzTx/>
+              <a:buFontTx/>
+              <a:buNone/>
+              <a:tabLst/>
+              <a:defRPr/>
+            </a:pPr>
+            <a:r>
+              <a:rPr lang="en-US" dirty="0" smtClean="0"/>
+              <a:t>    ).append(</a:t>
+            </a:r>
+          </a:p>
+          <a:p>
+            <a:pPr marL="0" marR="0" indent="0" algn="l" defTabSz="914400" rtl="0" eaLnBrk="1" latinLnBrk="0" hangingPunct="1">
+              <a:lnSpc>
+                <a:spcPct val="100000"/>
+              </a:lnSpc>
+              <a:spcBef>
+                <a:spcPts val="0"/>
+              </a:spcBef>
+              <a:spcAft>
+                <a:spcPts val="0"/>
+              </a:spcAft>
+              <a:buClrTx/>
+              <a:buSzTx/>
+              <a:buFontTx/>
+              <a:buNone/>
+              <a:tabLst/>
+              <a:defRPr/>
+            </a:pPr>
+            <a:r>
+              <a:rPr lang="en-US" dirty="0" smtClean="0"/>
+              <a:t>        $('&lt;div class="email"&gt;')</a:t>
+            </a:r>
+          </a:p>
+          <a:p>
+            <a:pPr marL="0" marR="0" indent="0" algn="l" defTabSz="914400" rtl="0" eaLnBrk="1" latinLnBrk="0" hangingPunct="1">
+              <a:lnSpc>
+                <a:spcPct val="100000"/>
+              </a:lnSpc>
+              <a:spcBef>
+                <a:spcPts val="0"/>
+              </a:spcBef>
+              <a:spcAft>
+                <a:spcPts val="0"/>
+              </a:spcAft>
+              <a:buClrTx/>
+              <a:buSzTx/>
+              <a:buFontTx/>
+              <a:buNone/>
+              <a:tabLst/>
+              <a:defRPr/>
+            </a:pPr>
+            <a:r>
+              <a:rPr lang="en-US" dirty="0" smtClean="0"/>
+              <a:t>            .</a:t>
+            </a:r>
+            <a:r>
+              <a:rPr lang="en-US" dirty="0" err="1" smtClean="0"/>
+              <a:t>attr</a:t>
+            </a:r>
+            <a:r>
+              <a:rPr lang="en-US" dirty="0" smtClean="0"/>
+              <a:t>('title', email)</a:t>
+            </a:r>
+          </a:p>
+          <a:p>
+            <a:pPr marL="0" marR="0" indent="0" algn="l" defTabSz="914400" rtl="0" eaLnBrk="1" latinLnBrk="0" hangingPunct="1">
+              <a:lnSpc>
+                <a:spcPct val="100000"/>
+              </a:lnSpc>
+              <a:spcBef>
+                <a:spcPts val="0"/>
+              </a:spcBef>
+              <a:spcAft>
+                <a:spcPts val="0"/>
+              </a:spcAft>
+              <a:buClrTx/>
+              <a:buSzTx/>
+              <a:buFontTx/>
+              <a:buNone/>
+              <a:tabLst/>
+              <a:defRPr/>
+            </a:pPr>
+            <a:r>
+              <a:rPr lang="en-US" dirty="0" smtClean="0"/>
+              <a:t>            .html(email)</a:t>
+            </a:r>
+          </a:p>
+          <a:p>
+            <a:pPr marL="0" marR="0" indent="0" algn="l" defTabSz="914400" rtl="0" eaLnBrk="1" latinLnBrk="0" hangingPunct="1">
+              <a:lnSpc>
+                <a:spcPct val="100000"/>
+              </a:lnSpc>
+              <a:spcBef>
+                <a:spcPts val="0"/>
+              </a:spcBef>
+              <a:spcAft>
+                <a:spcPts val="0"/>
+              </a:spcAft>
+              <a:buClrTx/>
+              <a:buSzTx/>
+              <a:buFontTx/>
+              <a:buNone/>
+              <a:tabLst/>
+              <a:defRPr/>
+            </a:pPr>
+            <a:r>
+              <a:rPr lang="en-US" dirty="0" smtClean="0"/>
+              <a:t>            .prepend(</a:t>
+            </a:r>
+            <a:r>
+              <a:rPr lang="en-US" dirty="0" err="1" smtClean="0"/>
+              <a:t>View.sprite</a:t>
+            </a:r>
+            <a:r>
+              <a:rPr lang="en-US" dirty="0" smtClean="0"/>
+              <a:t>('at'))</a:t>
+            </a:r>
+          </a:p>
+          <a:p>
+            <a:pPr marL="0" marR="0" indent="0" algn="l" defTabSz="914400" rtl="0" eaLnBrk="1" latinLnBrk="0" hangingPunct="1">
+              <a:lnSpc>
+                <a:spcPct val="100000"/>
+              </a:lnSpc>
+              <a:spcBef>
+                <a:spcPts val="0"/>
+              </a:spcBef>
+              <a:spcAft>
+                <a:spcPts val="0"/>
+              </a:spcAft>
+              <a:buClrTx/>
+              <a:buSzTx/>
+              <a:buFontTx/>
+              <a:buNone/>
+              <a:tabLst/>
+              <a:defRPr/>
+            </a:pPr>
+            <a:r>
+              <a:rPr lang="en-US" dirty="0" smtClean="0"/>
+              <a:t>    );</a:t>
+            </a:r>
+          </a:p>
+          <a:p>
+            <a:pPr marL="0" marR="0" indent="0" algn="l" defTabSz="914400" rtl="0" eaLnBrk="1" latinLnBrk="0" hangingPunct="1">
+              <a:lnSpc>
+                <a:spcPct val="100000"/>
+              </a:lnSpc>
+              <a:spcBef>
+                <a:spcPts val="0"/>
+              </a:spcBef>
+              <a:spcAft>
+                <a:spcPts val="0"/>
+              </a:spcAft>
+              <a:buClrTx/>
+              <a:buSzTx/>
+              <a:buFontTx/>
+              <a:buNone/>
+              <a:tabLst/>
+              <a:defRPr/>
+            </a:pPr>
+            <a:r>
+              <a:rPr lang="en-US" dirty="0" smtClean="0"/>
+              <a:t>    return $info;</a:t>
+            </a:r>
+          </a:p>
+          <a:p>
+            <a:pPr marL="0" marR="0" indent="0" algn="l" defTabSz="914400" rtl="0" eaLnBrk="1" latinLnBrk="0" hangingPunct="1">
+              <a:lnSpc>
+                <a:spcPct val="100000"/>
+              </a:lnSpc>
+              <a:spcBef>
+                <a:spcPts val="0"/>
+              </a:spcBef>
+              <a:spcAft>
+                <a:spcPts val="0"/>
+              </a:spcAft>
+              <a:buClrTx/>
+              <a:buSzTx/>
+              <a:buFontTx/>
+              <a:buNone/>
+              <a:tabLst/>
+              <a:defRPr/>
+            </a:pPr>
+            <a:r>
+              <a:rPr lang="en-US" dirty="0" smtClean="0"/>
+              <a:t>},</a:t>
+            </a:r>
+          </a:p>
+          <a:p>
+            <a:pPr marL="0" marR="0" indent="0" algn="l" defTabSz="914400" rtl="0" eaLnBrk="1" latinLnBrk="0" hangingPunct="1">
+              <a:lnSpc>
+                <a:spcPct val="100000"/>
+              </a:lnSpc>
+              <a:spcBef>
+                <a:spcPts val="0"/>
+              </a:spcBef>
+              <a:spcAft>
+                <a:spcPts val="0"/>
+              </a:spcAft>
+              <a:buClrTx/>
+              <a:buSzTx/>
+              <a:buFontTx/>
+              <a:buNone/>
+              <a:tabLst/>
+              <a:defRPr/>
+            </a:pPr>
+            <a:endParaRPr lang="en-US" dirty="0" smtClean="0"/>
+          </a:p>
+          <a:p>
+            <a:pPr marL="0" marR="0" indent="0" algn="l" defTabSz="914400" rtl="0" eaLnBrk="1" latinLnBrk="0" hangingPunct="1">
+              <a:lnSpc>
+                <a:spcPct val="100000"/>
+              </a:lnSpc>
+              <a:spcBef>
+                <a:spcPts val="0"/>
+              </a:spcBef>
+              <a:spcAft>
+                <a:spcPts val="0"/>
+              </a:spcAft>
+              <a:buClrTx/>
+              <a:buSzTx/>
+              <a:buFontTx/>
+              <a:buNone/>
+              <a:tabLst/>
+              <a:defRPr/>
+            </a:pPr>
+            <a:r>
+              <a:rPr lang="en-US" dirty="0" smtClean="0"/>
+              <a:t>/**</a:t>
+            </a:r>
+          </a:p>
+          <a:p>
+            <a:pPr marL="0" marR="0" indent="0" algn="l" defTabSz="914400" rtl="0" eaLnBrk="1" latinLnBrk="0" hangingPunct="1">
+              <a:lnSpc>
+                <a:spcPct val="100000"/>
+              </a:lnSpc>
+              <a:spcBef>
+                <a:spcPts val="0"/>
+              </a:spcBef>
+              <a:spcAft>
+                <a:spcPts val="0"/>
+              </a:spcAft>
+              <a:buClrTx/>
+              <a:buSzTx/>
+              <a:buFontTx/>
+              <a:buNone/>
+              <a:tabLst/>
+              <a:defRPr/>
+            </a:pPr>
+            <a:r>
+              <a:rPr lang="en-US" dirty="0" smtClean="0"/>
+              <a:t> * Returns a sprite element with given type.</a:t>
+            </a:r>
+          </a:p>
+          <a:p>
+            <a:pPr marL="0" marR="0" indent="0" algn="l" defTabSz="914400" rtl="0" eaLnBrk="1" latinLnBrk="0" hangingPunct="1">
+              <a:lnSpc>
+                <a:spcPct val="100000"/>
+              </a:lnSpc>
+              <a:spcBef>
+                <a:spcPts val="0"/>
+              </a:spcBef>
+              <a:spcAft>
+                <a:spcPts val="0"/>
+              </a:spcAft>
+              <a:buClrTx/>
+              <a:buSzTx/>
+              <a:buFontTx/>
+              <a:buNone/>
+              <a:tabLst/>
+              <a:defRPr/>
+            </a:pPr>
+            <a:r>
+              <a:rPr lang="en-US" dirty="0" smtClean="0"/>
+              <a:t> *</a:t>
+            </a:r>
+          </a:p>
+          <a:p>
+            <a:pPr marL="0" marR="0" indent="0" algn="l" defTabSz="914400" rtl="0" eaLnBrk="1" latinLnBrk="0" hangingPunct="1">
+              <a:lnSpc>
+                <a:spcPct val="100000"/>
+              </a:lnSpc>
+              <a:spcBef>
+                <a:spcPts val="0"/>
+              </a:spcBef>
+              <a:spcAft>
+                <a:spcPts val="0"/>
+              </a:spcAft>
+              <a:buClrTx/>
+              <a:buSzTx/>
+              <a:buFontTx/>
+              <a:buNone/>
+              <a:tabLst/>
+              <a:defRPr/>
+            </a:pPr>
+            <a:r>
+              <a:rPr lang="en-US" dirty="0" smtClean="0"/>
+              <a:t> * @</a:t>
+            </a:r>
+            <a:r>
+              <a:rPr lang="en-US" dirty="0" err="1" smtClean="0"/>
+              <a:t>param</a:t>
+            </a:r>
+            <a:r>
+              <a:rPr lang="en-US" dirty="0" smtClean="0"/>
+              <a:t> {string} type</a:t>
+            </a:r>
+          </a:p>
+          <a:p>
+            <a:pPr marL="0" marR="0" indent="0" algn="l" defTabSz="914400" rtl="0" eaLnBrk="1" latinLnBrk="0" hangingPunct="1">
+              <a:lnSpc>
+                <a:spcPct val="100000"/>
+              </a:lnSpc>
+              <a:spcBef>
+                <a:spcPts val="0"/>
+              </a:spcBef>
+              <a:spcAft>
+                <a:spcPts val="0"/>
+              </a:spcAft>
+              <a:buClrTx/>
+              <a:buSzTx/>
+              <a:buFontTx/>
+              <a:buNone/>
+              <a:tabLst/>
+              <a:defRPr/>
+            </a:pPr>
+            <a:r>
+              <a:rPr lang="en-US" dirty="0" smtClean="0"/>
+              <a:t> * @returns {jQuery}</a:t>
+            </a:r>
+          </a:p>
+          <a:p>
+            <a:pPr marL="0" marR="0" indent="0" algn="l" defTabSz="914400" rtl="0" eaLnBrk="1" latinLnBrk="0" hangingPunct="1">
+              <a:lnSpc>
+                <a:spcPct val="100000"/>
+              </a:lnSpc>
+              <a:spcBef>
+                <a:spcPts val="0"/>
+              </a:spcBef>
+              <a:spcAft>
+                <a:spcPts val="0"/>
+              </a:spcAft>
+              <a:buClrTx/>
+              <a:buSzTx/>
+              <a:buFontTx/>
+              <a:buNone/>
+              <a:tabLst/>
+              <a:defRPr/>
+            </a:pPr>
+            <a:r>
+              <a:rPr lang="en-US" dirty="0" smtClean="0"/>
+              <a:t> */</a:t>
+            </a:r>
+          </a:p>
+          <a:p>
+            <a:pPr marL="0" marR="0" indent="0" algn="l" defTabSz="914400" rtl="0" eaLnBrk="1" latinLnBrk="0" hangingPunct="1">
+              <a:lnSpc>
+                <a:spcPct val="100000"/>
+              </a:lnSpc>
+              <a:spcBef>
+                <a:spcPts val="0"/>
+              </a:spcBef>
+              <a:spcAft>
+                <a:spcPts val="0"/>
+              </a:spcAft>
+              <a:buClrTx/>
+              <a:buSzTx/>
+              <a:buFontTx/>
+              <a:buNone/>
+              <a:tabLst/>
+              <a:defRPr/>
+            </a:pPr>
+            <a:r>
+              <a:rPr lang="en-US" dirty="0" err="1" smtClean="0"/>
+              <a:t>View.sprite</a:t>
+            </a:r>
+            <a:r>
+              <a:rPr lang="en-US" dirty="0" smtClean="0"/>
+              <a:t> = function (type) {</a:t>
+            </a:r>
+          </a:p>
+          <a:p>
+            <a:pPr marL="0" marR="0" indent="0" algn="l" defTabSz="914400" rtl="0" eaLnBrk="1" latinLnBrk="0" hangingPunct="1">
+              <a:lnSpc>
+                <a:spcPct val="100000"/>
+              </a:lnSpc>
+              <a:spcBef>
+                <a:spcPts val="0"/>
+              </a:spcBef>
+              <a:spcAft>
+                <a:spcPts val="0"/>
+              </a:spcAft>
+              <a:buClrTx/>
+              <a:buSzTx/>
+              <a:buFontTx/>
+              <a:buNone/>
+              <a:tabLst/>
+              <a:defRPr/>
+            </a:pPr>
+            <a:r>
+              <a:rPr lang="en-US" dirty="0" smtClean="0"/>
+              <a:t>    return $('&lt;span class="sprite"&gt;').</a:t>
+            </a:r>
+            <a:r>
+              <a:rPr lang="en-US" dirty="0" err="1" smtClean="0"/>
+              <a:t>addClass</a:t>
+            </a:r>
+            <a:r>
+              <a:rPr lang="en-US" dirty="0" smtClean="0"/>
+              <a:t>(type);</a:t>
+            </a:r>
+          </a:p>
+          <a:p>
+            <a:pPr marL="0" marR="0" indent="0" algn="l" defTabSz="914400" rtl="0" eaLnBrk="1" latinLnBrk="0" hangingPunct="1">
+              <a:lnSpc>
+                <a:spcPct val="100000"/>
+              </a:lnSpc>
+              <a:spcBef>
+                <a:spcPts val="0"/>
+              </a:spcBef>
+              <a:spcAft>
+                <a:spcPts val="0"/>
+              </a:spcAft>
+              <a:buClrTx/>
+              <a:buSzTx/>
+              <a:buFontTx/>
+              <a:buNone/>
+              <a:tabLst/>
+              <a:defRPr/>
+            </a:pPr>
+            <a:r>
+              <a:rPr lang="en-US" dirty="0" smtClean="0"/>
+              <a:t>}</a:t>
+            </a:r>
             <a:endParaRPr lang="en-US" dirty="0"/>
           </a:p>
         </p:txBody>
@@ -32091,6 +40651,24 @@
 </file>
 
 <file path=customXml/item1.xml><?xml version="1.0" encoding="utf-8"?>
+<p:properties xmlns:p="http://schemas.microsoft.com/office/2006/metadata/properties" xmlns:xsi="http://www.w3.org/2001/XMLSchema-instance" xmlns:pc="http://schemas.microsoft.com/office/infopath/2007/PartnerControls">
+  <documentManagement>
+    <PublishingExpirationDate xmlns="http://schemas.microsoft.com/sharepoint/v3" xsi:nil="true"/>
+    <PublishingStartDate xmlns="http://schemas.microsoft.com/sharepoint/v3" xsi:nil="true"/>
+  </documentManagement>
+</p:properties>
+</file>
+
+<file path=customXml/item2.xml><?xml version="1.0" encoding="utf-8"?>
+<?mso-contentType ?>
+<FormTemplates xmlns="http://schemas.microsoft.com/sharepoint/v3/contenttype/forms">
+  <Display>DocumentLibraryForm</Display>
+  <Edit>DocumentLibraryForm</Edit>
+  <New>DocumentLibraryForm</New>
+</FormTemplates>
+</file>
+
+<file path=customXml/item3.xml><?xml version="1.0" encoding="utf-8"?>
 <ct:contentTypeSchema xmlns:ct="http://schemas.microsoft.com/office/2006/metadata/contentType" xmlns:ma="http://schemas.microsoft.com/office/2006/metadata/properties/metaAttributes" ct:_="" ma:_="" ma:contentTypeName="Document" ma:contentTypeID="0x010100B0E9A4A7D20EA84CAA39F80EA2A19865" ma:contentTypeVersion="1" ma:contentTypeDescription="Create a new document." ma:contentTypeScope="" ma:versionID="4ed0c655cf5595f31b06ef1418ca28bf">
   <xsd:schema xmlns:xsd="http://www.w3.org/2001/XMLSchema" xmlns:xs="http://www.w3.org/2001/XMLSchema" xmlns:p="http://schemas.microsoft.com/office/2006/metadata/properties" xmlns:ns1="http://schemas.microsoft.com/sharepoint/v3" targetNamespace="http://schemas.microsoft.com/office/2006/metadata/properties" ma:root="true" ma:fieldsID="4dcce58c87e9fcebab8021569449a8d0" ns1:_="">
     <xsd:import namespace="http://schemas.microsoft.com/sharepoint/v3"/>
@@ -32222,25 +40800,31 @@
 </ct:contentTypeSchema>
 </file>
 
-<file path=customXml/item2.xml><?xml version="1.0" encoding="utf-8"?>
-<p:properties xmlns:p="http://schemas.microsoft.com/office/2006/metadata/properties" xmlns:xsi="http://www.w3.org/2001/XMLSchema-instance" xmlns:pc="http://schemas.microsoft.com/office/infopath/2007/PartnerControls">
-  <documentManagement>
-    <PublishingExpirationDate xmlns="http://schemas.microsoft.com/sharepoint/v3" xsi:nil="true"/>
-    <PublishingStartDate xmlns="http://schemas.microsoft.com/sharepoint/v3" xsi:nil="true"/>
-  </documentManagement>
-</p:properties>
+<file path=customXml/itemProps1.xml><?xml version="1.0" encoding="utf-8"?>
+<ds:datastoreItem xmlns:ds="http://schemas.openxmlformats.org/officeDocument/2006/customXml" ds:itemID="{D5E3C081-4081-47AD-A9A6-9F18F525DA1D}">
+  <ds:schemaRefs>
+    <ds:schemaRef ds:uri="http://purl.org/dc/terms/"/>
+    <ds:schemaRef ds:uri="http://www.w3.org/XML/1998/namespace"/>
+    <ds:schemaRef ds:uri="http://purl.org/dc/elements/1.1/"/>
+    <ds:schemaRef ds:uri="http://schemas.openxmlformats.org/package/2006/metadata/core-properties"/>
+    <ds:schemaRef ds:uri="http://schemas.microsoft.com/office/2006/documentManagement/types"/>
+    <ds:schemaRef ds:uri="http://schemas.microsoft.com/office/2006/metadata/properties"/>
+    <ds:schemaRef ds:uri="http://schemas.microsoft.com/office/infopath/2007/PartnerControls"/>
+    <ds:schemaRef ds:uri="http://schemas.microsoft.com/sharepoint/v3"/>
+    <ds:schemaRef ds:uri="http://purl.org/dc/dcmitype/"/>
+  </ds:schemaRefs>
+</ds:datastoreItem>
 </file>
 
-<file path=customXml/item3.xml><?xml version="1.0" encoding="utf-8"?>
-<?mso-contentType ?>
-<FormTemplates xmlns="http://schemas.microsoft.com/sharepoint/v3/contenttype/forms">
-  <Display>DocumentLibraryForm</Display>
-  <Edit>DocumentLibraryForm</Edit>
-  <New>DocumentLibraryForm</New>
-</FormTemplates>
+<file path=customXml/itemProps2.xml><?xml version="1.0" encoding="utf-8"?>
+<ds:datastoreItem xmlns:ds="http://schemas.openxmlformats.org/officeDocument/2006/customXml" ds:itemID="{14883F0F-DE57-4ECA-B9BB-F22E8C5B5D82}">
+  <ds:schemaRefs>
+    <ds:schemaRef ds:uri="http://schemas.microsoft.com/sharepoint/v3/contenttype/forms"/>
+  </ds:schemaRefs>
+</ds:datastoreItem>
 </file>
 
-<file path=customXml/itemProps1.xml><?xml version="1.0" encoding="utf-8"?>
+<file path=customXml/itemProps3.xml><?xml version="1.0" encoding="utf-8"?>
 <ds:datastoreItem xmlns:ds="http://schemas.openxmlformats.org/officeDocument/2006/customXml" ds:itemID="{C3A1A37E-F8E3-427A-BCE9-B1DDB8B96CDF}">
   <ds:schemaRefs>
     <ds:schemaRef ds:uri="http://schemas.microsoft.com/office/2006/metadata/contentType"/>
@@ -32256,28 +40840,4 @@
     <ds:schemaRef ds:uri="http://schemas.microsoft.com/internal/obd"/>
   </ds:schemaRefs>
 </ds:datastoreItem>
-</file>
-
-<file path=customXml/itemProps2.xml><?xml version="1.0" encoding="utf-8"?>
-<ds:datastoreItem xmlns:ds="http://schemas.openxmlformats.org/officeDocument/2006/customXml" ds:itemID="{D5E3C081-4081-47AD-A9A6-9F18F525DA1D}">
-  <ds:schemaRefs>
-    <ds:schemaRef ds:uri="http://purl.org/dc/elements/1.1/"/>
-    <ds:schemaRef ds:uri="http://schemas.openxmlformats.org/package/2006/metadata/core-properties"/>
-    <ds:schemaRef ds:uri="http://schemas.microsoft.com/office/2006/documentManagement/types"/>
-    <ds:schemaRef ds:uri="http://purl.org/dc/dcmitype/"/>
-    <ds:schemaRef ds:uri="http://schemas.microsoft.com/office/2006/metadata/properties"/>
-    <ds:schemaRef ds:uri="http://schemas.microsoft.com/office/infopath/2007/PartnerControls"/>
-    <ds:schemaRef ds:uri="http://schemas.microsoft.com/sharepoint/v3"/>
-    <ds:schemaRef ds:uri="http://www.w3.org/XML/1998/namespace"/>
-    <ds:schemaRef ds:uri="http://purl.org/dc/terms/"/>
-  </ds:schemaRefs>
-</ds:datastoreItem>
-</file>
-
-<file path=customXml/itemProps3.xml><?xml version="1.0" encoding="utf-8"?>
-<ds:datastoreItem xmlns:ds="http://schemas.openxmlformats.org/officeDocument/2006/customXml" ds:itemID="{14883F0F-DE57-4ECA-B9BB-F22E8C5B5D82}">
-  <ds:schemaRefs>
-    <ds:schemaRef ds:uri="http://schemas.microsoft.com/sharepoint/v3/contenttype/forms"/>
-  </ds:schemaRefs>
-</ds:datastoreItem>
 </file>